--- a/fypfigs.pptx
+++ b/fypfigs.pptx
@@ -5,15 +5,16 @@
     <p:sldMasterId id="2147483648" r:id="rId1"/>
   </p:sldMasterIdLst>
   <p:notesMasterIdLst>
-    <p:notesMasterId r:id="rId8"/>
+    <p:notesMasterId r:id="rId9"/>
   </p:notesMasterIdLst>
   <p:sldIdLst>
     <p:sldId id="256" r:id="rId2"/>
     <p:sldId id="257" r:id="rId3"/>
-    <p:sldId id="258" r:id="rId4"/>
-    <p:sldId id="259" r:id="rId5"/>
-    <p:sldId id="260" r:id="rId6"/>
-    <p:sldId id="261" r:id="rId7"/>
+    <p:sldId id="262" r:id="rId4"/>
+    <p:sldId id="258" r:id="rId5"/>
+    <p:sldId id="259" r:id="rId6"/>
+    <p:sldId id="260" r:id="rId7"/>
+    <p:sldId id="261" r:id="rId8"/>
   </p:sldIdLst>
   <p:sldSz cx="12192000" cy="6858000"/>
   <p:notesSz cx="6858000" cy="9144000"/>
@@ -112,6 +113,11 @@
       </a:defRPr>
     </a:lvl9pPr>
   </p:defaultTextStyle>
+  <p:extLst>
+    <p:ext uri="{EFAFB233-063F-42B5-8137-9DF3F51BA10A}">
+      <p15:sldGuideLst xmlns:p15="http://schemas.microsoft.com/office/powerpoint/2012/main"/>
+    </p:ext>
+  </p:extLst>
 </p:presentation>
 </file>
 
@@ -293,7 +299,7 @@
           <a:p>
             <a:fld id="{E769A874-54E8-40E2-AD18-C82ABD3A7D2C}" type="datetimeFigureOut">
               <a:rPr lang="en-US" smtClean="0"/>
-              <a:t>2/7/2023</a:t>
+              <a:t>3/27/2023</a:t>
             </a:fld>
             <a:endParaRPr lang="en-US"/>
           </a:p>
@@ -707,7 +713,7 @@
           <a:p>
             <a:fld id="{87595DAC-ECC9-4BAA-933D-46BBC5B4C29F}" type="datetimeFigureOut">
               <a:rPr lang="en-US" smtClean="0"/>
-              <a:t>2/7/2023</a:t>
+              <a:t>3/27/2023</a:t>
             </a:fld>
             <a:endParaRPr lang="en-US"/>
           </a:p>
@@ -905,7 +911,7 @@
           <a:p>
             <a:fld id="{87595DAC-ECC9-4BAA-933D-46BBC5B4C29F}" type="datetimeFigureOut">
               <a:rPr lang="en-US" smtClean="0"/>
-              <a:t>2/7/2023</a:t>
+              <a:t>3/27/2023</a:t>
             </a:fld>
             <a:endParaRPr lang="en-US"/>
           </a:p>
@@ -1113,7 +1119,7 @@
           <a:p>
             <a:fld id="{87595DAC-ECC9-4BAA-933D-46BBC5B4C29F}" type="datetimeFigureOut">
               <a:rPr lang="en-US" smtClean="0"/>
-              <a:t>2/7/2023</a:t>
+              <a:t>3/27/2023</a:t>
             </a:fld>
             <a:endParaRPr lang="en-US"/>
           </a:p>
@@ -1311,7 +1317,7 @@
           <a:p>
             <a:fld id="{87595DAC-ECC9-4BAA-933D-46BBC5B4C29F}" type="datetimeFigureOut">
               <a:rPr lang="en-US" smtClean="0"/>
-              <a:t>2/7/2023</a:t>
+              <a:t>3/27/2023</a:t>
             </a:fld>
             <a:endParaRPr lang="en-US"/>
           </a:p>
@@ -1586,7 +1592,7 @@
           <a:p>
             <a:fld id="{87595DAC-ECC9-4BAA-933D-46BBC5B4C29F}" type="datetimeFigureOut">
               <a:rPr lang="en-US" smtClean="0"/>
-              <a:t>2/7/2023</a:t>
+              <a:t>3/27/2023</a:t>
             </a:fld>
             <a:endParaRPr lang="en-US"/>
           </a:p>
@@ -1851,7 +1857,7 @@
           <a:p>
             <a:fld id="{87595DAC-ECC9-4BAA-933D-46BBC5B4C29F}" type="datetimeFigureOut">
               <a:rPr lang="en-US" smtClean="0"/>
-              <a:t>2/7/2023</a:t>
+              <a:t>3/27/2023</a:t>
             </a:fld>
             <a:endParaRPr lang="en-US"/>
           </a:p>
@@ -2263,7 +2269,7 @@
           <a:p>
             <a:fld id="{87595DAC-ECC9-4BAA-933D-46BBC5B4C29F}" type="datetimeFigureOut">
               <a:rPr lang="en-US" smtClean="0"/>
-              <a:t>2/7/2023</a:t>
+              <a:t>3/27/2023</a:t>
             </a:fld>
             <a:endParaRPr lang="en-US"/>
           </a:p>
@@ -2404,7 +2410,7 @@
           <a:p>
             <a:fld id="{87595DAC-ECC9-4BAA-933D-46BBC5B4C29F}" type="datetimeFigureOut">
               <a:rPr lang="en-US" smtClean="0"/>
-              <a:t>2/7/2023</a:t>
+              <a:t>3/27/2023</a:t>
             </a:fld>
             <a:endParaRPr lang="en-US"/>
           </a:p>
@@ -2517,7 +2523,7 @@
           <a:p>
             <a:fld id="{87595DAC-ECC9-4BAA-933D-46BBC5B4C29F}" type="datetimeFigureOut">
               <a:rPr lang="en-US" smtClean="0"/>
-              <a:t>2/7/2023</a:t>
+              <a:t>3/27/2023</a:t>
             </a:fld>
             <a:endParaRPr lang="en-US"/>
           </a:p>
@@ -2828,7 +2834,7 @@
           <a:p>
             <a:fld id="{87595DAC-ECC9-4BAA-933D-46BBC5B4C29F}" type="datetimeFigureOut">
               <a:rPr lang="en-US" smtClean="0"/>
-              <a:t>2/7/2023</a:t>
+              <a:t>3/27/2023</a:t>
             </a:fld>
             <a:endParaRPr lang="en-US"/>
           </a:p>
@@ -3116,7 +3122,7 @@
           <a:p>
             <a:fld id="{87595DAC-ECC9-4BAA-933D-46BBC5B4C29F}" type="datetimeFigureOut">
               <a:rPr lang="en-US" smtClean="0"/>
-              <a:t>2/7/2023</a:t>
+              <a:t>3/27/2023</a:t>
             </a:fld>
             <a:endParaRPr lang="en-US"/>
           </a:p>
@@ -3357,7 +3363,7 @@
           <a:p>
             <a:fld id="{87595DAC-ECC9-4BAA-933D-46BBC5B4C29F}" type="datetimeFigureOut">
               <a:rPr lang="en-US" smtClean="0"/>
-              <a:t>2/7/2023</a:t>
+              <a:t>3/27/2023</a:t>
             </a:fld>
             <a:endParaRPr lang="en-US"/>
           </a:p>
@@ -4570,8 +4576,8 @@
           </a:p>
         </p:txBody>
       </p:sp>
-      <mc:AlternateContent xmlns:mc="http://schemas.openxmlformats.org/markup-compatibility/2006">
-        <mc:Choice xmlns:p14="http://schemas.microsoft.com/office/powerpoint/2010/main" xmlns:aink="http://schemas.microsoft.com/office/drawing/2016/ink" Requires="p14 aink">
+      <mc:AlternateContent xmlns:mc="http://schemas.openxmlformats.org/markup-compatibility/2006" xmlns:p14="http://schemas.microsoft.com/office/powerpoint/2010/main" xmlns:aink="http://schemas.microsoft.com/office/drawing/2016/ink">
+        <mc:Choice Requires="p14 aink">
           <p:contentPart p14:bwMode="auto" r:id="rId2">
             <p14:nvContentPartPr>
               <p14:cNvPr id="36" name="Ink 35">
@@ -4590,7 +4596,7 @@
             </p14:xfrm>
           </p:contentPart>
         </mc:Choice>
-        <mc:Fallback>
+        <mc:Fallback xmlns="">
           <p:pic>
             <p:nvPicPr>
               <p:cNvPr id="36" name="Ink 35">
@@ -4641,8 +4647,8 @@
             <a:chExt cx="421200" cy="687600"/>
           </a:xfrm>
         </p:grpSpPr>
-        <mc:AlternateContent xmlns:mc="http://schemas.openxmlformats.org/markup-compatibility/2006">
-          <mc:Choice xmlns:p14="http://schemas.microsoft.com/office/powerpoint/2010/main" xmlns:aink="http://schemas.microsoft.com/office/drawing/2016/ink" Requires="p14 aink">
+        <mc:AlternateContent xmlns:mc="http://schemas.openxmlformats.org/markup-compatibility/2006" xmlns:p14="http://schemas.microsoft.com/office/powerpoint/2010/main" xmlns:aink="http://schemas.microsoft.com/office/drawing/2016/ink">
+          <mc:Choice Requires="p14 aink">
             <p:contentPart p14:bwMode="auto" r:id="rId4">
               <p14:nvContentPartPr>
                 <p14:cNvPr id="40" name="Ink 39">
@@ -4661,7 +4667,7 @@
               </p14:xfrm>
             </p:contentPart>
           </mc:Choice>
-          <mc:Fallback>
+          <mc:Fallback xmlns="">
             <p:pic>
               <p:nvPicPr>
                 <p:cNvPr id="40" name="Ink 39">
@@ -4692,8 +4698,8 @@
             </p:pic>
           </mc:Fallback>
         </mc:AlternateContent>
-        <mc:AlternateContent xmlns:mc="http://schemas.openxmlformats.org/markup-compatibility/2006">
-          <mc:Choice xmlns:p14="http://schemas.microsoft.com/office/powerpoint/2010/main" xmlns:aink="http://schemas.microsoft.com/office/drawing/2016/ink" Requires="p14 aink">
+        <mc:AlternateContent xmlns:mc="http://schemas.openxmlformats.org/markup-compatibility/2006" xmlns:p14="http://schemas.microsoft.com/office/powerpoint/2010/main" xmlns:aink="http://schemas.microsoft.com/office/drawing/2016/ink">
+          <mc:Choice Requires="p14 aink">
             <p:contentPart p14:bwMode="auto" r:id="rId6">
               <p14:nvContentPartPr>
                 <p14:cNvPr id="41" name="Ink 40">
@@ -4712,7 +4718,7 @@
               </p14:xfrm>
             </p:contentPart>
           </mc:Choice>
-          <mc:Fallback>
+          <mc:Fallback xmlns="">
             <p:pic>
               <p:nvPicPr>
                 <p:cNvPr id="41" name="Ink 40">
@@ -4988,8 +4994,8 @@
           </a:p>
         </p:txBody>
       </p:sp>
-      <mc:AlternateContent xmlns:mc="http://schemas.openxmlformats.org/markup-compatibility/2006">
-        <mc:Choice xmlns:a14="http://schemas.microsoft.com/office/drawing/2010/main" Requires="a14">
+      <mc:AlternateContent xmlns:mc="http://schemas.openxmlformats.org/markup-compatibility/2006" xmlns:a14="http://schemas.microsoft.com/office/drawing/2010/main">
+        <mc:Choice Requires="a14">
           <p:sp>
             <p:nvSpPr>
               <p:cNvPr id="52" name="TextBox 51">
@@ -5064,7 +5070,7 @@
             </p:txBody>
           </p:sp>
         </mc:Choice>
-        <mc:Fallback>
+        <mc:Fallback xmlns="">
           <p:sp>
             <p:nvSpPr>
               <p:cNvPr id="52" name="TextBox 51">
@@ -5205,8 +5211,8 @@
             </a:p>
           </p:txBody>
         </p:sp>
-        <mc:AlternateContent xmlns:mc="http://schemas.openxmlformats.org/markup-compatibility/2006">
-          <mc:Choice xmlns:a14="http://schemas.microsoft.com/office/drawing/2010/main" Requires="a14">
+        <mc:AlternateContent xmlns:mc="http://schemas.openxmlformats.org/markup-compatibility/2006" xmlns:a14="http://schemas.microsoft.com/office/drawing/2010/main">
+          <mc:Choice Requires="a14">
             <p:sp>
               <p:nvSpPr>
                 <p:cNvPr id="7" name="Rectangle 6">
@@ -5391,7 +5397,7 @@
               </p:txBody>
             </p:sp>
           </mc:Choice>
-          <mc:Fallback>
+          <mc:Fallback xmlns="">
             <p:sp>
               <p:nvSpPr>
                 <p:cNvPr id="7" name="Rectangle 6">
@@ -5503,8 +5509,8 @@
             </a:p>
           </p:txBody>
         </p:sp>
-        <mc:AlternateContent xmlns:mc="http://schemas.openxmlformats.org/markup-compatibility/2006">
-          <mc:Choice xmlns:a14="http://schemas.microsoft.com/office/drawing/2010/main" Requires="a14">
+        <mc:AlternateContent xmlns:mc="http://schemas.openxmlformats.org/markup-compatibility/2006" xmlns:a14="http://schemas.microsoft.com/office/drawing/2010/main">
+          <mc:Choice Requires="a14">
             <p:sp>
               <p:nvSpPr>
                 <p:cNvPr id="13" name="Rectangle 12">
@@ -5689,7 +5695,7 @@
               </p:txBody>
             </p:sp>
           </mc:Choice>
-          <mc:Fallback>
+          <mc:Fallback xmlns="">
             <p:sp>
               <p:nvSpPr>
                 <p:cNvPr id="13" name="Rectangle 12">
@@ -5774,8 +5780,8 @@
           </a:fontRef>
         </p:style>
       </p:cxnSp>
-      <mc:AlternateContent xmlns:mc="http://schemas.openxmlformats.org/markup-compatibility/2006">
-        <mc:Choice xmlns:a14="http://schemas.microsoft.com/office/drawing/2010/main" Requires="a14">
+      <mc:AlternateContent xmlns:mc="http://schemas.openxmlformats.org/markup-compatibility/2006" xmlns:a14="http://schemas.microsoft.com/office/drawing/2010/main">
+        <mc:Choice Requires="a14">
           <p:sp>
             <p:nvSpPr>
               <p:cNvPr id="15" name="Rectangle 14">
@@ -6110,7 +6116,7 @@
             </p:txBody>
           </p:sp>
         </mc:Choice>
-        <mc:Fallback>
+        <mc:Fallback xmlns="">
           <p:sp>
             <p:nvSpPr>
               <p:cNvPr id="15" name="Rectangle 14">
@@ -6197,8 +6203,8 @@
           </a:fontRef>
         </p:style>
       </p:cxnSp>
-      <mc:AlternateContent xmlns:mc="http://schemas.openxmlformats.org/markup-compatibility/2006">
-        <mc:Choice xmlns:a14="http://schemas.microsoft.com/office/drawing/2010/main" Requires="a14">
+      <mc:AlternateContent xmlns:mc="http://schemas.openxmlformats.org/markup-compatibility/2006" xmlns:a14="http://schemas.microsoft.com/office/drawing/2010/main">
+        <mc:Choice Requires="a14">
           <p:sp>
             <p:nvSpPr>
               <p:cNvPr id="18" name="Rectangle 17">
@@ -6271,7 +6277,7 @@
             </p:txBody>
           </p:sp>
         </mc:Choice>
-        <mc:Fallback>
+        <mc:Fallback xmlns="">
           <p:sp>
             <p:nvSpPr>
               <p:cNvPr id="18" name="Rectangle 17">
@@ -6358,8 +6364,8 @@
           </a:fontRef>
         </p:style>
       </p:cxnSp>
-      <mc:AlternateContent xmlns:mc="http://schemas.openxmlformats.org/markup-compatibility/2006">
-        <mc:Choice xmlns:a14="http://schemas.microsoft.com/office/drawing/2010/main" Requires="a14">
+      <mc:AlternateContent xmlns:mc="http://schemas.openxmlformats.org/markup-compatibility/2006" xmlns:a14="http://schemas.microsoft.com/office/drawing/2010/main">
+        <mc:Choice Requires="a14">
           <p:sp>
             <p:nvSpPr>
               <p:cNvPr id="20" name="Rectangle 19">
@@ -6455,7 +6461,7 @@
             </p:txBody>
           </p:sp>
         </mc:Choice>
-        <mc:Fallback>
+        <mc:Fallback xmlns="">
           <p:sp>
             <p:nvSpPr>
               <p:cNvPr id="20" name="Rectangle 19">
@@ -6542,8 +6548,8 @@
           </a:fontRef>
         </p:style>
       </p:cxnSp>
-      <mc:AlternateContent xmlns:mc="http://schemas.openxmlformats.org/markup-compatibility/2006">
-        <mc:Choice xmlns:a14="http://schemas.microsoft.com/office/drawing/2010/main" Requires="a14">
+      <mc:AlternateContent xmlns:mc="http://schemas.openxmlformats.org/markup-compatibility/2006" xmlns:a14="http://schemas.microsoft.com/office/drawing/2010/main">
+        <mc:Choice Requires="a14">
           <p:sp>
             <p:nvSpPr>
               <p:cNvPr id="22" name="Rectangle 21">
@@ -6639,7 +6645,7 @@
             </p:txBody>
           </p:sp>
         </mc:Choice>
-        <mc:Fallback>
+        <mc:Fallback xmlns="">
           <p:sp>
             <p:nvSpPr>
               <p:cNvPr id="22" name="Rectangle 21">
@@ -6684,8 +6690,8 @@
           </p:sp>
         </mc:Fallback>
       </mc:AlternateContent>
-      <mc:AlternateContent xmlns:mc="http://schemas.openxmlformats.org/markup-compatibility/2006">
-        <mc:Choice xmlns:a14="http://schemas.microsoft.com/office/drawing/2010/main" Requires="a14">
+      <mc:AlternateContent xmlns:mc="http://schemas.openxmlformats.org/markup-compatibility/2006" xmlns:a14="http://schemas.microsoft.com/office/drawing/2010/main">
+        <mc:Choice Requires="a14">
           <p:sp>
             <p:nvSpPr>
               <p:cNvPr id="23" name="Rectangle 22">
@@ -6758,7 +6764,7 @@
             </p:txBody>
           </p:sp>
         </mc:Choice>
-        <mc:Fallback>
+        <mc:Fallback xmlns="">
           <p:sp>
             <p:nvSpPr>
               <p:cNvPr id="23" name="Rectangle 22">
@@ -6875,6 +6881,4951 @@
           <a:chExt cx="0" cy="0"/>
         </a:xfrm>
       </p:grpSpPr>
+      <p:sp>
+        <p:nvSpPr>
+          <p:cNvPr id="68" name="Rectangle 67">
+            <a:extLst>
+              <a:ext uri="{FF2B5EF4-FFF2-40B4-BE49-F238E27FC236}">
+                <a16:creationId xmlns:a16="http://schemas.microsoft.com/office/drawing/2014/main" id="{9D6543D4-A355-5851-611B-44C8AEA4AFBD}"/>
+              </a:ext>
+            </a:extLst>
+          </p:cNvPr>
+          <p:cNvSpPr/>
+          <p:nvPr/>
+        </p:nvSpPr>
+        <p:spPr>
+          <a:xfrm>
+            <a:off x="4593648" y="-16843"/>
+            <a:ext cx="357790" cy="769441"/>
+          </a:xfrm>
+          <a:prstGeom prst="rect">
+            <a:avLst/>
+          </a:prstGeom>
+          <a:noFill/>
+        </p:spPr>
+        <p:txBody>
+          <a:bodyPr wrap="none" lIns="91440" tIns="45720" rIns="91440" bIns="45720">
+            <a:spAutoFit/>
+            <a:scene3d>
+              <a:camera prst="orthographicFront"/>
+              <a:lightRig rig="soft" dir="t">
+                <a:rot lat="0" lon="0" rev="15600000"/>
+              </a:lightRig>
+            </a:scene3d>
+            <a:sp3d extrusionH="57150" prstMaterial="softEdge">
+              <a:bevelT w="25400" h="38100"/>
+            </a:sp3d>
+          </a:bodyPr>
+          <a:lstStyle/>
+          <a:p>
+            <a:pPr algn="ctr"/>
+            <a:r>
+              <a:rPr lang="en-US" sz="4400" b="1" dirty="0">
+                <a:ln/>
+                <a:solidFill>
+                  <a:srgbClr val="00B050"/>
+                </a:solidFill>
+                <a:latin typeface="Algerian" panose="04020705040A02060702" pitchFamily="82" charset="0"/>
+              </a:rPr>
+              <a:t>I</a:t>
+            </a:r>
+          </a:p>
+        </p:txBody>
+      </p:sp>
+      <p:grpSp>
+        <p:nvGrpSpPr>
+          <p:cNvPr id="21" name="Group 20">
+            <a:extLst>
+              <a:ext uri="{FF2B5EF4-FFF2-40B4-BE49-F238E27FC236}">
+                <a16:creationId xmlns:a16="http://schemas.microsoft.com/office/drawing/2014/main" id="{BB9BBAC7-188C-D6E5-BC54-CBFD48630071}"/>
+              </a:ext>
+            </a:extLst>
+          </p:cNvPr>
+          <p:cNvGrpSpPr/>
+          <p:nvPr/>
+        </p:nvGrpSpPr>
+        <p:grpSpPr>
+          <a:xfrm>
+            <a:off x="2663193" y="1510806"/>
+            <a:ext cx="1226682" cy="2700925"/>
+            <a:chOff x="1527349" y="710103"/>
+            <a:chExt cx="1889091" cy="3349432"/>
+          </a:xfrm>
+        </p:grpSpPr>
+        <p:sp>
+          <p:nvSpPr>
+            <p:cNvPr id="4" name="Rectangle: Rounded Corners 3">
+              <a:extLst>
+                <a:ext uri="{FF2B5EF4-FFF2-40B4-BE49-F238E27FC236}">
+                  <a16:creationId xmlns:a16="http://schemas.microsoft.com/office/drawing/2014/main" id="{2817E184-15A2-940F-DABF-E622AD578B87}"/>
+                </a:ext>
+              </a:extLst>
+            </p:cNvPr>
+            <p:cNvSpPr/>
+            <p:nvPr/>
+          </p:nvSpPr>
+          <p:spPr>
+            <a:xfrm>
+              <a:off x="1527349" y="1225899"/>
+              <a:ext cx="1889091" cy="2833636"/>
+            </a:xfrm>
+            <a:prstGeom prst="roundRect">
+              <a:avLst/>
+            </a:prstGeom>
+          </p:spPr>
+          <p:style>
+            <a:lnRef idx="2">
+              <a:schemeClr val="accent1">
+                <a:shade val="50000"/>
+              </a:schemeClr>
+            </a:lnRef>
+            <a:fillRef idx="1">
+              <a:schemeClr val="accent1"/>
+            </a:fillRef>
+            <a:effectRef idx="0">
+              <a:schemeClr val="accent1"/>
+            </a:effectRef>
+            <a:fontRef idx="minor">
+              <a:schemeClr val="lt1"/>
+            </a:fontRef>
+          </p:style>
+          <p:txBody>
+            <a:bodyPr rtlCol="0" anchor="ctr"/>
+            <a:lstStyle/>
+            <a:p>
+              <a:pPr algn="ctr"/>
+              <a:endParaRPr lang="en-US"/>
+            </a:p>
+          </p:txBody>
+        </p:sp>
+        <p:sp>
+          <p:nvSpPr>
+            <p:cNvPr id="5" name="Rectangle: Rounded Corners 4">
+              <a:extLst>
+                <a:ext uri="{FF2B5EF4-FFF2-40B4-BE49-F238E27FC236}">
+                  <a16:creationId xmlns:a16="http://schemas.microsoft.com/office/drawing/2014/main" id="{450727C8-2288-1512-7CE2-462AA408924F}"/>
+                </a:ext>
+              </a:extLst>
+            </p:cNvPr>
+            <p:cNvSpPr/>
+            <p:nvPr/>
+          </p:nvSpPr>
+          <p:spPr>
+            <a:xfrm>
+              <a:off x="1879041" y="1296241"/>
+              <a:ext cx="1185706" cy="472272"/>
+            </a:xfrm>
+            <a:prstGeom prst="roundRect">
+              <a:avLst/>
+            </a:prstGeom>
+          </p:spPr>
+          <p:style>
+            <a:lnRef idx="2">
+              <a:schemeClr val="accent4">
+                <a:shade val="50000"/>
+              </a:schemeClr>
+            </a:lnRef>
+            <a:fillRef idx="1">
+              <a:schemeClr val="accent4"/>
+            </a:fillRef>
+            <a:effectRef idx="0">
+              <a:schemeClr val="accent4"/>
+            </a:effectRef>
+            <a:fontRef idx="minor">
+              <a:schemeClr val="lt1"/>
+            </a:fontRef>
+          </p:style>
+          <p:txBody>
+            <a:bodyPr rtlCol="0" anchor="ctr"/>
+            <a:lstStyle/>
+            <a:p>
+              <a:pPr algn="ctr"/>
+              <a:endParaRPr lang="en-US"/>
+            </a:p>
+          </p:txBody>
+        </p:sp>
+        <p:sp>
+          <p:nvSpPr>
+            <p:cNvPr id="6" name="Rectangle: Rounded Corners 5">
+              <a:extLst>
+                <a:ext uri="{FF2B5EF4-FFF2-40B4-BE49-F238E27FC236}">
+                  <a16:creationId xmlns:a16="http://schemas.microsoft.com/office/drawing/2014/main" id="{5DE00973-AB31-11C0-E760-91D7BC26019C}"/>
+                </a:ext>
+              </a:extLst>
+            </p:cNvPr>
+            <p:cNvSpPr/>
+            <p:nvPr/>
+          </p:nvSpPr>
+          <p:spPr>
+            <a:xfrm>
+              <a:off x="1879041" y="2059915"/>
+              <a:ext cx="1185706" cy="472272"/>
+            </a:xfrm>
+            <a:prstGeom prst="roundRect">
+              <a:avLst/>
+            </a:prstGeom>
+          </p:spPr>
+          <p:style>
+            <a:lnRef idx="2">
+              <a:schemeClr val="accent4">
+                <a:shade val="50000"/>
+              </a:schemeClr>
+            </a:lnRef>
+            <a:fillRef idx="1">
+              <a:schemeClr val="accent4"/>
+            </a:fillRef>
+            <a:effectRef idx="0">
+              <a:schemeClr val="accent4"/>
+            </a:effectRef>
+            <a:fontRef idx="minor">
+              <a:schemeClr val="lt1"/>
+            </a:fontRef>
+          </p:style>
+          <p:txBody>
+            <a:bodyPr rtlCol="0" anchor="ctr"/>
+            <a:lstStyle/>
+            <a:p>
+              <a:pPr algn="ctr"/>
+              <a:endParaRPr lang="en-US"/>
+            </a:p>
+          </p:txBody>
+        </p:sp>
+        <p:sp>
+          <p:nvSpPr>
+            <p:cNvPr id="7" name="Rectangle: Rounded Corners 6">
+              <a:extLst>
+                <a:ext uri="{FF2B5EF4-FFF2-40B4-BE49-F238E27FC236}">
+                  <a16:creationId xmlns:a16="http://schemas.microsoft.com/office/drawing/2014/main" id="{F994D36C-6317-042D-25BE-7E78D7D067C2}"/>
+                </a:ext>
+              </a:extLst>
+            </p:cNvPr>
+            <p:cNvSpPr/>
+            <p:nvPr/>
+          </p:nvSpPr>
+          <p:spPr>
+            <a:xfrm>
+              <a:off x="1879041" y="2823589"/>
+              <a:ext cx="1185706" cy="472272"/>
+            </a:xfrm>
+            <a:prstGeom prst="roundRect">
+              <a:avLst/>
+            </a:prstGeom>
+          </p:spPr>
+          <p:style>
+            <a:lnRef idx="2">
+              <a:schemeClr val="accent4">
+                <a:shade val="50000"/>
+              </a:schemeClr>
+            </a:lnRef>
+            <a:fillRef idx="1">
+              <a:schemeClr val="accent4"/>
+            </a:fillRef>
+            <a:effectRef idx="0">
+              <a:schemeClr val="accent4"/>
+            </a:effectRef>
+            <a:fontRef idx="minor">
+              <a:schemeClr val="lt1"/>
+            </a:fontRef>
+          </p:style>
+          <p:txBody>
+            <a:bodyPr rtlCol="0" anchor="ctr"/>
+            <a:lstStyle/>
+            <a:p>
+              <a:pPr algn="ctr"/>
+              <a:endParaRPr lang="en-US"/>
+            </a:p>
+          </p:txBody>
+        </p:sp>
+        <p:sp>
+          <p:nvSpPr>
+            <p:cNvPr id="8" name="Rectangle: Rounded Corners 7">
+              <a:extLst>
+                <a:ext uri="{FF2B5EF4-FFF2-40B4-BE49-F238E27FC236}">
+                  <a16:creationId xmlns:a16="http://schemas.microsoft.com/office/drawing/2014/main" id="{E2D4EB8A-9922-642A-4A86-E2554E1F240E}"/>
+                </a:ext>
+              </a:extLst>
+            </p:cNvPr>
+            <p:cNvSpPr/>
+            <p:nvPr/>
+          </p:nvSpPr>
+          <p:spPr>
+            <a:xfrm>
+              <a:off x="1879041" y="3496828"/>
+              <a:ext cx="1185706" cy="472272"/>
+            </a:xfrm>
+            <a:prstGeom prst="roundRect">
+              <a:avLst/>
+            </a:prstGeom>
+          </p:spPr>
+          <p:style>
+            <a:lnRef idx="2">
+              <a:schemeClr val="accent4">
+                <a:shade val="50000"/>
+              </a:schemeClr>
+            </a:lnRef>
+            <a:fillRef idx="1">
+              <a:schemeClr val="accent4"/>
+            </a:fillRef>
+            <a:effectRef idx="0">
+              <a:schemeClr val="accent4"/>
+            </a:effectRef>
+            <a:fontRef idx="minor">
+              <a:schemeClr val="lt1"/>
+            </a:fontRef>
+          </p:style>
+          <p:txBody>
+            <a:bodyPr rtlCol="0" anchor="ctr"/>
+            <a:lstStyle/>
+            <a:p>
+              <a:pPr algn="ctr"/>
+              <a:endParaRPr lang="en-US"/>
+            </a:p>
+          </p:txBody>
+        </p:sp>
+        <p:cxnSp>
+          <p:nvCxnSpPr>
+            <p:cNvPr id="10" name="Straight Arrow Connector 9">
+              <a:extLst>
+                <a:ext uri="{FF2B5EF4-FFF2-40B4-BE49-F238E27FC236}">
+                  <a16:creationId xmlns:a16="http://schemas.microsoft.com/office/drawing/2014/main" id="{4E95B4B8-3BE8-6BD3-9F20-3F05CFD1E090}"/>
+                </a:ext>
+              </a:extLst>
+            </p:cNvPr>
+            <p:cNvCxnSpPr>
+              <a:cxnSpLocks/>
+              <a:stCxn id="5" idx="2"/>
+              <a:endCxn id="6" idx="0"/>
+            </p:cNvCxnSpPr>
+            <p:nvPr/>
+          </p:nvCxnSpPr>
+          <p:spPr>
+            <a:xfrm>
+              <a:off x="2471894" y="1768513"/>
+              <a:ext cx="0" cy="291402"/>
+            </a:xfrm>
+            <a:prstGeom prst="straightConnector1">
+              <a:avLst/>
+            </a:prstGeom>
+            <a:ln>
+              <a:tailEnd type="triangle"/>
+            </a:ln>
+          </p:spPr>
+          <p:style>
+            <a:lnRef idx="1">
+              <a:schemeClr val="accent4"/>
+            </a:lnRef>
+            <a:fillRef idx="0">
+              <a:schemeClr val="accent4"/>
+            </a:fillRef>
+            <a:effectRef idx="0">
+              <a:schemeClr val="accent4"/>
+            </a:effectRef>
+            <a:fontRef idx="minor">
+              <a:schemeClr val="tx1"/>
+            </a:fontRef>
+          </p:style>
+        </p:cxnSp>
+        <p:cxnSp>
+          <p:nvCxnSpPr>
+            <p:cNvPr id="11" name="Straight Arrow Connector 10">
+              <a:extLst>
+                <a:ext uri="{FF2B5EF4-FFF2-40B4-BE49-F238E27FC236}">
+                  <a16:creationId xmlns:a16="http://schemas.microsoft.com/office/drawing/2014/main" id="{053CB2C9-57C5-BC1F-B59D-019BD4DA9DA4}"/>
+                </a:ext>
+              </a:extLst>
+            </p:cNvPr>
+            <p:cNvCxnSpPr>
+              <a:cxnSpLocks/>
+              <a:stCxn id="6" idx="2"/>
+              <a:endCxn id="7" idx="0"/>
+            </p:cNvCxnSpPr>
+            <p:nvPr/>
+          </p:nvCxnSpPr>
+          <p:spPr>
+            <a:xfrm>
+              <a:off x="2471894" y="2532187"/>
+              <a:ext cx="0" cy="291402"/>
+            </a:xfrm>
+            <a:prstGeom prst="straightConnector1">
+              <a:avLst/>
+            </a:prstGeom>
+            <a:ln>
+              <a:tailEnd type="triangle"/>
+            </a:ln>
+          </p:spPr>
+          <p:style>
+            <a:lnRef idx="1">
+              <a:schemeClr val="accent4"/>
+            </a:lnRef>
+            <a:fillRef idx="0">
+              <a:schemeClr val="accent4"/>
+            </a:fillRef>
+            <a:effectRef idx="0">
+              <a:schemeClr val="accent4"/>
+            </a:effectRef>
+            <a:fontRef idx="minor">
+              <a:schemeClr val="tx1"/>
+            </a:fontRef>
+          </p:style>
+        </p:cxnSp>
+        <p:cxnSp>
+          <p:nvCxnSpPr>
+            <p:cNvPr id="12" name="Straight Arrow Connector 11">
+              <a:extLst>
+                <a:ext uri="{FF2B5EF4-FFF2-40B4-BE49-F238E27FC236}">
+                  <a16:creationId xmlns:a16="http://schemas.microsoft.com/office/drawing/2014/main" id="{70EB2CCD-3F5B-7388-FBAB-0ECEFE5B9102}"/>
+                </a:ext>
+              </a:extLst>
+            </p:cNvPr>
+            <p:cNvCxnSpPr>
+              <a:cxnSpLocks/>
+              <a:stCxn id="7" idx="2"/>
+              <a:endCxn id="8" idx="0"/>
+            </p:cNvCxnSpPr>
+            <p:nvPr/>
+          </p:nvCxnSpPr>
+          <p:spPr>
+            <a:xfrm>
+              <a:off x="2471894" y="3295861"/>
+              <a:ext cx="0" cy="200967"/>
+            </a:xfrm>
+            <a:prstGeom prst="straightConnector1">
+              <a:avLst/>
+            </a:prstGeom>
+            <a:ln>
+              <a:tailEnd type="triangle"/>
+            </a:ln>
+          </p:spPr>
+          <p:style>
+            <a:lnRef idx="1">
+              <a:schemeClr val="accent4"/>
+            </a:lnRef>
+            <a:fillRef idx="0">
+              <a:schemeClr val="accent4"/>
+            </a:fillRef>
+            <a:effectRef idx="0">
+              <a:schemeClr val="accent4"/>
+            </a:effectRef>
+            <a:fontRef idx="minor">
+              <a:schemeClr val="tx1"/>
+            </a:fontRef>
+          </p:style>
+        </p:cxnSp>
+        <p:cxnSp>
+          <p:nvCxnSpPr>
+            <p:cNvPr id="13" name="Straight Arrow Connector 12">
+              <a:extLst>
+                <a:ext uri="{FF2B5EF4-FFF2-40B4-BE49-F238E27FC236}">
+                  <a16:creationId xmlns:a16="http://schemas.microsoft.com/office/drawing/2014/main" id="{2FF7F2BD-6782-2F8B-1C03-1189CD5CE838}"/>
+                </a:ext>
+              </a:extLst>
+            </p:cNvPr>
+            <p:cNvCxnSpPr/>
+            <p:nvPr/>
+          </p:nvCxnSpPr>
+          <p:spPr>
+            <a:xfrm>
+              <a:off x="2435051" y="2073313"/>
+              <a:ext cx="663191" cy="291402"/>
+            </a:xfrm>
+            <a:prstGeom prst="straightConnector1">
+              <a:avLst/>
+            </a:prstGeom>
+            <a:ln>
+              <a:tailEnd type="triangle"/>
+            </a:ln>
+          </p:spPr>
+          <p:style>
+            <a:lnRef idx="1">
+              <a:schemeClr val="accent4"/>
+            </a:lnRef>
+            <a:fillRef idx="0">
+              <a:schemeClr val="accent4"/>
+            </a:fillRef>
+            <a:effectRef idx="0">
+              <a:schemeClr val="accent4"/>
+            </a:effectRef>
+            <a:fontRef idx="minor">
+              <a:schemeClr val="tx1"/>
+            </a:fontRef>
+          </p:style>
+        </p:cxnSp>
+        <mc:AlternateContent xmlns:mc="http://schemas.openxmlformats.org/markup-compatibility/2006">
+          <mc:Choice xmlns:a14="http://schemas.microsoft.com/office/drawing/2010/main" Requires="a14">
+            <p:sp>
+              <p:nvSpPr>
+                <p:cNvPr id="20" name="Rectangle 19">
+                  <a:extLst>
+                    <a:ext uri="{FF2B5EF4-FFF2-40B4-BE49-F238E27FC236}">
+                      <a16:creationId xmlns:a16="http://schemas.microsoft.com/office/drawing/2014/main" id="{FD9B838D-B219-E8B5-DFD7-23FEE1DA804B}"/>
+                    </a:ext>
+                  </a:extLst>
+                </p:cNvPr>
+                <p:cNvSpPr/>
+                <p:nvPr/>
+              </p:nvSpPr>
+              <p:spPr>
+                <a:xfrm>
+                  <a:off x="1672661" y="710103"/>
+                  <a:ext cx="1069168" cy="619595"/>
+                </a:xfrm>
+                <a:prstGeom prst="rect">
+                  <a:avLst/>
+                </a:prstGeom>
+                <a:noFill/>
+              </p:spPr>
+              <p:txBody>
+                <a:bodyPr wrap="square" lIns="91440" tIns="45720" rIns="91440" bIns="45720">
+                  <a:spAutoFit/>
+                </a:bodyPr>
+                <a:lstStyle/>
+                <a:p>
+                  <a:pPr algn="ctr"/>
+                  <a14:m>
+                    <m:oMathPara xmlns:m="http://schemas.openxmlformats.org/officeDocument/2006/math">
+                      <m:oMathParaPr>
+                        <m:jc m:val="centerGroup"/>
+                      </m:oMathParaPr>
+                      <m:oMath xmlns:m="http://schemas.openxmlformats.org/officeDocument/2006/math">
+                        <m:sSub>
+                          <m:sSubPr>
+                            <m:ctrlPr>
+                              <a:rPr lang="en-US" sz="2800" b="1" i="1" cap="none" spc="0" smtClean="0">
+                                <a:ln w="22225">
+                                  <a:solidFill>
+                                    <a:schemeClr val="accent2"/>
+                                  </a:solidFill>
+                                  <a:prstDash val="solid"/>
+                                </a:ln>
+                                <a:solidFill>
+                                  <a:schemeClr val="accent2">
+                                    <a:lumMod val="40000"/>
+                                    <a:lumOff val="60000"/>
+                                  </a:schemeClr>
+                                </a:solidFill>
+                                <a:effectLst/>
+                                <a:latin typeface="Cambria Math" panose="02040503050406030204" pitchFamily="18" charset="0"/>
+                              </a:rPr>
+                            </m:ctrlPr>
+                          </m:sSubPr>
+                          <m:e>
+                            <m:r>
+                              <a:rPr lang="en-US" sz="2800" b="1" i="1" cap="none" spc="0" smtClean="0">
+                                <a:ln w="22225">
+                                  <a:solidFill>
+                                    <a:schemeClr val="accent2"/>
+                                  </a:solidFill>
+                                  <a:prstDash val="solid"/>
+                                </a:ln>
+                                <a:solidFill>
+                                  <a:schemeClr val="accent2">
+                                    <a:lumMod val="40000"/>
+                                    <a:lumOff val="60000"/>
+                                  </a:schemeClr>
+                                </a:solidFill>
+                                <a:effectLst/>
+                                <a:latin typeface="Cambria Math" panose="02040503050406030204" pitchFamily="18" charset="0"/>
+                              </a:rPr>
+                              <m:t>𝑨</m:t>
+                            </m:r>
+                          </m:e>
+                          <m:sub>
+                            <m:r>
+                              <a:rPr lang="en-US" sz="2800" b="1" i="1" cap="none" spc="0" smtClean="0">
+                                <a:ln w="22225">
+                                  <a:solidFill>
+                                    <a:schemeClr val="accent2"/>
+                                  </a:solidFill>
+                                  <a:prstDash val="solid"/>
+                                </a:ln>
+                                <a:solidFill>
+                                  <a:schemeClr val="accent2">
+                                    <a:lumMod val="40000"/>
+                                    <a:lumOff val="60000"/>
+                                  </a:schemeClr>
+                                </a:solidFill>
+                                <a:effectLst/>
+                                <a:latin typeface="Cambria Math" panose="02040503050406030204" pitchFamily="18" charset="0"/>
+                              </a:rPr>
+                              <m:t>𝟏</m:t>
+                            </m:r>
+                          </m:sub>
+                        </m:sSub>
+                      </m:oMath>
+                    </m:oMathPara>
+                  </a14:m>
+                  <a:endParaRPr lang="en-US" sz="2800" b="1" cap="none" spc="0" dirty="0">
+                    <a:ln w="22225">
+                      <a:solidFill>
+                        <a:schemeClr val="accent2"/>
+                      </a:solidFill>
+                      <a:prstDash val="solid"/>
+                    </a:ln>
+                    <a:solidFill>
+                      <a:schemeClr val="accent2">
+                        <a:lumMod val="40000"/>
+                        <a:lumOff val="60000"/>
+                      </a:schemeClr>
+                    </a:solidFill>
+                    <a:effectLst/>
+                  </a:endParaRPr>
+                </a:p>
+              </p:txBody>
+            </p:sp>
+          </mc:Choice>
+          <mc:Fallback>
+            <p:sp>
+              <p:nvSpPr>
+                <p:cNvPr id="20" name="Rectangle 19">
+                  <a:extLst>
+                    <a:ext uri="{FF2B5EF4-FFF2-40B4-BE49-F238E27FC236}">
+                      <a16:creationId xmlns:a16="http://schemas.microsoft.com/office/drawing/2014/main" id="{FD9B838D-B219-E8B5-DFD7-23FEE1DA804B}"/>
+                    </a:ext>
+                  </a:extLst>
+                </p:cNvPr>
+                <p:cNvSpPr>
+                  <a:spLocks noRot="1" noChangeAspect="1" noMove="1" noResize="1" noEditPoints="1" noAdjustHandles="1" noChangeArrowheads="1" noChangeShapeType="1" noTextEdit="1"/>
+                </p:cNvSpPr>
+                <p:nvPr/>
+              </p:nvSpPr>
+              <p:spPr>
+                <a:xfrm>
+                  <a:off x="1672661" y="710103"/>
+                  <a:ext cx="1069168" cy="619595"/>
+                </a:xfrm>
+                <a:prstGeom prst="rect">
+                  <a:avLst/>
+                </a:prstGeom>
+                <a:blipFill>
+                  <a:blip r:embed="rId2"/>
+                  <a:stretch>
+                    <a:fillRect/>
+                  </a:stretch>
+                </a:blipFill>
+              </p:spPr>
+              <p:txBody>
+                <a:bodyPr/>
+                <a:lstStyle/>
+                <a:p>
+                  <a:r>
+                    <a:rPr lang="en-US">
+                      <a:noFill/>
+                    </a:rPr>
+                    <a:t> </a:t>
+                  </a:r>
+                </a:p>
+              </p:txBody>
+            </p:sp>
+          </mc:Fallback>
+        </mc:AlternateContent>
+      </p:grpSp>
+      <p:grpSp>
+        <p:nvGrpSpPr>
+          <p:cNvPr id="34" name="Group 33">
+            <a:extLst>
+              <a:ext uri="{FF2B5EF4-FFF2-40B4-BE49-F238E27FC236}">
+                <a16:creationId xmlns:a16="http://schemas.microsoft.com/office/drawing/2014/main" id="{840549CA-85A4-BD50-7567-184C21FE29D9}"/>
+              </a:ext>
+            </a:extLst>
+          </p:cNvPr>
+          <p:cNvGrpSpPr/>
+          <p:nvPr/>
+        </p:nvGrpSpPr>
+        <p:grpSpPr>
+          <a:xfrm>
+            <a:off x="5786277" y="1542195"/>
+            <a:ext cx="1226682" cy="2696708"/>
+            <a:chOff x="1527349" y="715332"/>
+            <a:chExt cx="1889091" cy="3344203"/>
+          </a:xfrm>
+        </p:grpSpPr>
+        <p:sp>
+          <p:nvSpPr>
+            <p:cNvPr id="35" name="Rectangle: Rounded Corners 34">
+              <a:extLst>
+                <a:ext uri="{FF2B5EF4-FFF2-40B4-BE49-F238E27FC236}">
+                  <a16:creationId xmlns:a16="http://schemas.microsoft.com/office/drawing/2014/main" id="{A7A8DAE1-E8C7-042D-BB07-0D5E4161519F}"/>
+                </a:ext>
+              </a:extLst>
+            </p:cNvPr>
+            <p:cNvSpPr/>
+            <p:nvPr/>
+          </p:nvSpPr>
+          <p:spPr>
+            <a:xfrm>
+              <a:off x="1527349" y="1225899"/>
+              <a:ext cx="1889091" cy="2833636"/>
+            </a:xfrm>
+            <a:prstGeom prst="roundRect">
+              <a:avLst/>
+            </a:prstGeom>
+          </p:spPr>
+          <p:style>
+            <a:lnRef idx="2">
+              <a:schemeClr val="accent1">
+                <a:shade val="50000"/>
+              </a:schemeClr>
+            </a:lnRef>
+            <a:fillRef idx="1">
+              <a:schemeClr val="accent1"/>
+            </a:fillRef>
+            <a:effectRef idx="0">
+              <a:schemeClr val="accent1"/>
+            </a:effectRef>
+            <a:fontRef idx="minor">
+              <a:schemeClr val="lt1"/>
+            </a:fontRef>
+          </p:style>
+          <p:txBody>
+            <a:bodyPr rtlCol="0" anchor="ctr"/>
+            <a:lstStyle/>
+            <a:p>
+              <a:pPr algn="ctr"/>
+              <a:endParaRPr lang="en-US"/>
+            </a:p>
+          </p:txBody>
+        </p:sp>
+        <p:sp>
+          <p:nvSpPr>
+            <p:cNvPr id="36" name="Rectangle: Rounded Corners 35">
+              <a:extLst>
+                <a:ext uri="{FF2B5EF4-FFF2-40B4-BE49-F238E27FC236}">
+                  <a16:creationId xmlns:a16="http://schemas.microsoft.com/office/drawing/2014/main" id="{BCF29034-4A67-6503-4C91-AC6A7B94530E}"/>
+                </a:ext>
+              </a:extLst>
+            </p:cNvPr>
+            <p:cNvSpPr/>
+            <p:nvPr/>
+          </p:nvSpPr>
+          <p:spPr>
+            <a:xfrm>
+              <a:off x="1879041" y="1296241"/>
+              <a:ext cx="1185706" cy="472272"/>
+            </a:xfrm>
+            <a:prstGeom prst="roundRect">
+              <a:avLst/>
+            </a:prstGeom>
+          </p:spPr>
+          <p:style>
+            <a:lnRef idx="2">
+              <a:schemeClr val="accent4">
+                <a:shade val="50000"/>
+              </a:schemeClr>
+            </a:lnRef>
+            <a:fillRef idx="1">
+              <a:schemeClr val="accent4"/>
+            </a:fillRef>
+            <a:effectRef idx="0">
+              <a:schemeClr val="accent4"/>
+            </a:effectRef>
+            <a:fontRef idx="minor">
+              <a:schemeClr val="lt1"/>
+            </a:fontRef>
+          </p:style>
+          <p:txBody>
+            <a:bodyPr rtlCol="0" anchor="ctr"/>
+            <a:lstStyle/>
+            <a:p>
+              <a:pPr algn="ctr"/>
+              <a:endParaRPr lang="en-US"/>
+            </a:p>
+          </p:txBody>
+        </p:sp>
+        <p:sp>
+          <p:nvSpPr>
+            <p:cNvPr id="37" name="Rectangle: Rounded Corners 36">
+              <a:extLst>
+                <a:ext uri="{FF2B5EF4-FFF2-40B4-BE49-F238E27FC236}">
+                  <a16:creationId xmlns:a16="http://schemas.microsoft.com/office/drawing/2014/main" id="{CF48F403-8E84-BDA3-61A6-83BC111551D4}"/>
+                </a:ext>
+              </a:extLst>
+            </p:cNvPr>
+            <p:cNvSpPr/>
+            <p:nvPr/>
+          </p:nvSpPr>
+          <p:spPr>
+            <a:xfrm>
+              <a:off x="1879041" y="2059915"/>
+              <a:ext cx="1185706" cy="472272"/>
+            </a:xfrm>
+            <a:prstGeom prst="roundRect">
+              <a:avLst/>
+            </a:prstGeom>
+          </p:spPr>
+          <p:style>
+            <a:lnRef idx="2">
+              <a:schemeClr val="accent4">
+                <a:shade val="50000"/>
+              </a:schemeClr>
+            </a:lnRef>
+            <a:fillRef idx="1">
+              <a:schemeClr val="accent4"/>
+            </a:fillRef>
+            <a:effectRef idx="0">
+              <a:schemeClr val="accent4"/>
+            </a:effectRef>
+            <a:fontRef idx="minor">
+              <a:schemeClr val="lt1"/>
+            </a:fontRef>
+          </p:style>
+          <p:txBody>
+            <a:bodyPr rtlCol="0" anchor="ctr"/>
+            <a:lstStyle/>
+            <a:p>
+              <a:pPr algn="ctr"/>
+              <a:endParaRPr lang="en-US"/>
+            </a:p>
+          </p:txBody>
+        </p:sp>
+        <p:sp>
+          <p:nvSpPr>
+            <p:cNvPr id="38" name="Rectangle: Rounded Corners 37">
+              <a:extLst>
+                <a:ext uri="{FF2B5EF4-FFF2-40B4-BE49-F238E27FC236}">
+                  <a16:creationId xmlns:a16="http://schemas.microsoft.com/office/drawing/2014/main" id="{0E3EA676-5C0F-2EB2-4B82-DE2283E12740}"/>
+                </a:ext>
+              </a:extLst>
+            </p:cNvPr>
+            <p:cNvSpPr/>
+            <p:nvPr/>
+          </p:nvSpPr>
+          <p:spPr>
+            <a:xfrm>
+              <a:off x="1879041" y="2823589"/>
+              <a:ext cx="1185706" cy="472272"/>
+            </a:xfrm>
+            <a:prstGeom prst="roundRect">
+              <a:avLst/>
+            </a:prstGeom>
+          </p:spPr>
+          <p:style>
+            <a:lnRef idx="2">
+              <a:schemeClr val="accent4">
+                <a:shade val="50000"/>
+              </a:schemeClr>
+            </a:lnRef>
+            <a:fillRef idx="1">
+              <a:schemeClr val="accent4"/>
+            </a:fillRef>
+            <a:effectRef idx="0">
+              <a:schemeClr val="accent4"/>
+            </a:effectRef>
+            <a:fontRef idx="minor">
+              <a:schemeClr val="lt1"/>
+            </a:fontRef>
+          </p:style>
+          <p:txBody>
+            <a:bodyPr rtlCol="0" anchor="ctr"/>
+            <a:lstStyle/>
+            <a:p>
+              <a:pPr algn="ctr"/>
+              <a:endParaRPr lang="en-US"/>
+            </a:p>
+          </p:txBody>
+        </p:sp>
+        <p:sp>
+          <p:nvSpPr>
+            <p:cNvPr id="39" name="Rectangle: Rounded Corners 38">
+              <a:extLst>
+                <a:ext uri="{FF2B5EF4-FFF2-40B4-BE49-F238E27FC236}">
+                  <a16:creationId xmlns:a16="http://schemas.microsoft.com/office/drawing/2014/main" id="{3C22F4CD-9409-1524-0073-C26244C552C5}"/>
+                </a:ext>
+              </a:extLst>
+            </p:cNvPr>
+            <p:cNvSpPr/>
+            <p:nvPr/>
+          </p:nvSpPr>
+          <p:spPr>
+            <a:xfrm>
+              <a:off x="1879041" y="3496828"/>
+              <a:ext cx="1185706" cy="472272"/>
+            </a:xfrm>
+            <a:prstGeom prst="roundRect">
+              <a:avLst/>
+            </a:prstGeom>
+          </p:spPr>
+          <p:style>
+            <a:lnRef idx="2">
+              <a:schemeClr val="accent4">
+                <a:shade val="50000"/>
+              </a:schemeClr>
+            </a:lnRef>
+            <a:fillRef idx="1">
+              <a:schemeClr val="accent4"/>
+            </a:fillRef>
+            <a:effectRef idx="0">
+              <a:schemeClr val="accent4"/>
+            </a:effectRef>
+            <a:fontRef idx="minor">
+              <a:schemeClr val="lt1"/>
+            </a:fontRef>
+          </p:style>
+          <p:txBody>
+            <a:bodyPr rtlCol="0" anchor="ctr"/>
+            <a:lstStyle/>
+            <a:p>
+              <a:pPr algn="ctr"/>
+              <a:endParaRPr lang="en-US"/>
+            </a:p>
+          </p:txBody>
+        </p:sp>
+        <p:cxnSp>
+          <p:nvCxnSpPr>
+            <p:cNvPr id="40" name="Straight Arrow Connector 39">
+              <a:extLst>
+                <a:ext uri="{FF2B5EF4-FFF2-40B4-BE49-F238E27FC236}">
+                  <a16:creationId xmlns:a16="http://schemas.microsoft.com/office/drawing/2014/main" id="{B0B3DC02-55B4-A6E7-4B56-A75D213000DB}"/>
+                </a:ext>
+              </a:extLst>
+            </p:cNvPr>
+            <p:cNvCxnSpPr>
+              <a:cxnSpLocks/>
+              <a:stCxn id="36" idx="2"/>
+              <a:endCxn id="37" idx="0"/>
+            </p:cNvCxnSpPr>
+            <p:nvPr/>
+          </p:nvCxnSpPr>
+          <p:spPr>
+            <a:xfrm>
+              <a:off x="2471894" y="1768513"/>
+              <a:ext cx="0" cy="291402"/>
+            </a:xfrm>
+            <a:prstGeom prst="straightConnector1">
+              <a:avLst/>
+            </a:prstGeom>
+            <a:ln>
+              <a:tailEnd type="triangle"/>
+            </a:ln>
+          </p:spPr>
+          <p:style>
+            <a:lnRef idx="1">
+              <a:schemeClr val="accent4"/>
+            </a:lnRef>
+            <a:fillRef idx="0">
+              <a:schemeClr val="accent4"/>
+            </a:fillRef>
+            <a:effectRef idx="0">
+              <a:schemeClr val="accent4"/>
+            </a:effectRef>
+            <a:fontRef idx="minor">
+              <a:schemeClr val="tx1"/>
+            </a:fontRef>
+          </p:style>
+        </p:cxnSp>
+        <p:cxnSp>
+          <p:nvCxnSpPr>
+            <p:cNvPr id="41" name="Straight Arrow Connector 40">
+              <a:extLst>
+                <a:ext uri="{FF2B5EF4-FFF2-40B4-BE49-F238E27FC236}">
+                  <a16:creationId xmlns:a16="http://schemas.microsoft.com/office/drawing/2014/main" id="{9565635A-ED46-5849-5C78-210FC4E2C264}"/>
+                </a:ext>
+              </a:extLst>
+            </p:cNvPr>
+            <p:cNvCxnSpPr>
+              <a:cxnSpLocks/>
+              <a:stCxn id="37" idx="2"/>
+              <a:endCxn id="38" idx="0"/>
+            </p:cNvCxnSpPr>
+            <p:nvPr/>
+          </p:nvCxnSpPr>
+          <p:spPr>
+            <a:xfrm>
+              <a:off x="2471894" y="2532187"/>
+              <a:ext cx="0" cy="291402"/>
+            </a:xfrm>
+            <a:prstGeom prst="straightConnector1">
+              <a:avLst/>
+            </a:prstGeom>
+            <a:ln>
+              <a:tailEnd type="triangle"/>
+            </a:ln>
+          </p:spPr>
+          <p:style>
+            <a:lnRef idx="1">
+              <a:schemeClr val="accent4"/>
+            </a:lnRef>
+            <a:fillRef idx="0">
+              <a:schemeClr val="accent4"/>
+            </a:fillRef>
+            <a:effectRef idx="0">
+              <a:schemeClr val="accent4"/>
+            </a:effectRef>
+            <a:fontRef idx="minor">
+              <a:schemeClr val="tx1"/>
+            </a:fontRef>
+          </p:style>
+        </p:cxnSp>
+        <p:cxnSp>
+          <p:nvCxnSpPr>
+            <p:cNvPr id="42" name="Straight Arrow Connector 41">
+              <a:extLst>
+                <a:ext uri="{FF2B5EF4-FFF2-40B4-BE49-F238E27FC236}">
+                  <a16:creationId xmlns:a16="http://schemas.microsoft.com/office/drawing/2014/main" id="{EED77796-83F1-1181-7A5D-16EE71DC48CA}"/>
+                </a:ext>
+              </a:extLst>
+            </p:cNvPr>
+            <p:cNvCxnSpPr>
+              <a:cxnSpLocks/>
+              <a:stCxn id="38" idx="2"/>
+              <a:endCxn id="39" idx="0"/>
+            </p:cNvCxnSpPr>
+            <p:nvPr/>
+          </p:nvCxnSpPr>
+          <p:spPr>
+            <a:xfrm>
+              <a:off x="2471894" y="3295861"/>
+              <a:ext cx="0" cy="200967"/>
+            </a:xfrm>
+            <a:prstGeom prst="straightConnector1">
+              <a:avLst/>
+            </a:prstGeom>
+            <a:ln>
+              <a:tailEnd type="triangle"/>
+            </a:ln>
+          </p:spPr>
+          <p:style>
+            <a:lnRef idx="1">
+              <a:schemeClr val="accent4"/>
+            </a:lnRef>
+            <a:fillRef idx="0">
+              <a:schemeClr val="accent4"/>
+            </a:fillRef>
+            <a:effectRef idx="0">
+              <a:schemeClr val="accent4"/>
+            </a:effectRef>
+            <a:fontRef idx="minor">
+              <a:schemeClr val="tx1"/>
+            </a:fontRef>
+          </p:style>
+        </p:cxnSp>
+        <p:cxnSp>
+          <p:nvCxnSpPr>
+            <p:cNvPr id="43" name="Straight Arrow Connector 42">
+              <a:extLst>
+                <a:ext uri="{FF2B5EF4-FFF2-40B4-BE49-F238E27FC236}">
+                  <a16:creationId xmlns:a16="http://schemas.microsoft.com/office/drawing/2014/main" id="{AE0132E6-F296-F8C3-6E66-34324C329B17}"/>
+                </a:ext>
+              </a:extLst>
+            </p:cNvPr>
+            <p:cNvCxnSpPr/>
+            <p:nvPr/>
+          </p:nvCxnSpPr>
+          <p:spPr>
+            <a:xfrm>
+              <a:off x="2435051" y="2073313"/>
+              <a:ext cx="663191" cy="291402"/>
+            </a:xfrm>
+            <a:prstGeom prst="straightConnector1">
+              <a:avLst/>
+            </a:prstGeom>
+            <a:ln>
+              <a:tailEnd type="triangle"/>
+            </a:ln>
+          </p:spPr>
+          <p:style>
+            <a:lnRef idx="1">
+              <a:schemeClr val="accent4"/>
+            </a:lnRef>
+            <a:fillRef idx="0">
+              <a:schemeClr val="accent4"/>
+            </a:fillRef>
+            <a:effectRef idx="0">
+              <a:schemeClr val="accent4"/>
+            </a:effectRef>
+            <a:fontRef idx="minor">
+              <a:schemeClr val="tx1"/>
+            </a:fontRef>
+          </p:style>
+        </p:cxnSp>
+        <mc:AlternateContent xmlns:mc="http://schemas.openxmlformats.org/markup-compatibility/2006">
+          <mc:Choice xmlns:a14="http://schemas.microsoft.com/office/drawing/2010/main" Requires="a14">
+            <p:sp>
+              <p:nvSpPr>
+                <p:cNvPr id="44" name="Rectangle 43">
+                  <a:extLst>
+                    <a:ext uri="{FF2B5EF4-FFF2-40B4-BE49-F238E27FC236}">
+                      <a16:creationId xmlns:a16="http://schemas.microsoft.com/office/drawing/2014/main" id="{FE18E88C-8E05-CFFB-3AC3-69DEEE828BC7}"/>
+                    </a:ext>
+                  </a:extLst>
+                </p:cNvPr>
+                <p:cNvSpPr/>
+                <p:nvPr/>
+              </p:nvSpPr>
+              <p:spPr>
+                <a:xfrm>
+                  <a:off x="2333983" y="715332"/>
+                  <a:ext cx="1010813" cy="619595"/>
+                </a:xfrm>
+                <a:prstGeom prst="rect">
+                  <a:avLst/>
+                </a:prstGeom>
+                <a:noFill/>
+              </p:spPr>
+              <p:txBody>
+                <a:bodyPr wrap="none" lIns="91440" tIns="45720" rIns="91440" bIns="45720">
+                  <a:spAutoFit/>
+                </a:bodyPr>
+                <a:lstStyle/>
+                <a:p>
+                  <a:pPr algn="ctr"/>
+                  <a14:m>
+                    <m:oMathPara xmlns:m="http://schemas.openxmlformats.org/officeDocument/2006/math">
+                      <m:oMathParaPr>
+                        <m:jc m:val="centerGroup"/>
+                      </m:oMathParaPr>
+                      <m:oMath xmlns:m="http://schemas.openxmlformats.org/officeDocument/2006/math">
+                        <m:sSub>
+                          <m:sSubPr>
+                            <m:ctrlPr>
+                              <a:rPr lang="en-US" sz="2800" b="1" i="1" cap="none" spc="0" smtClean="0">
+                                <a:ln w="22225">
+                                  <a:solidFill>
+                                    <a:schemeClr val="accent2"/>
+                                  </a:solidFill>
+                                  <a:prstDash val="solid"/>
+                                </a:ln>
+                                <a:solidFill>
+                                  <a:schemeClr val="accent2">
+                                    <a:lumMod val="40000"/>
+                                    <a:lumOff val="60000"/>
+                                  </a:schemeClr>
+                                </a:solidFill>
+                                <a:effectLst/>
+                                <a:latin typeface="Cambria Math" panose="02040503050406030204" pitchFamily="18" charset="0"/>
+                              </a:rPr>
+                            </m:ctrlPr>
+                          </m:sSubPr>
+                          <m:e>
+                            <m:r>
+                              <a:rPr lang="en-US" sz="2800" b="1" i="1" cap="none" spc="0" smtClean="0">
+                                <a:ln w="22225">
+                                  <a:solidFill>
+                                    <a:schemeClr val="accent2"/>
+                                  </a:solidFill>
+                                  <a:prstDash val="solid"/>
+                                </a:ln>
+                                <a:solidFill>
+                                  <a:schemeClr val="accent2">
+                                    <a:lumMod val="40000"/>
+                                    <a:lumOff val="60000"/>
+                                  </a:schemeClr>
+                                </a:solidFill>
+                                <a:effectLst/>
+                                <a:latin typeface="Cambria Math" panose="02040503050406030204" pitchFamily="18" charset="0"/>
+                              </a:rPr>
+                              <m:t>𝑩</m:t>
+                            </m:r>
+                          </m:e>
+                          <m:sub>
+                            <m:r>
+                              <a:rPr lang="en-US" sz="2800" b="1" i="1" cap="none" spc="0" smtClean="0">
+                                <a:ln w="22225">
+                                  <a:solidFill>
+                                    <a:schemeClr val="accent2"/>
+                                  </a:solidFill>
+                                  <a:prstDash val="solid"/>
+                                </a:ln>
+                                <a:solidFill>
+                                  <a:schemeClr val="accent2">
+                                    <a:lumMod val="40000"/>
+                                    <a:lumOff val="60000"/>
+                                  </a:schemeClr>
+                                </a:solidFill>
+                                <a:effectLst/>
+                                <a:latin typeface="Cambria Math" panose="02040503050406030204" pitchFamily="18" charset="0"/>
+                              </a:rPr>
+                              <m:t>𝟎</m:t>
+                            </m:r>
+                          </m:sub>
+                        </m:sSub>
+                      </m:oMath>
+                    </m:oMathPara>
+                  </a14:m>
+                  <a:endParaRPr lang="en-US" sz="2800" b="1" cap="none" spc="0" dirty="0">
+                    <a:ln w="22225">
+                      <a:solidFill>
+                        <a:schemeClr val="accent2"/>
+                      </a:solidFill>
+                      <a:prstDash val="solid"/>
+                    </a:ln>
+                    <a:solidFill>
+                      <a:schemeClr val="accent2">
+                        <a:lumMod val="40000"/>
+                        <a:lumOff val="60000"/>
+                      </a:schemeClr>
+                    </a:solidFill>
+                    <a:effectLst/>
+                  </a:endParaRPr>
+                </a:p>
+              </p:txBody>
+            </p:sp>
+          </mc:Choice>
+          <mc:Fallback>
+            <p:sp>
+              <p:nvSpPr>
+                <p:cNvPr id="44" name="Rectangle 43">
+                  <a:extLst>
+                    <a:ext uri="{FF2B5EF4-FFF2-40B4-BE49-F238E27FC236}">
+                      <a16:creationId xmlns:a16="http://schemas.microsoft.com/office/drawing/2014/main" id="{FE18E88C-8E05-CFFB-3AC3-69DEEE828BC7}"/>
+                    </a:ext>
+                  </a:extLst>
+                </p:cNvPr>
+                <p:cNvSpPr>
+                  <a:spLocks noRot="1" noChangeAspect="1" noMove="1" noResize="1" noEditPoints="1" noAdjustHandles="1" noChangeArrowheads="1" noChangeShapeType="1" noTextEdit="1"/>
+                </p:cNvSpPr>
+                <p:nvPr/>
+              </p:nvSpPr>
+              <p:spPr>
+                <a:xfrm>
+                  <a:off x="2333983" y="715332"/>
+                  <a:ext cx="1010813" cy="619595"/>
+                </a:xfrm>
+                <a:prstGeom prst="rect">
+                  <a:avLst/>
+                </a:prstGeom>
+                <a:blipFill>
+                  <a:blip r:embed="rId3"/>
+                  <a:stretch>
+                    <a:fillRect/>
+                  </a:stretch>
+                </a:blipFill>
+              </p:spPr>
+              <p:txBody>
+                <a:bodyPr/>
+                <a:lstStyle/>
+                <a:p>
+                  <a:r>
+                    <a:rPr lang="en-US">
+                      <a:noFill/>
+                    </a:rPr>
+                    <a:t> </a:t>
+                  </a:r>
+                </a:p>
+              </p:txBody>
+            </p:sp>
+          </mc:Fallback>
+        </mc:AlternateContent>
+      </p:grpSp>
+      <p:sp>
+        <p:nvSpPr>
+          <p:cNvPr id="48" name="Arrow: Down 47">
+            <a:extLst>
+              <a:ext uri="{FF2B5EF4-FFF2-40B4-BE49-F238E27FC236}">
+                <a16:creationId xmlns:a16="http://schemas.microsoft.com/office/drawing/2014/main" id="{84F59649-CE9D-6752-605E-00329C42FDEE}"/>
+              </a:ext>
+            </a:extLst>
+          </p:cNvPr>
+          <p:cNvSpPr/>
+          <p:nvPr/>
+        </p:nvSpPr>
+        <p:spPr>
+          <a:xfrm>
+            <a:off x="4739949" y="624744"/>
+            <a:ext cx="114474" cy="498958"/>
+          </a:xfrm>
+          <a:prstGeom prst="downArrow">
+            <a:avLst/>
+          </a:prstGeom>
+          <a:solidFill>
+            <a:srgbClr val="00B050"/>
+          </a:solidFill>
+          <a:ln>
+            <a:solidFill>
+              <a:srgbClr val="00B050"/>
+            </a:solidFill>
+          </a:ln>
+        </p:spPr>
+        <p:style>
+          <a:lnRef idx="2">
+            <a:schemeClr val="accent1">
+              <a:shade val="50000"/>
+            </a:schemeClr>
+          </a:lnRef>
+          <a:fillRef idx="1">
+            <a:schemeClr val="accent1"/>
+          </a:fillRef>
+          <a:effectRef idx="0">
+            <a:schemeClr val="accent1"/>
+          </a:effectRef>
+          <a:fontRef idx="minor">
+            <a:schemeClr val="lt1"/>
+          </a:fontRef>
+        </p:style>
+        <p:txBody>
+          <a:bodyPr rtlCol="0" anchor="ctr"/>
+          <a:lstStyle/>
+          <a:p>
+            <a:pPr algn="ctr"/>
+            <a:endParaRPr lang="en-US" dirty="0"/>
+          </a:p>
+        </p:txBody>
+      </p:sp>
+      <p:cxnSp>
+        <p:nvCxnSpPr>
+          <p:cNvPr id="52" name="Straight Arrow Connector 51">
+            <a:extLst>
+              <a:ext uri="{FF2B5EF4-FFF2-40B4-BE49-F238E27FC236}">
+                <a16:creationId xmlns:a16="http://schemas.microsoft.com/office/drawing/2014/main" id="{BED2C626-FE6D-88F7-3DD7-ED2F782838C5}"/>
+              </a:ext>
+            </a:extLst>
+          </p:cNvPr>
+          <p:cNvCxnSpPr>
+            <a:cxnSpLocks/>
+          </p:cNvCxnSpPr>
+          <p:nvPr/>
+        </p:nvCxnSpPr>
+        <p:spPr>
+          <a:xfrm flipH="1">
+            <a:off x="3502145" y="1116627"/>
+            <a:ext cx="1379579" cy="858752"/>
+          </a:xfrm>
+          <a:prstGeom prst="straightConnector1">
+            <a:avLst/>
+          </a:prstGeom>
+          <a:ln w="57150">
+            <a:solidFill>
+              <a:srgbClr val="FF0000"/>
+            </a:solidFill>
+            <a:tailEnd type="triangle"/>
+          </a:ln>
+        </p:spPr>
+        <p:style>
+          <a:lnRef idx="1">
+            <a:schemeClr val="accent1"/>
+          </a:lnRef>
+          <a:fillRef idx="0">
+            <a:schemeClr val="accent1"/>
+          </a:fillRef>
+          <a:effectRef idx="0">
+            <a:schemeClr val="accent1"/>
+          </a:effectRef>
+          <a:fontRef idx="minor">
+            <a:schemeClr val="tx1"/>
+          </a:fontRef>
+        </p:style>
+      </p:cxnSp>
+      <p:cxnSp>
+        <p:nvCxnSpPr>
+          <p:cNvPr id="53" name="Straight Arrow Connector 52">
+            <a:extLst>
+              <a:ext uri="{FF2B5EF4-FFF2-40B4-BE49-F238E27FC236}">
+                <a16:creationId xmlns:a16="http://schemas.microsoft.com/office/drawing/2014/main" id="{2DAF4FC9-61D2-4BD2-C268-2D713DD723DD}"/>
+              </a:ext>
+            </a:extLst>
+          </p:cNvPr>
+          <p:cNvCxnSpPr>
+            <a:cxnSpLocks/>
+            <a:stCxn id="48" idx="2"/>
+            <a:endCxn id="36" idx="0"/>
+          </p:cNvCxnSpPr>
+          <p:nvPr/>
+        </p:nvCxnSpPr>
+        <p:spPr>
+          <a:xfrm>
+            <a:off x="4797186" y="1123702"/>
+            <a:ext cx="1602431" cy="886928"/>
+          </a:xfrm>
+          <a:prstGeom prst="straightConnector1">
+            <a:avLst/>
+          </a:prstGeom>
+          <a:ln w="57150">
+            <a:solidFill>
+              <a:srgbClr val="00B0F0"/>
+            </a:solidFill>
+            <a:tailEnd type="triangle"/>
+          </a:ln>
+        </p:spPr>
+        <p:style>
+          <a:lnRef idx="1">
+            <a:schemeClr val="accent1"/>
+          </a:lnRef>
+          <a:fillRef idx="0">
+            <a:schemeClr val="accent1"/>
+          </a:fillRef>
+          <a:effectRef idx="0">
+            <a:schemeClr val="accent1"/>
+          </a:effectRef>
+          <a:fontRef idx="minor">
+            <a:schemeClr val="tx1"/>
+          </a:fontRef>
+        </p:style>
+      </p:cxnSp>
+      <p:sp>
+        <p:nvSpPr>
+          <p:cNvPr id="57" name="Rectangle 56">
+            <a:extLst>
+              <a:ext uri="{FF2B5EF4-FFF2-40B4-BE49-F238E27FC236}">
+                <a16:creationId xmlns:a16="http://schemas.microsoft.com/office/drawing/2014/main" id="{A0F1A19E-C352-7C15-4040-80E5E5A91F7C}"/>
+              </a:ext>
+            </a:extLst>
+          </p:cNvPr>
+          <p:cNvSpPr/>
+          <p:nvPr/>
+        </p:nvSpPr>
+        <p:spPr>
+          <a:xfrm>
+            <a:off x="3231465" y="992317"/>
+            <a:ext cx="407255" cy="584775"/>
+          </a:xfrm>
+          <a:prstGeom prst="rect">
+            <a:avLst/>
+          </a:prstGeom>
+          <a:noFill/>
+        </p:spPr>
+        <p:txBody>
+          <a:bodyPr wrap="square" lIns="91440" tIns="45720" rIns="91440" bIns="45720">
+            <a:spAutoFit/>
+            <a:scene3d>
+              <a:camera prst="orthographicFront"/>
+              <a:lightRig rig="soft" dir="t">
+                <a:rot lat="0" lon="0" rev="15600000"/>
+              </a:lightRig>
+            </a:scene3d>
+            <a:sp3d extrusionH="57150" prstMaterial="softEdge">
+              <a:bevelT w="25400" h="38100"/>
+            </a:sp3d>
+          </a:bodyPr>
+          <a:lstStyle/>
+          <a:p>
+            <a:pPr algn="ctr"/>
+            <a:r>
+              <a:rPr lang="en-US" sz="3200" b="1" dirty="0">
+                <a:ln/>
+                <a:solidFill>
+                  <a:srgbClr val="FF0000"/>
+                </a:solidFill>
+              </a:rPr>
+              <a:t>A</a:t>
+            </a:r>
+          </a:p>
+        </p:txBody>
+      </p:sp>
+      <p:sp>
+        <p:nvSpPr>
+          <p:cNvPr id="58" name="Rectangle 57">
+            <a:extLst>
+              <a:ext uri="{FF2B5EF4-FFF2-40B4-BE49-F238E27FC236}">
+                <a16:creationId xmlns:a16="http://schemas.microsoft.com/office/drawing/2014/main" id="{B5871BD0-B5F6-8D8E-30E6-46823FFB7C5E}"/>
+              </a:ext>
+            </a:extLst>
+          </p:cNvPr>
+          <p:cNvSpPr/>
+          <p:nvPr/>
+        </p:nvSpPr>
+        <p:spPr>
+          <a:xfrm>
+            <a:off x="5830672" y="1324734"/>
+            <a:ext cx="390676" cy="584775"/>
+          </a:xfrm>
+          <a:prstGeom prst="rect">
+            <a:avLst/>
+          </a:prstGeom>
+          <a:noFill/>
+        </p:spPr>
+        <p:txBody>
+          <a:bodyPr wrap="square" lIns="91440" tIns="45720" rIns="91440" bIns="45720">
+            <a:spAutoFit/>
+            <a:scene3d>
+              <a:camera prst="orthographicFront"/>
+              <a:lightRig rig="soft" dir="t">
+                <a:rot lat="0" lon="0" rev="15600000"/>
+              </a:lightRig>
+            </a:scene3d>
+            <a:sp3d extrusionH="57150" prstMaterial="softEdge">
+              <a:bevelT w="25400" h="38100"/>
+            </a:sp3d>
+          </a:bodyPr>
+          <a:lstStyle/>
+          <a:p>
+            <a:pPr algn="ctr"/>
+            <a:r>
+              <a:rPr lang="en-US" sz="3200" b="1" dirty="0">
+                <a:ln/>
+                <a:solidFill>
+                  <a:srgbClr val="00B0F0"/>
+                </a:solidFill>
+              </a:rPr>
+              <a:t>B</a:t>
+            </a:r>
+          </a:p>
+        </p:txBody>
+      </p:sp>
+      <p:cxnSp>
+        <p:nvCxnSpPr>
+          <p:cNvPr id="59" name="Straight Arrow Connector 58">
+            <a:extLst>
+              <a:ext uri="{FF2B5EF4-FFF2-40B4-BE49-F238E27FC236}">
+                <a16:creationId xmlns:a16="http://schemas.microsoft.com/office/drawing/2014/main" id="{7FE3BCBA-87CF-A400-558C-D109680E1E7F}"/>
+              </a:ext>
+            </a:extLst>
+          </p:cNvPr>
+          <p:cNvCxnSpPr>
+            <a:cxnSpLocks/>
+            <a:stCxn id="83" idx="2"/>
+          </p:cNvCxnSpPr>
+          <p:nvPr/>
+        </p:nvCxnSpPr>
+        <p:spPr>
+          <a:xfrm>
+            <a:off x="1832993" y="4205933"/>
+            <a:ext cx="1712210" cy="931942"/>
+          </a:xfrm>
+          <a:prstGeom prst="straightConnector1">
+            <a:avLst/>
+          </a:prstGeom>
+          <a:ln w="57150">
+            <a:solidFill>
+              <a:srgbClr val="002060"/>
+            </a:solidFill>
+            <a:tailEnd type="triangle"/>
+          </a:ln>
+        </p:spPr>
+        <p:style>
+          <a:lnRef idx="1">
+            <a:schemeClr val="accent1"/>
+          </a:lnRef>
+          <a:fillRef idx="0">
+            <a:schemeClr val="accent1"/>
+          </a:fillRef>
+          <a:effectRef idx="0">
+            <a:schemeClr val="accent1"/>
+          </a:effectRef>
+          <a:fontRef idx="minor">
+            <a:schemeClr val="tx1"/>
+          </a:fontRef>
+        </p:style>
+      </p:cxnSp>
+      <p:cxnSp>
+        <p:nvCxnSpPr>
+          <p:cNvPr id="61" name="Straight Arrow Connector 60">
+            <a:extLst>
+              <a:ext uri="{FF2B5EF4-FFF2-40B4-BE49-F238E27FC236}">
+                <a16:creationId xmlns:a16="http://schemas.microsoft.com/office/drawing/2014/main" id="{9CDB0728-65F4-ED3A-AF3B-AB6CFED6F2FD}"/>
+              </a:ext>
+            </a:extLst>
+          </p:cNvPr>
+          <p:cNvCxnSpPr>
+            <a:cxnSpLocks/>
+          </p:cNvCxnSpPr>
+          <p:nvPr/>
+        </p:nvCxnSpPr>
+        <p:spPr>
+          <a:xfrm flipH="1">
+            <a:off x="3451816" y="4205933"/>
+            <a:ext cx="2931457" cy="931942"/>
+          </a:xfrm>
+          <a:prstGeom prst="straightConnector1">
+            <a:avLst/>
+          </a:prstGeom>
+          <a:ln w="57150">
+            <a:solidFill>
+              <a:srgbClr val="002060"/>
+            </a:solidFill>
+            <a:tailEnd type="triangle"/>
+          </a:ln>
+        </p:spPr>
+        <p:style>
+          <a:lnRef idx="1">
+            <a:schemeClr val="accent1"/>
+          </a:lnRef>
+          <a:fillRef idx="0">
+            <a:schemeClr val="accent1"/>
+          </a:fillRef>
+          <a:effectRef idx="0">
+            <a:schemeClr val="accent1"/>
+          </a:effectRef>
+          <a:fontRef idx="minor">
+            <a:schemeClr val="tx1"/>
+          </a:fontRef>
+        </p:style>
+      </p:cxnSp>
+      <p:sp>
+        <p:nvSpPr>
+          <p:cNvPr id="63" name="Arrow: Down 62">
+            <a:extLst>
+              <a:ext uri="{FF2B5EF4-FFF2-40B4-BE49-F238E27FC236}">
+                <a16:creationId xmlns:a16="http://schemas.microsoft.com/office/drawing/2014/main" id="{BF7A6FA1-C920-6D0A-3766-A94058C85CC0}"/>
+              </a:ext>
+            </a:extLst>
+          </p:cNvPr>
+          <p:cNvSpPr/>
+          <p:nvPr/>
+        </p:nvSpPr>
+        <p:spPr>
+          <a:xfrm>
+            <a:off x="4723006" y="4271178"/>
+            <a:ext cx="158717" cy="1428067"/>
+          </a:xfrm>
+          <a:prstGeom prst="downArrow">
+            <a:avLst/>
+          </a:prstGeom>
+          <a:solidFill>
+            <a:srgbClr val="FF0000"/>
+          </a:solidFill>
+          <a:ln>
+            <a:solidFill>
+              <a:srgbClr val="FFFF00"/>
+            </a:solidFill>
+          </a:ln>
+        </p:spPr>
+        <p:style>
+          <a:lnRef idx="2">
+            <a:schemeClr val="accent1">
+              <a:shade val="50000"/>
+            </a:schemeClr>
+          </a:lnRef>
+          <a:fillRef idx="1">
+            <a:schemeClr val="accent1"/>
+          </a:fillRef>
+          <a:effectRef idx="0">
+            <a:schemeClr val="accent1"/>
+          </a:effectRef>
+          <a:fontRef idx="minor">
+            <a:schemeClr val="lt1"/>
+          </a:fontRef>
+        </p:style>
+        <p:txBody>
+          <a:bodyPr rtlCol="0" anchor="ctr"/>
+          <a:lstStyle/>
+          <a:p>
+            <a:pPr algn="ctr"/>
+            <a:endParaRPr lang="en-US" dirty="0"/>
+          </a:p>
+        </p:txBody>
+      </p:sp>
+      <mc:AlternateContent xmlns:mc="http://schemas.openxmlformats.org/markup-compatibility/2006">
+        <mc:Choice xmlns:a14="http://schemas.microsoft.com/office/drawing/2010/main" Requires="a14">
+          <p:sp>
+            <p:nvSpPr>
+              <p:cNvPr id="64" name="Rectangle 63">
+                <a:extLst>
+                  <a:ext uri="{FF2B5EF4-FFF2-40B4-BE49-F238E27FC236}">
+                    <a16:creationId xmlns:a16="http://schemas.microsoft.com/office/drawing/2014/main" id="{6EC3CC76-0D23-291A-1E15-DFC234B6AA7F}"/>
+                  </a:ext>
+                </a:extLst>
+              </p:cNvPr>
+              <p:cNvSpPr/>
+              <p:nvPr/>
+            </p:nvSpPr>
+            <p:spPr>
+              <a:xfrm>
+                <a:off x="1709577" y="4254577"/>
+                <a:ext cx="943289" cy="606384"/>
+              </a:xfrm>
+              <a:prstGeom prst="rect">
+                <a:avLst/>
+              </a:prstGeom>
+              <a:noFill/>
+            </p:spPr>
+            <p:txBody>
+              <a:bodyPr wrap="square" lIns="91440" tIns="45720" rIns="91440" bIns="45720">
+                <a:spAutoFit/>
+                <a:scene3d>
+                  <a:camera prst="orthographicFront"/>
+                  <a:lightRig rig="soft" dir="t">
+                    <a:rot lat="0" lon="0" rev="15600000"/>
+                  </a:lightRig>
+                </a:scene3d>
+                <a:sp3d extrusionH="57150" prstMaterial="softEdge">
+                  <a:bevelT w="25400" h="38100"/>
+                </a:sp3d>
+              </a:bodyPr>
+              <a:lstStyle/>
+              <a:p>
+                <a:pPr algn="ctr"/>
+                <a14:m>
+                  <m:oMathPara xmlns:m="http://schemas.openxmlformats.org/officeDocument/2006/math">
+                    <m:oMathParaPr>
+                      <m:jc m:val="centerGroup"/>
+                    </m:oMathParaPr>
+                    <m:oMath xmlns:m="http://schemas.openxmlformats.org/officeDocument/2006/math">
+                      <m:sSub>
+                        <m:sSubPr>
+                          <m:ctrlPr>
+                            <a:rPr lang="en-US" sz="3200" i="1" dirty="0" smtClean="0">
+                              <a:ln w="0"/>
+                              <a:effectLst>
+                                <a:outerShdw blurRad="38100" dist="19050" dir="2700000" algn="tl" rotWithShape="0">
+                                  <a:schemeClr val="dk1">
+                                    <a:alpha val="40000"/>
+                                  </a:schemeClr>
+                                </a:outerShdw>
+                              </a:effectLst>
+                              <a:latin typeface="Cambria Math" panose="02040503050406030204" pitchFamily="18" charset="0"/>
+                            </a:rPr>
+                          </m:ctrlPr>
+                        </m:sSubPr>
+                        <m:e>
+                          <m:r>
+                            <a:rPr lang="en-US" sz="3200" i="1" dirty="0" smtClean="0">
+                              <a:ln w="0"/>
+                              <a:effectLst>
+                                <a:outerShdw blurRad="38100" dist="19050" dir="2700000" algn="tl" rotWithShape="0">
+                                  <a:schemeClr val="dk1">
+                                    <a:alpha val="40000"/>
+                                  </a:schemeClr>
+                                </a:outerShdw>
+                              </a:effectLst>
+                              <a:latin typeface="Cambria Math" panose="02040503050406030204" pitchFamily="18" charset="0"/>
+                            </a:rPr>
+                            <m:t>𝑷</m:t>
+                          </m:r>
+                        </m:e>
+                        <m:sub>
+                          <m:r>
+                            <a:rPr lang="en-US" sz="3200" i="1" dirty="0" smtClean="0">
+                              <a:ln w="0"/>
+                              <a:effectLst>
+                                <a:outerShdw blurRad="38100" dist="19050" dir="2700000" algn="tl" rotWithShape="0">
+                                  <a:schemeClr val="dk1">
+                                    <a:alpha val="40000"/>
+                                  </a:schemeClr>
+                                </a:outerShdw>
+                              </a:effectLst>
+                              <a:latin typeface="Cambria Math" panose="02040503050406030204" pitchFamily="18" charset="0"/>
+                            </a:rPr>
+                            <m:t>𝒂</m:t>
+                          </m:r>
+                          <m:r>
+                            <a:rPr lang="en-US" sz="3200" i="1" dirty="0" smtClean="0">
+                              <a:ln w="0"/>
+                              <a:effectLst>
+                                <a:outerShdw blurRad="38100" dist="19050" dir="2700000" algn="tl" rotWithShape="0">
+                                  <a:schemeClr val="dk1">
+                                    <a:alpha val="40000"/>
+                                  </a:schemeClr>
+                                </a:outerShdw>
+                              </a:effectLst>
+                              <a:latin typeface="Cambria Math" panose="02040503050406030204" pitchFamily="18" charset="0"/>
+                              <a:ea typeface="Cambria Math" panose="02040503050406030204" pitchFamily="18" charset="0"/>
+                            </a:rPr>
+                            <m:t>,</m:t>
+                          </m:r>
+                          <m:r>
+                            <a:rPr lang="en-US" sz="3200" i="1" dirty="0" smtClean="0">
+                              <a:ln w="0"/>
+                              <a:effectLst>
+                                <a:outerShdw blurRad="38100" dist="19050" dir="2700000" algn="tl" rotWithShape="0">
+                                  <a:schemeClr val="dk1">
+                                    <a:alpha val="40000"/>
+                                  </a:schemeClr>
+                                </a:outerShdw>
+                              </a:effectLst>
+                              <a:latin typeface="Cambria Math" panose="02040503050406030204" pitchFamily="18" charset="0"/>
+                              <a:ea typeface="Cambria Math" panose="02040503050406030204" pitchFamily="18" charset="0"/>
+                            </a:rPr>
+                            <m:t>𝟎</m:t>
+                          </m:r>
+                        </m:sub>
+                      </m:sSub>
+                    </m:oMath>
+                  </m:oMathPara>
+                </a14:m>
+                <a:endParaRPr lang="en-US" sz="4400" b="1" dirty="0">
+                  <a:ln/>
+                  <a:solidFill>
+                    <a:srgbClr val="00B050"/>
+                  </a:solidFill>
+                </a:endParaRPr>
+              </a:p>
+            </p:txBody>
+          </p:sp>
+        </mc:Choice>
+        <mc:Fallback>
+          <p:sp>
+            <p:nvSpPr>
+              <p:cNvPr id="64" name="Rectangle 63">
+                <a:extLst>
+                  <a:ext uri="{FF2B5EF4-FFF2-40B4-BE49-F238E27FC236}">
+                    <a16:creationId xmlns:a16="http://schemas.microsoft.com/office/drawing/2014/main" id="{6EC3CC76-0D23-291A-1E15-DFC234B6AA7F}"/>
+                  </a:ext>
+                </a:extLst>
+              </p:cNvPr>
+              <p:cNvSpPr>
+                <a:spLocks noRot="1" noChangeAspect="1" noMove="1" noResize="1" noEditPoints="1" noAdjustHandles="1" noChangeArrowheads="1" noChangeShapeType="1" noTextEdit="1"/>
+              </p:cNvSpPr>
+              <p:nvPr/>
+            </p:nvSpPr>
+            <p:spPr>
+              <a:xfrm>
+                <a:off x="1709577" y="4254577"/>
+                <a:ext cx="943289" cy="606384"/>
+              </a:xfrm>
+              <a:prstGeom prst="rect">
+                <a:avLst/>
+              </a:prstGeom>
+              <a:blipFill>
+                <a:blip r:embed="rId4"/>
+                <a:stretch>
+                  <a:fillRect/>
+                </a:stretch>
+              </a:blipFill>
+            </p:spPr>
+            <p:txBody>
+              <a:bodyPr/>
+              <a:lstStyle/>
+              <a:p>
+                <a:r>
+                  <a:rPr lang="en-US">
+                    <a:noFill/>
+                  </a:rPr>
+                  <a:t> </a:t>
+                </a:r>
+              </a:p>
+            </p:txBody>
+          </p:sp>
+        </mc:Fallback>
+      </mc:AlternateContent>
+      <p:sp>
+        <p:nvSpPr>
+          <p:cNvPr id="66" name="Rectangle 65">
+            <a:extLst>
+              <a:ext uri="{FF2B5EF4-FFF2-40B4-BE49-F238E27FC236}">
+                <a16:creationId xmlns:a16="http://schemas.microsoft.com/office/drawing/2014/main" id="{B0AA967E-3A7E-E946-34C3-7F4AFB4FD1EA}"/>
+              </a:ext>
+            </a:extLst>
+          </p:cNvPr>
+          <p:cNvSpPr/>
+          <p:nvPr/>
+        </p:nvSpPr>
+        <p:spPr>
+          <a:xfrm>
+            <a:off x="4393249" y="6233256"/>
+            <a:ext cx="899519" cy="769441"/>
+          </a:xfrm>
+          <a:prstGeom prst="rect">
+            <a:avLst/>
+          </a:prstGeom>
+          <a:noFill/>
+        </p:spPr>
+        <p:txBody>
+          <a:bodyPr wrap="square" lIns="91440" tIns="45720" rIns="91440" bIns="45720">
+            <a:spAutoFit/>
+            <a:scene3d>
+              <a:camera prst="orthographicFront"/>
+              <a:lightRig rig="soft" dir="t">
+                <a:rot lat="0" lon="0" rev="15600000"/>
+              </a:lightRig>
+            </a:scene3d>
+            <a:sp3d extrusionH="57150" prstMaterial="softEdge">
+              <a:bevelT w="25400" h="38100"/>
+            </a:sp3d>
+          </a:bodyPr>
+          <a:lstStyle/>
+          <a:p>
+            <a:pPr algn="ctr"/>
+            <a:r>
+              <a:rPr lang="en-US" sz="4400" b="1" dirty="0">
+                <a:ln/>
+                <a:solidFill>
+                  <a:srgbClr val="00B050"/>
+                </a:solidFill>
+              </a:rPr>
+              <a:t>P</a:t>
+            </a:r>
+          </a:p>
+        </p:txBody>
+      </p:sp>
+      <p:grpSp>
+        <p:nvGrpSpPr>
+          <p:cNvPr id="71" name="Group 70">
+            <a:extLst>
+              <a:ext uri="{FF2B5EF4-FFF2-40B4-BE49-F238E27FC236}">
+                <a16:creationId xmlns:a16="http://schemas.microsoft.com/office/drawing/2014/main" id="{01A8F7D5-BC3A-7DAD-9415-477037AAC5E3}"/>
+              </a:ext>
+            </a:extLst>
+          </p:cNvPr>
+          <p:cNvGrpSpPr/>
+          <p:nvPr/>
+        </p:nvGrpSpPr>
+        <p:grpSpPr>
+          <a:xfrm>
+            <a:off x="4207769" y="1549660"/>
+            <a:ext cx="1226682" cy="2710715"/>
+            <a:chOff x="1527349" y="697962"/>
+            <a:chExt cx="1889091" cy="3361573"/>
+          </a:xfrm>
+        </p:grpSpPr>
+        <p:sp>
+          <p:nvSpPr>
+            <p:cNvPr id="72" name="Rectangle: Rounded Corners 71">
+              <a:extLst>
+                <a:ext uri="{FF2B5EF4-FFF2-40B4-BE49-F238E27FC236}">
+                  <a16:creationId xmlns:a16="http://schemas.microsoft.com/office/drawing/2014/main" id="{2CD7BE74-F399-7762-F63D-76EDA4100501}"/>
+                </a:ext>
+              </a:extLst>
+            </p:cNvPr>
+            <p:cNvSpPr/>
+            <p:nvPr/>
+          </p:nvSpPr>
+          <p:spPr>
+            <a:xfrm>
+              <a:off x="1527349" y="1225899"/>
+              <a:ext cx="1889091" cy="2833636"/>
+            </a:xfrm>
+            <a:prstGeom prst="roundRect">
+              <a:avLst/>
+            </a:prstGeom>
+          </p:spPr>
+          <p:style>
+            <a:lnRef idx="2">
+              <a:schemeClr val="accent1">
+                <a:shade val="50000"/>
+              </a:schemeClr>
+            </a:lnRef>
+            <a:fillRef idx="1">
+              <a:schemeClr val="accent1"/>
+            </a:fillRef>
+            <a:effectRef idx="0">
+              <a:schemeClr val="accent1"/>
+            </a:effectRef>
+            <a:fontRef idx="minor">
+              <a:schemeClr val="lt1"/>
+            </a:fontRef>
+          </p:style>
+          <p:txBody>
+            <a:bodyPr rtlCol="0" anchor="ctr"/>
+            <a:lstStyle/>
+            <a:p>
+              <a:pPr algn="ctr"/>
+              <a:endParaRPr lang="en-US"/>
+            </a:p>
+          </p:txBody>
+        </p:sp>
+        <p:sp>
+          <p:nvSpPr>
+            <p:cNvPr id="73" name="Rectangle: Rounded Corners 72">
+              <a:extLst>
+                <a:ext uri="{FF2B5EF4-FFF2-40B4-BE49-F238E27FC236}">
+                  <a16:creationId xmlns:a16="http://schemas.microsoft.com/office/drawing/2014/main" id="{A8155FB1-BF3E-FF95-B137-70ADD4BD0118}"/>
+                </a:ext>
+              </a:extLst>
+            </p:cNvPr>
+            <p:cNvSpPr/>
+            <p:nvPr/>
+          </p:nvSpPr>
+          <p:spPr>
+            <a:xfrm>
+              <a:off x="1879041" y="1296241"/>
+              <a:ext cx="1185706" cy="472272"/>
+            </a:xfrm>
+            <a:prstGeom prst="roundRect">
+              <a:avLst/>
+            </a:prstGeom>
+          </p:spPr>
+          <p:style>
+            <a:lnRef idx="2">
+              <a:schemeClr val="accent4">
+                <a:shade val="50000"/>
+              </a:schemeClr>
+            </a:lnRef>
+            <a:fillRef idx="1">
+              <a:schemeClr val="accent4"/>
+            </a:fillRef>
+            <a:effectRef idx="0">
+              <a:schemeClr val="accent4"/>
+            </a:effectRef>
+            <a:fontRef idx="minor">
+              <a:schemeClr val="lt1"/>
+            </a:fontRef>
+          </p:style>
+          <p:txBody>
+            <a:bodyPr rtlCol="0" anchor="ctr"/>
+            <a:lstStyle/>
+            <a:p>
+              <a:pPr algn="ctr"/>
+              <a:endParaRPr lang="en-US"/>
+            </a:p>
+          </p:txBody>
+        </p:sp>
+        <p:sp>
+          <p:nvSpPr>
+            <p:cNvPr id="74" name="Rectangle: Rounded Corners 73">
+              <a:extLst>
+                <a:ext uri="{FF2B5EF4-FFF2-40B4-BE49-F238E27FC236}">
+                  <a16:creationId xmlns:a16="http://schemas.microsoft.com/office/drawing/2014/main" id="{398DBC5F-B190-245B-A09C-D9306FAC66C6}"/>
+                </a:ext>
+              </a:extLst>
+            </p:cNvPr>
+            <p:cNvSpPr/>
+            <p:nvPr/>
+          </p:nvSpPr>
+          <p:spPr>
+            <a:xfrm>
+              <a:off x="1879041" y="2059915"/>
+              <a:ext cx="1185706" cy="472272"/>
+            </a:xfrm>
+            <a:prstGeom prst="roundRect">
+              <a:avLst/>
+            </a:prstGeom>
+          </p:spPr>
+          <p:style>
+            <a:lnRef idx="2">
+              <a:schemeClr val="accent4">
+                <a:shade val="50000"/>
+              </a:schemeClr>
+            </a:lnRef>
+            <a:fillRef idx="1">
+              <a:schemeClr val="accent4"/>
+            </a:fillRef>
+            <a:effectRef idx="0">
+              <a:schemeClr val="accent4"/>
+            </a:effectRef>
+            <a:fontRef idx="minor">
+              <a:schemeClr val="lt1"/>
+            </a:fontRef>
+          </p:style>
+          <p:txBody>
+            <a:bodyPr rtlCol="0" anchor="ctr"/>
+            <a:lstStyle/>
+            <a:p>
+              <a:pPr algn="ctr"/>
+              <a:endParaRPr lang="en-US"/>
+            </a:p>
+          </p:txBody>
+        </p:sp>
+        <p:sp>
+          <p:nvSpPr>
+            <p:cNvPr id="75" name="Rectangle: Rounded Corners 74">
+              <a:extLst>
+                <a:ext uri="{FF2B5EF4-FFF2-40B4-BE49-F238E27FC236}">
+                  <a16:creationId xmlns:a16="http://schemas.microsoft.com/office/drawing/2014/main" id="{0B806220-D930-F303-722B-5A0FFFAA52DE}"/>
+                </a:ext>
+              </a:extLst>
+            </p:cNvPr>
+            <p:cNvSpPr/>
+            <p:nvPr/>
+          </p:nvSpPr>
+          <p:spPr>
+            <a:xfrm>
+              <a:off x="1879041" y="2823589"/>
+              <a:ext cx="1185706" cy="472272"/>
+            </a:xfrm>
+            <a:prstGeom prst="roundRect">
+              <a:avLst/>
+            </a:prstGeom>
+          </p:spPr>
+          <p:style>
+            <a:lnRef idx="2">
+              <a:schemeClr val="accent4">
+                <a:shade val="50000"/>
+              </a:schemeClr>
+            </a:lnRef>
+            <a:fillRef idx="1">
+              <a:schemeClr val="accent4"/>
+            </a:fillRef>
+            <a:effectRef idx="0">
+              <a:schemeClr val="accent4"/>
+            </a:effectRef>
+            <a:fontRef idx="minor">
+              <a:schemeClr val="lt1"/>
+            </a:fontRef>
+          </p:style>
+          <p:txBody>
+            <a:bodyPr rtlCol="0" anchor="ctr"/>
+            <a:lstStyle/>
+            <a:p>
+              <a:pPr algn="ctr"/>
+              <a:endParaRPr lang="en-US"/>
+            </a:p>
+          </p:txBody>
+        </p:sp>
+        <p:sp>
+          <p:nvSpPr>
+            <p:cNvPr id="76" name="Rectangle: Rounded Corners 75">
+              <a:extLst>
+                <a:ext uri="{FF2B5EF4-FFF2-40B4-BE49-F238E27FC236}">
+                  <a16:creationId xmlns:a16="http://schemas.microsoft.com/office/drawing/2014/main" id="{EE627BE4-A567-7A58-41E2-E80BFCB65DB1}"/>
+                </a:ext>
+              </a:extLst>
+            </p:cNvPr>
+            <p:cNvSpPr/>
+            <p:nvPr/>
+          </p:nvSpPr>
+          <p:spPr>
+            <a:xfrm>
+              <a:off x="1879041" y="3496828"/>
+              <a:ext cx="1185706" cy="472272"/>
+            </a:xfrm>
+            <a:prstGeom prst="roundRect">
+              <a:avLst/>
+            </a:prstGeom>
+          </p:spPr>
+          <p:style>
+            <a:lnRef idx="2">
+              <a:schemeClr val="accent4">
+                <a:shade val="50000"/>
+              </a:schemeClr>
+            </a:lnRef>
+            <a:fillRef idx="1">
+              <a:schemeClr val="accent4"/>
+            </a:fillRef>
+            <a:effectRef idx="0">
+              <a:schemeClr val="accent4"/>
+            </a:effectRef>
+            <a:fontRef idx="minor">
+              <a:schemeClr val="lt1"/>
+            </a:fontRef>
+          </p:style>
+          <p:txBody>
+            <a:bodyPr rtlCol="0" anchor="ctr"/>
+            <a:lstStyle/>
+            <a:p>
+              <a:pPr algn="ctr"/>
+              <a:endParaRPr lang="en-US"/>
+            </a:p>
+          </p:txBody>
+        </p:sp>
+        <p:cxnSp>
+          <p:nvCxnSpPr>
+            <p:cNvPr id="77" name="Straight Arrow Connector 76">
+              <a:extLst>
+                <a:ext uri="{FF2B5EF4-FFF2-40B4-BE49-F238E27FC236}">
+                  <a16:creationId xmlns:a16="http://schemas.microsoft.com/office/drawing/2014/main" id="{43D4BF8F-8C8E-5ACC-93A0-F4B004AEAC49}"/>
+                </a:ext>
+              </a:extLst>
+            </p:cNvPr>
+            <p:cNvCxnSpPr>
+              <a:cxnSpLocks/>
+              <a:stCxn id="73" idx="2"/>
+              <a:endCxn id="74" idx="0"/>
+            </p:cNvCxnSpPr>
+            <p:nvPr/>
+          </p:nvCxnSpPr>
+          <p:spPr>
+            <a:xfrm>
+              <a:off x="2471894" y="1768513"/>
+              <a:ext cx="0" cy="291402"/>
+            </a:xfrm>
+            <a:prstGeom prst="straightConnector1">
+              <a:avLst/>
+            </a:prstGeom>
+            <a:ln>
+              <a:tailEnd type="triangle"/>
+            </a:ln>
+          </p:spPr>
+          <p:style>
+            <a:lnRef idx="1">
+              <a:schemeClr val="accent4"/>
+            </a:lnRef>
+            <a:fillRef idx="0">
+              <a:schemeClr val="accent4"/>
+            </a:fillRef>
+            <a:effectRef idx="0">
+              <a:schemeClr val="accent4"/>
+            </a:effectRef>
+            <a:fontRef idx="minor">
+              <a:schemeClr val="tx1"/>
+            </a:fontRef>
+          </p:style>
+        </p:cxnSp>
+        <p:cxnSp>
+          <p:nvCxnSpPr>
+            <p:cNvPr id="78" name="Straight Arrow Connector 77">
+              <a:extLst>
+                <a:ext uri="{FF2B5EF4-FFF2-40B4-BE49-F238E27FC236}">
+                  <a16:creationId xmlns:a16="http://schemas.microsoft.com/office/drawing/2014/main" id="{F607C6AB-2ABA-AE9B-EB48-8604DEC0E018}"/>
+                </a:ext>
+              </a:extLst>
+            </p:cNvPr>
+            <p:cNvCxnSpPr>
+              <a:cxnSpLocks/>
+              <a:stCxn id="74" idx="2"/>
+              <a:endCxn id="75" idx="0"/>
+            </p:cNvCxnSpPr>
+            <p:nvPr/>
+          </p:nvCxnSpPr>
+          <p:spPr>
+            <a:xfrm>
+              <a:off x="2471894" y="2532187"/>
+              <a:ext cx="0" cy="291402"/>
+            </a:xfrm>
+            <a:prstGeom prst="straightConnector1">
+              <a:avLst/>
+            </a:prstGeom>
+            <a:ln>
+              <a:tailEnd type="triangle"/>
+            </a:ln>
+          </p:spPr>
+          <p:style>
+            <a:lnRef idx="1">
+              <a:schemeClr val="accent4"/>
+            </a:lnRef>
+            <a:fillRef idx="0">
+              <a:schemeClr val="accent4"/>
+            </a:fillRef>
+            <a:effectRef idx="0">
+              <a:schemeClr val="accent4"/>
+            </a:effectRef>
+            <a:fontRef idx="minor">
+              <a:schemeClr val="tx1"/>
+            </a:fontRef>
+          </p:style>
+        </p:cxnSp>
+        <p:cxnSp>
+          <p:nvCxnSpPr>
+            <p:cNvPr id="79" name="Straight Arrow Connector 78">
+              <a:extLst>
+                <a:ext uri="{FF2B5EF4-FFF2-40B4-BE49-F238E27FC236}">
+                  <a16:creationId xmlns:a16="http://schemas.microsoft.com/office/drawing/2014/main" id="{56EFD578-E9AA-BDBB-8D4C-436DC13E5008}"/>
+                </a:ext>
+              </a:extLst>
+            </p:cNvPr>
+            <p:cNvCxnSpPr>
+              <a:cxnSpLocks/>
+              <a:stCxn id="75" idx="2"/>
+              <a:endCxn id="76" idx="0"/>
+            </p:cNvCxnSpPr>
+            <p:nvPr/>
+          </p:nvCxnSpPr>
+          <p:spPr>
+            <a:xfrm>
+              <a:off x="2471894" y="3295861"/>
+              <a:ext cx="0" cy="200967"/>
+            </a:xfrm>
+            <a:prstGeom prst="straightConnector1">
+              <a:avLst/>
+            </a:prstGeom>
+            <a:ln>
+              <a:tailEnd type="triangle"/>
+            </a:ln>
+          </p:spPr>
+          <p:style>
+            <a:lnRef idx="1">
+              <a:schemeClr val="accent4"/>
+            </a:lnRef>
+            <a:fillRef idx="0">
+              <a:schemeClr val="accent4"/>
+            </a:fillRef>
+            <a:effectRef idx="0">
+              <a:schemeClr val="accent4"/>
+            </a:effectRef>
+            <a:fontRef idx="minor">
+              <a:schemeClr val="tx1"/>
+            </a:fontRef>
+          </p:style>
+        </p:cxnSp>
+        <p:cxnSp>
+          <p:nvCxnSpPr>
+            <p:cNvPr id="80" name="Straight Arrow Connector 79">
+              <a:extLst>
+                <a:ext uri="{FF2B5EF4-FFF2-40B4-BE49-F238E27FC236}">
+                  <a16:creationId xmlns:a16="http://schemas.microsoft.com/office/drawing/2014/main" id="{82C7FF5F-9E80-4848-DF57-6FDA0667ACE7}"/>
+                </a:ext>
+              </a:extLst>
+            </p:cNvPr>
+            <p:cNvCxnSpPr/>
+            <p:nvPr/>
+          </p:nvCxnSpPr>
+          <p:spPr>
+            <a:xfrm>
+              <a:off x="2435051" y="2073313"/>
+              <a:ext cx="663191" cy="291402"/>
+            </a:xfrm>
+            <a:prstGeom prst="straightConnector1">
+              <a:avLst/>
+            </a:prstGeom>
+            <a:ln>
+              <a:tailEnd type="triangle"/>
+            </a:ln>
+          </p:spPr>
+          <p:style>
+            <a:lnRef idx="1">
+              <a:schemeClr val="accent4"/>
+            </a:lnRef>
+            <a:fillRef idx="0">
+              <a:schemeClr val="accent4"/>
+            </a:fillRef>
+            <a:effectRef idx="0">
+              <a:schemeClr val="accent4"/>
+            </a:effectRef>
+            <a:fontRef idx="minor">
+              <a:schemeClr val="tx1"/>
+            </a:fontRef>
+          </p:style>
+        </p:cxnSp>
+        <p:sp>
+          <p:nvSpPr>
+            <p:cNvPr id="81" name="Rectangle 80">
+              <a:extLst>
+                <a:ext uri="{FF2B5EF4-FFF2-40B4-BE49-F238E27FC236}">
+                  <a16:creationId xmlns:a16="http://schemas.microsoft.com/office/drawing/2014/main" id="{62F183B8-6FC4-4353-F5FF-45A2B64F80D2}"/>
+                </a:ext>
+              </a:extLst>
+            </p:cNvPr>
+            <p:cNvSpPr/>
+            <p:nvPr/>
+          </p:nvSpPr>
+          <p:spPr>
+            <a:xfrm>
+              <a:off x="2568619" y="697962"/>
+              <a:ext cx="485583" cy="619595"/>
+            </a:xfrm>
+            <a:prstGeom prst="rect">
+              <a:avLst/>
+            </a:prstGeom>
+            <a:noFill/>
+          </p:spPr>
+          <p:txBody>
+            <a:bodyPr wrap="none" lIns="91440" tIns="45720" rIns="91440" bIns="45720">
+              <a:spAutoFit/>
+            </a:bodyPr>
+            <a:lstStyle/>
+            <a:p>
+              <a:pPr algn="ctr"/>
+              <a:r>
+                <a:rPr lang="en-US" sz="2800" b="1" cap="none" spc="0" dirty="0">
+                  <a:ln w="22225">
+                    <a:solidFill>
+                      <a:schemeClr val="accent2"/>
+                    </a:solidFill>
+                    <a:prstDash val="solid"/>
+                  </a:ln>
+                  <a:solidFill>
+                    <a:schemeClr val="accent2">
+                      <a:lumMod val="40000"/>
+                      <a:lumOff val="60000"/>
+                    </a:schemeClr>
+                  </a:solidFill>
+                  <a:effectLst/>
+                </a:rPr>
+                <a:t>c</a:t>
+              </a:r>
+            </a:p>
+          </p:txBody>
+        </p:sp>
+      </p:grpSp>
+      <p:grpSp>
+        <p:nvGrpSpPr>
+          <p:cNvPr id="82" name="Group 81">
+            <a:extLst>
+              <a:ext uri="{FF2B5EF4-FFF2-40B4-BE49-F238E27FC236}">
+                <a16:creationId xmlns:a16="http://schemas.microsoft.com/office/drawing/2014/main" id="{AF6E3164-403E-DEE7-A4AA-D80F936EEC23}"/>
+              </a:ext>
+            </a:extLst>
+          </p:cNvPr>
+          <p:cNvGrpSpPr/>
+          <p:nvPr/>
+        </p:nvGrpSpPr>
+        <p:grpSpPr>
+          <a:xfrm>
+            <a:off x="1219651" y="1467273"/>
+            <a:ext cx="1226683" cy="2738660"/>
+            <a:chOff x="1527349" y="663308"/>
+            <a:chExt cx="1889091" cy="3396227"/>
+          </a:xfrm>
+        </p:grpSpPr>
+        <p:sp>
+          <p:nvSpPr>
+            <p:cNvPr id="83" name="Rectangle: Rounded Corners 82">
+              <a:extLst>
+                <a:ext uri="{FF2B5EF4-FFF2-40B4-BE49-F238E27FC236}">
+                  <a16:creationId xmlns:a16="http://schemas.microsoft.com/office/drawing/2014/main" id="{9B03C4D3-4CA3-9E22-3188-8FD2A4AA6CDC}"/>
+                </a:ext>
+              </a:extLst>
+            </p:cNvPr>
+            <p:cNvSpPr/>
+            <p:nvPr/>
+          </p:nvSpPr>
+          <p:spPr>
+            <a:xfrm>
+              <a:off x="1527349" y="1225899"/>
+              <a:ext cx="1889091" cy="2833636"/>
+            </a:xfrm>
+            <a:prstGeom prst="roundRect">
+              <a:avLst/>
+            </a:prstGeom>
+          </p:spPr>
+          <p:style>
+            <a:lnRef idx="2">
+              <a:schemeClr val="accent1">
+                <a:shade val="50000"/>
+              </a:schemeClr>
+            </a:lnRef>
+            <a:fillRef idx="1">
+              <a:schemeClr val="accent1"/>
+            </a:fillRef>
+            <a:effectRef idx="0">
+              <a:schemeClr val="accent1"/>
+            </a:effectRef>
+            <a:fontRef idx="minor">
+              <a:schemeClr val="lt1"/>
+            </a:fontRef>
+          </p:style>
+          <p:txBody>
+            <a:bodyPr rtlCol="0" anchor="ctr"/>
+            <a:lstStyle/>
+            <a:p>
+              <a:pPr algn="ctr"/>
+              <a:endParaRPr lang="en-US"/>
+            </a:p>
+          </p:txBody>
+        </p:sp>
+        <p:sp>
+          <p:nvSpPr>
+            <p:cNvPr id="84" name="Rectangle: Rounded Corners 83">
+              <a:extLst>
+                <a:ext uri="{FF2B5EF4-FFF2-40B4-BE49-F238E27FC236}">
+                  <a16:creationId xmlns:a16="http://schemas.microsoft.com/office/drawing/2014/main" id="{931A1438-6E05-64E7-F4DD-1F6B79F3B3A8}"/>
+                </a:ext>
+              </a:extLst>
+            </p:cNvPr>
+            <p:cNvSpPr/>
+            <p:nvPr/>
+          </p:nvSpPr>
+          <p:spPr>
+            <a:xfrm>
+              <a:off x="1879041" y="1296241"/>
+              <a:ext cx="1185706" cy="472272"/>
+            </a:xfrm>
+            <a:prstGeom prst="roundRect">
+              <a:avLst/>
+            </a:prstGeom>
+          </p:spPr>
+          <p:style>
+            <a:lnRef idx="2">
+              <a:schemeClr val="accent4">
+                <a:shade val="50000"/>
+              </a:schemeClr>
+            </a:lnRef>
+            <a:fillRef idx="1">
+              <a:schemeClr val="accent4"/>
+            </a:fillRef>
+            <a:effectRef idx="0">
+              <a:schemeClr val="accent4"/>
+            </a:effectRef>
+            <a:fontRef idx="minor">
+              <a:schemeClr val="lt1"/>
+            </a:fontRef>
+          </p:style>
+          <p:txBody>
+            <a:bodyPr rtlCol="0" anchor="ctr"/>
+            <a:lstStyle/>
+            <a:p>
+              <a:pPr algn="ctr"/>
+              <a:endParaRPr lang="en-US"/>
+            </a:p>
+          </p:txBody>
+        </p:sp>
+        <p:sp>
+          <p:nvSpPr>
+            <p:cNvPr id="85" name="Rectangle: Rounded Corners 84">
+              <a:extLst>
+                <a:ext uri="{FF2B5EF4-FFF2-40B4-BE49-F238E27FC236}">
+                  <a16:creationId xmlns:a16="http://schemas.microsoft.com/office/drawing/2014/main" id="{37580C77-1660-1F3C-37C2-7FF490936267}"/>
+                </a:ext>
+              </a:extLst>
+            </p:cNvPr>
+            <p:cNvSpPr/>
+            <p:nvPr/>
+          </p:nvSpPr>
+          <p:spPr>
+            <a:xfrm>
+              <a:off x="1879041" y="2059915"/>
+              <a:ext cx="1185706" cy="472272"/>
+            </a:xfrm>
+            <a:prstGeom prst="roundRect">
+              <a:avLst/>
+            </a:prstGeom>
+          </p:spPr>
+          <p:style>
+            <a:lnRef idx="2">
+              <a:schemeClr val="accent4">
+                <a:shade val="50000"/>
+              </a:schemeClr>
+            </a:lnRef>
+            <a:fillRef idx="1">
+              <a:schemeClr val="accent4"/>
+            </a:fillRef>
+            <a:effectRef idx="0">
+              <a:schemeClr val="accent4"/>
+            </a:effectRef>
+            <a:fontRef idx="minor">
+              <a:schemeClr val="lt1"/>
+            </a:fontRef>
+          </p:style>
+          <p:txBody>
+            <a:bodyPr rtlCol="0" anchor="ctr"/>
+            <a:lstStyle/>
+            <a:p>
+              <a:pPr algn="ctr"/>
+              <a:endParaRPr lang="en-US"/>
+            </a:p>
+          </p:txBody>
+        </p:sp>
+        <p:sp>
+          <p:nvSpPr>
+            <p:cNvPr id="86" name="Rectangle: Rounded Corners 85">
+              <a:extLst>
+                <a:ext uri="{FF2B5EF4-FFF2-40B4-BE49-F238E27FC236}">
+                  <a16:creationId xmlns:a16="http://schemas.microsoft.com/office/drawing/2014/main" id="{4EFA551B-C261-0D92-6E52-C3BA76483E53}"/>
+                </a:ext>
+              </a:extLst>
+            </p:cNvPr>
+            <p:cNvSpPr/>
+            <p:nvPr/>
+          </p:nvSpPr>
+          <p:spPr>
+            <a:xfrm>
+              <a:off x="1879041" y="2823589"/>
+              <a:ext cx="1185706" cy="472272"/>
+            </a:xfrm>
+            <a:prstGeom prst="roundRect">
+              <a:avLst/>
+            </a:prstGeom>
+          </p:spPr>
+          <p:style>
+            <a:lnRef idx="2">
+              <a:schemeClr val="accent4">
+                <a:shade val="50000"/>
+              </a:schemeClr>
+            </a:lnRef>
+            <a:fillRef idx="1">
+              <a:schemeClr val="accent4"/>
+            </a:fillRef>
+            <a:effectRef idx="0">
+              <a:schemeClr val="accent4"/>
+            </a:effectRef>
+            <a:fontRef idx="minor">
+              <a:schemeClr val="lt1"/>
+            </a:fontRef>
+          </p:style>
+          <p:txBody>
+            <a:bodyPr rtlCol="0" anchor="ctr"/>
+            <a:lstStyle/>
+            <a:p>
+              <a:pPr algn="ctr"/>
+              <a:endParaRPr lang="en-US"/>
+            </a:p>
+          </p:txBody>
+        </p:sp>
+        <p:sp>
+          <p:nvSpPr>
+            <p:cNvPr id="87" name="Rectangle: Rounded Corners 86">
+              <a:extLst>
+                <a:ext uri="{FF2B5EF4-FFF2-40B4-BE49-F238E27FC236}">
+                  <a16:creationId xmlns:a16="http://schemas.microsoft.com/office/drawing/2014/main" id="{D7A8C5F3-AF6F-772F-4A76-6590933B62B0}"/>
+                </a:ext>
+              </a:extLst>
+            </p:cNvPr>
+            <p:cNvSpPr/>
+            <p:nvPr/>
+          </p:nvSpPr>
+          <p:spPr>
+            <a:xfrm>
+              <a:off x="1879041" y="3496828"/>
+              <a:ext cx="1185706" cy="472272"/>
+            </a:xfrm>
+            <a:prstGeom prst="roundRect">
+              <a:avLst/>
+            </a:prstGeom>
+          </p:spPr>
+          <p:style>
+            <a:lnRef idx="2">
+              <a:schemeClr val="accent4">
+                <a:shade val="50000"/>
+              </a:schemeClr>
+            </a:lnRef>
+            <a:fillRef idx="1">
+              <a:schemeClr val="accent4"/>
+            </a:fillRef>
+            <a:effectRef idx="0">
+              <a:schemeClr val="accent4"/>
+            </a:effectRef>
+            <a:fontRef idx="minor">
+              <a:schemeClr val="lt1"/>
+            </a:fontRef>
+          </p:style>
+          <p:txBody>
+            <a:bodyPr rtlCol="0" anchor="ctr"/>
+            <a:lstStyle/>
+            <a:p>
+              <a:pPr algn="ctr"/>
+              <a:endParaRPr lang="en-US"/>
+            </a:p>
+          </p:txBody>
+        </p:sp>
+        <p:cxnSp>
+          <p:nvCxnSpPr>
+            <p:cNvPr id="88" name="Straight Arrow Connector 87">
+              <a:extLst>
+                <a:ext uri="{FF2B5EF4-FFF2-40B4-BE49-F238E27FC236}">
+                  <a16:creationId xmlns:a16="http://schemas.microsoft.com/office/drawing/2014/main" id="{AC611836-6929-6105-EF53-13B900FE3383}"/>
+                </a:ext>
+              </a:extLst>
+            </p:cNvPr>
+            <p:cNvCxnSpPr>
+              <a:cxnSpLocks/>
+              <a:stCxn id="84" idx="2"/>
+              <a:endCxn id="85" idx="0"/>
+            </p:cNvCxnSpPr>
+            <p:nvPr/>
+          </p:nvCxnSpPr>
+          <p:spPr>
+            <a:xfrm>
+              <a:off x="2471894" y="1768513"/>
+              <a:ext cx="0" cy="291402"/>
+            </a:xfrm>
+            <a:prstGeom prst="straightConnector1">
+              <a:avLst/>
+            </a:prstGeom>
+            <a:ln>
+              <a:tailEnd type="triangle"/>
+            </a:ln>
+          </p:spPr>
+          <p:style>
+            <a:lnRef idx="1">
+              <a:schemeClr val="accent4"/>
+            </a:lnRef>
+            <a:fillRef idx="0">
+              <a:schemeClr val="accent4"/>
+            </a:fillRef>
+            <a:effectRef idx="0">
+              <a:schemeClr val="accent4"/>
+            </a:effectRef>
+            <a:fontRef idx="minor">
+              <a:schemeClr val="tx1"/>
+            </a:fontRef>
+          </p:style>
+        </p:cxnSp>
+        <p:cxnSp>
+          <p:nvCxnSpPr>
+            <p:cNvPr id="89" name="Straight Arrow Connector 88">
+              <a:extLst>
+                <a:ext uri="{FF2B5EF4-FFF2-40B4-BE49-F238E27FC236}">
+                  <a16:creationId xmlns:a16="http://schemas.microsoft.com/office/drawing/2014/main" id="{D3517275-C6E8-B618-A73B-F1AA8CA6E0CF}"/>
+                </a:ext>
+              </a:extLst>
+            </p:cNvPr>
+            <p:cNvCxnSpPr>
+              <a:cxnSpLocks/>
+              <a:stCxn id="85" idx="2"/>
+              <a:endCxn id="86" idx="0"/>
+            </p:cNvCxnSpPr>
+            <p:nvPr/>
+          </p:nvCxnSpPr>
+          <p:spPr>
+            <a:xfrm>
+              <a:off x="2471894" y="2532187"/>
+              <a:ext cx="0" cy="291402"/>
+            </a:xfrm>
+            <a:prstGeom prst="straightConnector1">
+              <a:avLst/>
+            </a:prstGeom>
+            <a:ln>
+              <a:tailEnd type="triangle"/>
+            </a:ln>
+          </p:spPr>
+          <p:style>
+            <a:lnRef idx="1">
+              <a:schemeClr val="accent4"/>
+            </a:lnRef>
+            <a:fillRef idx="0">
+              <a:schemeClr val="accent4"/>
+            </a:fillRef>
+            <a:effectRef idx="0">
+              <a:schemeClr val="accent4"/>
+            </a:effectRef>
+            <a:fontRef idx="minor">
+              <a:schemeClr val="tx1"/>
+            </a:fontRef>
+          </p:style>
+        </p:cxnSp>
+        <p:cxnSp>
+          <p:nvCxnSpPr>
+            <p:cNvPr id="90" name="Straight Arrow Connector 89">
+              <a:extLst>
+                <a:ext uri="{FF2B5EF4-FFF2-40B4-BE49-F238E27FC236}">
+                  <a16:creationId xmlns:a16="http://schemas.microsoft.com/office/drawing/2014/main" id="{50EA4F98-36D8-6FA1-7B42-D2C1BFAD816E}"/>
+                </a:ext>
+              </a:extLst>
+            </p:cNvPr>
+            <p:cNvCxnSpPr>
+              <a:cxnSpLocks/>
+              <a:stCxn id="86" idx="2"/>
+              <a:endCxn id="87" idx="0"/>
+            </p:cNvCxnSpPr>
+            <p:nvPr/>
+          </p:nvCxnSpPr>
+          <p:spPr>
+            <a:xfrm>
+              <a:off x="2471894" y="3295861"/>
+              <a:ext cx="0" cy="200967"/>
+            </a:xfrm>
+            <a:prstGeom prst="straightConnector1">
+              <a:avLst/>
+            </a:prstGeom>
+            <a:ln>
+              <a:tailEnd type="triangle"/>
+            </a:ln>
+          </p:spPr>
+          <p:style>
+            <a:lnRef idx="1">
+              <a:schemeClr val="accent4"/>
+            </a:lnRef>
+            <a:fillRef idx="0">
+              <a:schemeClr val="accent4"/>
+            </a:fillRef>
+            <a:effectRef idx="0">
+              <a:schemeClr val="accent4"/>
+            </a:effectRef>
+            <a:fontRef idx="minor">
+              <a:schemeClr val="tx1"/>
+            </a:fontRef>
+          </p:style>
+        </p:cxnSp>
+        <p:cxnSp>
+          <p:nvCxnSpPr>
+            <p:cNvPr id="91" name="Straight Arrow Connector 90">
+              <a:extLst>
+                <a:ext uri="{FF2B5EF4-FFF2-40B4-BE49-F238E27FC236}">
+                  <a16:creationId xmlns:a16="http://schemas.microsoft.com/office/drawing/2014/main" id="{22B48A09-CB31-3073-8C86-7E557284260B}"/>
+                </a:ext>
+              </a:extLst>
+            </p:cNvPr>
+            <p:cNvCxnSpPr/>
+            <p:nvPr/>
+          </p:nvCxnSpPr>
+          <p:spPr>
+            <a:xfrm>
+              <a:off x="2435051" y="2073313"/>
+              <a:ext cx="663191" cy="291402"/>
+            </a:xfrm>
+            <a:prstGeom prst="straightConnector1">
+              <a:avLst/>
+            </a:prstGeom>
+            <a:ln>
+              <a:tailEnd type="triangle"/>
+            </a:ln>
+          </p:spPr>
+          <p:style>
+            <a:lnRef idx="1">
+              <a:schemeClr val="accent4"/>
+            </a:lnRef>
+            <a:fillRef idx="0">
+              <a:schemeClr val="accent4"/>
+            </a:fillRef>
+            <a:effectRef idx="0">
+              <a:schemeClr val="accent4"/>
+            </a:effectRef>
+            <a:fontRef idx="minor">
+              <a:schemeClr val="tx1"/>
+            </a:fontRef>
+          </p:style>
+        </p:cxnSp>
+        <mc:AlternateContent xmlns:mc="http://schemas.openxmlformats.org/markup-compatibility/2006">
+          <mc:Choice xmlns:a14="http://schemas.microsoft.com/office/drawing/2010/main" Requires="a14">
+            <p:sp>
+              <p:nvSpPr>
+                <p:cNvPr id="92" name="Rectangle 91">
+                  <a:extLst>
+                    <a:ext uri="{FF2B5EF4-FFF2-40B4-BE49-F238E27FC236}">
+                      <a16:creationId xmlns:a16="http://schemas.microsoft.com/office/drawing/2014/main" id="{DFE0CE46-9DBA-A942-FF08-327FD4C60125}"/>
+                    </a:ext>
+                  </a:extLst>
+                </p:cNvPr>
+                <p:cNvSpPr/>
+                <p:nvPr/>
+              </p:nvSpPr>
+              <p:spPr>
+                <a:xfrm>
+                  <a:off x="1587748" y="663308"/>
+                  <a:ext cx="978316" cy="619595"/>
+                </a:xfrm>
+                <a:prstGeom prst="rect">
+                  <a:avLst/>
+                </a:prstGeom>
+                <a:noFill/>
+              </p:spPr>
+              <p:txBody>
+                <a:bodyPr wrap="none" lIns="91440" tIns="45720" rIns="91440" bIns="45720">
+                  <a:spAutoFit/>
+                </a:bodyPr>
+                <a:lstStyle/>
+                <a:p>
+                  <a:pPr algn="ctr"/>
+                  <a14:m>
+                    <m:oMathPara xmlns:m="http://schemas.openxmlformats.org/officeDocument/2006/math">
+                      <m:oMathParaPr>
+                        <m:jc m:val="centerGroup"/>
+                      </m:oMathParaPr>
+                      <m:oMath xmlns:m="http://schemas.openxmlformats.org/officeDocument/2006/math">
+                        <m:sSub>
+                          <m:sSubPr>
+                            <m:ctrlPr>
+                              <a:rPr lang="en-US" sz="2800" b="1" i="1" cap="none" spc="0" smtClean="0">
+                                <a:ln w="22225">
+                                  <a:solidFill>
+                                    <a:schemeClr val="accent2"/>
+                                  </a:solidFill>
+                                  <a:prstDash val="solid"/>
+                                </a:ln>
+                                <a:solidFill>
+                                  <a:schemeClr val="accent2">
+                                    <a:lumMod val="40000"/>
+                                    <a:lumOff val="60000"/>
+                                  </a:schemeClr>
+                                </a:solidFill>
+                                <a:effectLst/>
+                                <a:latin typeface="Cambria Math" panose="02040503050406030204" pitchFamily="18" charset="0"/>
+                              </a:rPr>
+                            </m:ctrlPr>
+                          </m:sSubPr>
+                          <m:e>
+                            <m:r>
+                              <a:rPr lang="en-US" sz="2800" b="1" i="1" cap="none" spc="0" smtClean="0">
+                                <a:ln w="22225">
+                                  <a:solidFill>
+                                    <a:schemeClr val="accent2"/>
+                                  </a:solidFill>
+                                  <a:prstDash val="solid"/>
+                                </a:ln>
+                                <a:solidFill>
+                                  <a:schemeClr val="accent2">
+                                    <a:lumMod val="40000"/>
+                                    <a:lumOff val="60000"/>
+                                  </a:schemeClr>
+                                </a:solidFill>
+                                <a:effectLst/>
+                                <a:latin typeface="Cambria Math" panose="02040503050406030204" pitchFamily="18" charset="0"/>
+                              </a:rPr>
+                              <m:t>𝑨</m:t>
+                            </m:r>
+                          </m:e>
+                          <m:sub>
+                            <m:r>
+                              <a:rPr lang="en-US" sz="2800" b="1" i="1" cap="none" spc="0" smtClean="0">
+                                <a:ln w="22225">
+                                  <a:solidFill>
+                                    <a:schemeClr val="accent2"/>
+                                  </a:solidFill>
+                                  <a:prstDash val="solid"/>
+                                </a:ln>
+                                <a:solidFill>
+                                  <a:schemeClr val="accent2">
+                                    <a:lumMod val="40000"/>
+                                    <a:lumOff val="60000"/>
+                                  </a:schemeClr>
+                                </a:solidFill>
+                                <a:effectLst/>
+                                <a:latin typeface="Cambria Math" panose="02040503050406030204" pitchFamily="18" charset="0"/>
+                              </a:rPr>
+                              <m:t>𝟎</m:t>
+                            </m:r>
+                          </m:sub>
+                        </m:sSub>
+                      </m:oMath>
+                    </m:oMathPara>
+                  </a14:m>
+                  <a:endParaRPr lang="en-US" sz="2800" b="1" cap="none" spc="0" dirty="0">
+                    <a:ln w="22225">
+                      <a:solidFill>
+                        <a:schemeClr val="accent2"/>
+                      </a:solidFill>
+                      <a:prstDash val="solid"/>
+                    </a:ln>
+                    <a:solidFill>
+                      <a:schemeClr val="accent2">
+                        <a:lumMod val="40000"/>
+                        <a:lumOff val="60000"/>
+                      </a:schemeClr>
+                    </a:solidFill>
+                    <a:effectLst/>
+                  </a:endParaRPr>
+                </a:p>
+              </p:txBody>
+            </p:sp>
+          </mc:Choice>
+          <mc:Fallback>
+            <p:sp>
+              <p:nvSpPr>
+                <p:cNvPr id="92" name="Rectangle 91">
+                  <a:extLst>
+                    <a:ext uri="{FF2B5EF4-FFF2-40B4-BE49-F238E27FC236}">
+                      <a16:creationId xmlns:a16="http://schemas.microsoft.com/office/drawing/2014/main" id="{DFE0CE46-9DBA-A942-FF08-327FD4C60125}"/>
+                    </a:ext>
+                  </a:extLst>
+                </p:cNvPr>
+                <p:cNvSpPr>
+                  <a:spLocks noRot="1" noChangeAspect="1" noMove="1" noResize="1" noEditPoints="1" noAdjustHandles="1" noChangeArrowheads="1" noChangeShapeType="1" noTextEdit="1"/>
+                </p:cNvSpPr>
+                <p:nvPr/>
+              </p:nvSpPr>
+              <p:spPr>
+                <a:xfrm>
+                  <a:off x="1587748" y="663308"/>
+                  <a:ext cx="978316" cy="619595"/>
+                </a:xfrm>
+                <a:prstGeom prst="rect">
+                  <a:avLst/>
+                </a:prstGeom>
+                <a:blipFill>
+                  <a:blip r:embed="rId5"/>
+                  <a:stretch>
+                    <a:fillRect/>
+                  </a:stretch>
+                </a:blipFill>
+              </p:spPr>
+              <p:txBody>
+                <a:bodyPr/>
+                <a:lstStyle/>
+                <a:p>
+                  <a:r>
+                    <a:rPr lang="en-US">
+                      <a:noFill/>
+                    </a:rPr>
+                    <a:t> </a:t>
+                  </a:r>
+                </a:p>
+              </p:txBody>
+            </p:sp>
+          </mc:Fallback>
+        </mc:AlternateContent>
+      </p:grpSp>
+      <p:grpSp>
+        <p:nvGrpSpPr>
+          <p:cNvPr id="93" name="Group 92">
+            <a:extLst>
+              <a:ext uri="{FF2B5EF4-FFF2-40B4-BE49-F238E27FC236}">
+                <a16:creationId xmlns:a16="http://schemas.microsoft.com/office/drawing/2014/main" id="{829922AC-CFD9-8B52-BFAA-45B83D421288}"/>
+              </a:ext>
+            </a:extLst>
+          </p:cNvPr>
+          <p:cNvGrpSpPr/>
+          <p:nvPr/>
+        </p:nvGrpSpPr>
+        <p:grpSpPr>
+          <a:xfrm>
+            <a:off x="7364786" y="1467273"/>
+            <a:ext cx="1226682" cy="2787304"/>
+            <a:chOff x="1527349" y="602984"/>
+            <a:chExt cx="1889091" cy="3456551"/>
+          </a:xfrm>
+        </p:grpSpPr>
+        <p:sp>
+          <p:nvSpPr>
+            <p:cNvPr id="94" name="Rectangle: Rounded Corners 93">
+              <a:extLst>
+                <a:ext uri="{FF2B5EF4-FFF2-40B4-BE49-F238E27FC236}">
+                  <a16:creationId xmlns:a16="http://schemas.microsoft.com/office/drawing/2014/main" id="{D076C35F-17DF-2ED3-BB41-CE446AE71670}"/>
+                </a:ext>
+              </a:extLst>
+            </p:cNvPr>
+            <p:cNvSpPr/>
+            <p:nvPr/>
+          </p:nvSpPr>
+          <p:spPr>
+            <a:xfrm>
+              <a:off x="1527349" y="1225899"/>
+              <a:ext cx="1889091" cy="2833636"/>
+            </a:xfrm>
+            <a:prstGeom prst="roundRect">
+              <a:avLst/>
+            </a:prstGeom>
+          </p:spPr>
+          <p:style>
+            <a:lnRef idx="2">
+              <a:schemeClr val="accent1">
+                <a:shade val="50000"/>
+              </a:schemeClr>
+            </a:lnRef>
+            <a:fillRef idx="1">
+              <a:schemeClr val="accent1"/>
+            </a:fillRef>
+            <a:effectRef idx="0">
+              <a:schemeClr val="accent1"/>
+            </a:effectRef>
+            <a:fontRef idx="minor">
+              <a:schemeClr val="lt1"/>
+            </a:fontRef>
+          </p:style>
+          <p:txBody>
+            <a:bodyPr rtlCol="0" anchor="ctr"/>
+            <a:lstStyle/>
+            <a:p>
+              <a:pPr algn="ctr"/>
+              <a:endParaRPr lang="en-US"/>
+            </a:p>
+          </p:txBody>
+        </p:sp>
+        <p:sp>
+          <p:nvSpPr>
+            <p:cNvPr id="95" name="Rectangle: Rounded Corners 94">
+              <a:extLst>
+                <a:ext uri="{FF2B5EF4-FFF2-40B4-BE49-F238E27FC236}">
+                  <a16:creationId xmlns:a16="http://schemas.microsoft.com/office/drawing/2014/main" id="{1F4B7E5D-F3BB-045F-41C0-716A1889597D}"/>
+                </a:ext>
+              </a:extLst>
+            </p:cNvPr>
+            <p:cNvSpPr/>
+            <p:nvPr/>
+          </p:nvSpPr>
+          <p:spPr>
+            <a:xfrm>
+              <a:off x="1879041" y="1296241"/>
+              <a:ext cx="1185706" cy="472272"/>
+            </a:xfrm>
+            <a:prstGeom prst="roundRect">
+              <a:avLst/>
+            </a:prstGeom>
+          </p:spPr>
+          <p:style>
+            <a:lnRef idx="2">
+              <a:schemeClr val="accent4">
+                <a:shade val="50000"/>
+              </a:schemeClr>
+            </a:lnRef>
+            <a:fillRef idx="1">
+              <a:schemeClr val="accent4"/>
+            </a:fillRef>
+            <a:effectRef idx="0">
+              <a:schemeClr val="accent4"/>
+            </a:effectRef>
+            <a:fontRef idx="minor">
+              <a:schemeClr val="lt1"/>
+            </a:fontRef>
+          </p:style>
+          <p:txBody>
+            <a:bodyPr rtlCol="0" anchor="ctr"/>
+            <a:lstStyle/>
+            <a:p>
+              <a:pPr algn="ctr"/>
+              <a:endParaRPr lang="en-US"/>
+            </a:p>
+          </p:txBody>
+        </p:sp>
+        <p:sp>
+          <p:nvSpPr>
+            <p:cNvPr id="96" name="Rectangle: Rounded Corners 95">
+              <a:extLst>
+                <a:ext uri="{FF2B5EF4-FFF2-40B4-BE49-F238E27FC236}">
+                  <a16:creationId xmlns:a16="http://schemas.microsoft.com/office/drawing/2014/main" id="{0F42B226-E166-648D-B815-E94E94DA03F3}"/>
+                </a:ext>
+              </a:extLst>
+            </p:cNvPr>
+            <p:cNvSpPr/>
+            <p:nvPr/>
+          </p:nvSpPr>
+          <p:spPr>
+            <a:xfrm>
+              <a:off x="1879041" y="2059915"/>
+              <a:ext cx="1185706" cy="472272"/>
+            </a:xfrm>
+            <a:prstGeom prst="roundRect">
+              <a:avLst/>
+            </a:prstGeom>
+          </p:spPr>
+          <p:style>
+            <a:lnRef idx="2">
+              <a:schemeClr val="accent4">
+                <a:shade val="50000"/>
+              </a:schemeClr>
+            </a:lnRef>
+            <a:fillRef idx="1">
+              <a:schemeClr val="accent4"/>
+            </a:fillRef>
+            <a:effectRef idx="0">
+              <a:schemeClr val="accent4"/>
+            </a:effectRef>
+            <a:fontRef idx="minor">
+              <a:schemeClr val="lt1"/>
+            </a:fontRef>
+          </p:style>
+          <p:txBody>
+            <a:bodyPr rtlCol="0" anchor="ctr"/>
+            <a:lstStyle/>
+            <a:p>
+              <a:pPr algn="ctr"/>
+              <a:endParaRPr lang="en-US"/>
+            </a:p>
+          </p:txBody>
+        </p:sp>
+        <p:sp>
+          <p:nvSpPr>
+            <p:cNvPr id="97" name="Rectangle: Rounded Corners 96">
+              <a:extLst>
+                <a:ext uri="{FF2B5EF4-FFF2-40B4-BE49-F238E27FC236}">
+                  <a16:creationId xmlns:a16="http://schemas.microsoft.com/office/drawing/2014/main" id="{81C716D6-7086-7C6D-114C-06BA39BFF767}"/>
+                </a:ext>
+              </a:extLst>
+            </p:cNvPr>
+            <p:cNvSpPr/>
+            <p:nvPr/>
+          </p:nvSpPr>
+          <p:spPr>
+            <a:xfrm>
+              <a:off x="1879041" y="2823589"/>
+              <a:ext cx="1185706" cy="472272"/>
+            </a:xfrm>
+            <a:prstGeom prst="roundRect">
+              <a:avLst/>
+            </a:prstGeom>
+          </p:spPr>
+          <p:style>
+            <a:lnRef idx="2">
+              <a:schemeClr val="accent4">
+                <a:shade val="50000"/>
+              </a:schemeClr>
+            </a:lnRef>
+            <a:fillRef idx="1">
+              <a:schemeClr val="accent4"/>
+            </a:fillRef>
+            <a:effectRef idx="0">
+              <a:schemeClr val="accent4"/>
+            </a:effectRef>
+            <a:fontRef idx="minor">
+              <a:schemeClr val="lt1"/>
+            </a:fontRef>
+          </p:style>
+          <p:txBody>
+            <a:bodyPr rtlCol="0" anchor="ctr"/>
+            <a:lstStyle/>
+            <a:p>
+              <a:pPr algn="ctr"/>
+              <a:endParaRPr lang="en-US"/>
+            </a:p>
+          </p:txBody>
+        </p:sp>
+        <p:sp>
+          <p:nvSpPr>
+            <p:cNvPr id="98" name="Rectangle: Rounded Corners 97">
+              <a:extLst>
+                <a:ext uri="{FF2B5EF4-FFF2-40B4-BE49-F238E27FC236}">
+                  <a16:creationId xmlns:a16="http://schemas.microsoft.com/office/drawing/2014/main" id="{820A5314-D656-4367-FE3D-AE2F5D4CB13C}"/>
+                </a:ext>
+              </a:extLst>
+            </p:cNvPr>
+            <p:cNvSpPr/>
+            <p:nvPr/>
+          </p:nvSpPr>
+          <p:spPr>
+            <a:xfrm>
+              <a:off x="1879041" y="3496828"/>
+              <a:ext cx="1185706" cy="472272"/>
+            </a:xfrm>
+            <a:prstGeom prst="roundRect">
+              <a:avLst/>
+            </a:prstGeom>
+          </p:spPr>
+          <p:style>
+            <a:lnRef idx="2">
+              <a:schemeClr val="accent4">
+                <a:shade val="50000"/>
+              </a:schemeClr>
+            </a:lnRef>
+            <a:fillRef idx="1">
+              <a:schemeClr val="accent4"/>
+            </a:fillRef>
+            <a:effectRef idx="0">
+              <a:schemeClr val="accent4"/>
+            </a:effectRef>
+            <a:fontRef idx="minor">
+              <a:schemeClr val="lt1"/>
+            </a:fontRef>
+          </p:style>
+          <p:txBody>
+            <a:bodyPr rtlCol="0" anchor="ctr"/>
+            <a:lstStyle/>
+            <a:p>
+              <a:pPr algn="ctr"/>
+              <a:endParaRPr lang="en-US"/>
+            </a:p>
+          </p:txBody>
+        </p:sp>
+        <p:cxnSp>
+          <p:nvCxnSpPr>
+            <p:cNvPr id="99" name="Straight Arrow Connector 98">
+              <a:extLst>
+                <a:ext uri="{FF2B5EF4-FFF2-40B4-BE49-F238E27FC236}">
+                  <a16:creationId xmlns:a16="http://schemas.microsoft.com/office/drawing/2014/main" id="{9EB25CD6-2135-24C8-3FC0-A759D5DCFB74}"/>
+                </a:ext>
+              </a:extLst>
+            </p:cNvPr>
+            <p:cNvCxnSpPr>
+              <a:cxnSpLocks/>
+              <a:stCxn id="95" idx="2"/>
+              <a:endCxn id="96" idx="0"/>
+            </p:cNvCxnSpPr>
+            <p:nvPr/>
+          </p:nvCxnSpPr>
+          <p:spPr>
+            <a:xfrm>
+              <a:off x="2471894" y="1768513"/>
+              <a:ext cx="0" cy="291402"/>
+            </a:xfrm>
+            <a:prstGeom prst="straightConnector1">
+              <a:avLst/>
+            </a:prstGeom>
+            <a:ln>
+              <a:tailEnd type="triangle"/>
+            </a:ln>
+          </p:spPr>
+          <p:style>
+            <a:lnRef idx="1">
+              <a:schemeClr val="accent4"/>
+            </a:lnRef>
+            <a:fillRef idx="0">
+              <a:schemeClr val="accent4"/>
+            </a:fillRef>
+            <a:effectRef idx="0">
+              <a:schemeClr val="accent4"/>
+            </a:effectRef>
+            <a:fontRef idx="minor">
+              <a:schemeClr val="tx1"/>
+            </a:fontRef>
+          </p:style>
+        </p:cxnSp>
+        <p:cxnSp>
+          <p:nvCxnSpPr>
+            <p:cNvPr id="100" name="Straight Arrow Connector 99">
+              <a:extLst>
+                <a:ext uri="{FF2B5EF4-FFF2-40B4-BE49-F238E27FC236}">
+                  <a16:creationId xmlns:a16="http://schemas.microsoft.com/office/drawing/2014/main" id="{8B1C64BB-B9E0-FD4A-9F0D-35F8A410B324}"/>
+                </a:ext>
+              </a:extLst>
+            </p:cNvPr>
+            <p:cNvCxnSpPr>
+              <a:cxnSpLocks/>
+              <a:stCxn id="96" idx="2"/>
+              <a:endCxn id="97" idx="0"/>
+            </p:cNvCxnSpPr>
+            <p:nvPr/>
+          </p:nvCxnSpPr>
+          <p:spPr>
+            <a:xfrm>
+              <a:off x="2471894" y="2532187"/>
+              <a:ext cx="0" cy="291402"/>
+            </a:xfrm>
+            <a:prstGeom prst="straightConnector1">
+              <a:avLst/>
+            </a:prstGeom>
+            <a:ln>
+              <a:tailEnd type="triangle"/>
+            </a:ln>
+          </p:spPr>
+          <p:style>
+            <a:lnRef idx="1">
+              <a:schemeClr val="accent4"/>
+            </a:lnRef>
+            <a:fillRef idx="0">
+              <a:schemeClr val="accent4"/>
+            </a:fillRef>
+            <a:effectRef idx="0">
+              <a:schemeClr val="accent4"/>
+            </a:effectRef>
+            <a:fontRef idx="minor">
+              <a:schemeClr val="tx1"/>
+            </a:fontRef>
+          </p:style>
+        </p:cxnSp>
+        <p:cxnSp>
+          <p:nvCxnSpPr>
+            <p:cNvPr id="101" name="Straight Arrow Connector 100">
+              <a:extLst>
+                <a:ext uri="{FF2B5EF4-FFF2-40B4-BE49-F238E27FC236}">
+                  <a16:creationId xmlns:a16="http://schemas.microsoft.com/office/drawing/2014/main" id="{2CD90DB2-9BFC-C52B-2CD1-37CB264FC835}"/>
+                </a:ext>
+              </a:extLst>
+            </p:cNvPr>
+            <p:cNvCxnSpPr>
+              <a:cxnSpLocks/>
+              <a:stCxn id="97" idx="2"/>
+              <a:endCxn id="98" idx="0"/>
+            </p:cNvCxnSpPr>
+            <p:nvPr/>
+          </p:nvCxnSpPr>
+          <p:spPr>
+            <a:xfrm>
+              <a:off x="2471894" y="3295861"/>
+              <a:ext cx="0" cy="200967"/>
+            </a:xfrm>
+            <a:prstGeom prst="straightConnector1">
+              <a:avLst/>
+            </a:prstGeom>
+            <a:ln>
+              <a:tailEnd type="triangle"/>
+            </a:ln>
+          </p:spPr>
+          <p:style>
+            <a:lnRef idx="1">
+              <a:schemeClr val="accent4"/>
+            </a:lnRef>
+            <a:fillRef idx="0">
+              <a:schemeClr val="accent4"/>
+            </a:fillRef>
+            <a:effectRef idx="0">
+              <a:schemeClr val="accent4"/>
+            </a:effectRef>
+            <a:fontRef idx="minor">
+              <a:schemeClr val="tx1"/>
+            </a:fontRef>
+          </p:style>
+        </p:cxnSp>
+        <p:cxnSp>
+          <p:nvCxnSpPr>
+            <p:cNvPr id="102" name="Straight Arrow Connector 101">
+              <a:extLst>
+                <a:ext uri="{FF2B5EF4-FFF2-40B4-BE49-F238E27FC236}">
+                  <a16:creationId xmlns:a16="http://schemas.microsoft.com/office/drawing/2014/main" id="{A79D30CF-2E07-AB57-DB75-5C54D9C8791B}"/>
+                </a:ext>
+              </a:extLst>
+            </p:cNvPr>
+            <p:cNvCxnSpPr/>
+            <p:nvPr/>
+          </p:nvCxnSpPr>
+          <p:spPr>
+            <a:xfrm>
+              <a:off x="2435051" y="2073313"/>
+              <a:ext cx="663191" cy="291402"/>
+            </a:xfrm>
+            <a:prstGeom prst="straightConnector1">
+              <a:avLst/>
+            </a:prstGeom>
+            <a:ln>
+              <a:tailEnd type="triangle"/>
+            </a:ln>
+          </p:spPr>
+          <p:style>
+            <a:lnRef idx="1">
+              <a:schemeClr val="accent4"/>
+            </a:lnRef>
+            <a:fillRef idx="0">
+              <a:schemeClr val="accent4"/>
+            </a:fillRef>
+            <a:effectRef idx="0">
+              <a:schemeClr val="accent4"/>
+            </a:effectRef>
+            <a:fontRef idx="minor">
+              <a:schemeClr val="tx1"/>
+            </a:fontRef>
+          </p:style>
+        </p:cxnSp>
+        <mc:AlternateContent xmlns:mc="http://schemas.openxmlformats.org/markup-compatibility/2006">
+          <mc:Choice xmlns:a14="http://schemas.microsoft.com/office/drawing/2010/main" Requires="a14">
+            <p:sp>
+              <p:nvSpPr>
+                <p:cNvPr id="103" name="Rectangle 102">
+                  <a:extLst>
+                    <a:ext uri="{FF2B5EF4-FFF2-40B4-BE49-F238E27FC236}">
+                      <a16:creationId xmlns:a16="http://schemas.microsoft.com/office/drawing/2014/main" id="{87B5E7C1-0B10-FF83-D958-529857E47322}"/>
+                    </a:ext>
+                  </a:extLst>
+                </p:cNvPr>
+                <p:cNvSpPr/>
+                <p:nvPr/>
+              </p:nvSpPr>
+              <p:spPr>
+                <a:xfrm>
+                  <a:off x="2352565" y="602984"/>
+                  <a:ext cx="1010813" cy="619595"/>
+                </a:xfrm>
+                <a:prstGeom prst="rect">
+                  <a:avLst/>
+                </a:prstGeom>
+                <a:noFill/>
+              </p:spPr>
+              <p:txBody>
+                <a:bodyPr wrap="none" lIns="91440" tIns="45720" rIns="91440" bIns="45720">
+                  <a:spAutoFit/>
+                </a:bodyPr>
+                <a:lstStyle/>
+                <a:p>
+                  <a:pPr algn="ctr"/>
+                  <a14:m>
+                    <m:oMathPara xmlns:m="http://schemas.openxmlformats.org/officeDocument/2006/math">
+                      <m:oMathParaPr>
+                        <m:jc m:val="centerGroup"/>
+                      </m:oMathParaPr>
+                      <m:oMath xmlns:m="http://schemas.openxmlformats.org/officeDocument/2006/math">
+                        <m:sSub>
+                          <m:sSubPr>
+                            <m:ctrlPr>
+                              <a:rPr lang="en-US" sz="2800" b="1" i="1" cap="none" spc="0" smtClean="0">
+                                <a:ln w="22225">
+                                  <a:solidFill>
+                                    <a:schemeClr val="accent2"/>
+                                  </a:solidFill>
+                                  <a:prstDash val="solid"/>
+                                </a:ln>
+                                <a:solidFill>
+                                  <a:schemeClr val="accent2">
+                                    <a:lumMod val="40000"/>
+                                    <a:lumOff val="60000"/>
+                                  </a:schemeClr>
+                                </a:solidFill>
+                                <a:effectLst/>
+                                <a:latin typeface="Cambria Math" panose="02040503050406030204" pitchFamily="18" charset="0"/>
+                              </a:rPr>
+                            </m:ctrlPr>
+                          </m:sSubPr>
+                          <m:e>
+                            <m:r>
+                              <a:rPr lang="en-US" sz="2800" b="1" i="1" cap="none" spc="0" smtClean="0">
+                                <a:ln w="22225">
+                                  <a:solidFill>
+                                    <a:schemeClr val="accent2"/>
+                                  </a:solidFill>
+                                  <a:prstDash val="solid"/>
+                                </a:ln>
+                                <a:solidFill>
+                                  <a:schemeClr val="accent2">
+                                    <a:lumMod val="40000"/>
+                                    <a:lumOff val="60000"/>
+                                  </a:schemeClr>
+                                </a:solidFill>
+                                <a:effectLst/>
+                                <a:latin typeface="Cambria Math" panose="02040503050406030204" pitchFamily="18" charset="0"/>
+                              </a:rPr>
+                              <m:t>𝑩</m:t>
+                            </m:r>
+                          </m:e>
+                          <m:sub>
+                            <m:r>
+                              <a:rPr lang="en-US" sz="2800" b="1" i="1" cap="none" spc="0" smtClean="0">
+                                <a:ln w="22225">
+                                  <a:solidFill>
+                                    <a:schemeClr val="accent2"/>
+                                  </a:solidFill>
+                                  <a:prstDash val="solid"/>
+                                </a:ln>
+                                <a:solidFill>
+                                  <a:schemeClr val="accent2">
+                                    <a:lumMod val="40000"/>
+                                    <a:lumOff val="60000"/>
+                                  </a:schemeClr>
+                                </a:solidFill>
+                                <a:effectLst/>
+                                <a:latin typeface="Cambria Math" panose="02040503050406030204" pitchFamily="18" charset="0"/>
+                              </a:rPr>
+                              <m:t>𝟏</m:t>
+                            </m:r>
+                          </m:sub>
+                        </m:sSub>
+                      </m:oMath>
+                    </m:oMathPara>
+                  </a14:m>
+                  <a:endParaRPr lang="en-US" sz="2800" b="1" cap="none" spc="0" dirty="0">
+                    <a:ln w="22225">
+                      <a:solidFill>
+                        <a:schemeClr val="accent2"/>
+                      </a:solidFill>
+                      <a:prstDash val="solid"/>
+                    </a:ln>
+                    <a:solidFill>
+                      <a:schemeClr val="accent2">
+                        <a:lumMod val="40000"/>
+                        <a:lumOff val="60000"/>
+                      </a:schemeClr>
+                    </a:solidFill>
+                    <a:effectLst/>
+                  </a:endParaRPr>
+                </a:p>
+              </p:txBody>
+            </p:sp>
+          </mc:Choice>
+          <mc:Fallback>
+            <p:sp>
+              <p:nvSpPr>
+                <p:cNvPr id="103" name="Rectangle 102">
+                  <a:extLst>
+                    <a:ext uri="{FF2B5EF4-FFF2-40B4-BE49-F238E27FC236}">
+                      <a16:creationId xmlns:a16="http://schemas.microsoft.com/office/drawing/2014/main" id="{87B5E7C1-0B10-FF83-D958-529857E47322}"/>
+                    </a:ext>
+                  </a:extLst>
+                </p:cNvPr>
+                <p:cNvSpPr>
+                  <a:spLocks noRot="1" noChangeAspect="1" noMove="1" noResize="1" noEditPoints="1" noAdjustHandles="1" noChangeArrowheads="1" noChangeShapeType="1" noTextEdit="1"/>
+                </p:cNvSpPr>
+                <p:nvPr/>
+              </p:nvSpPr>
+              <p:spPr>
+                <a:xfrm>
+                  <a:off x="2352565" y="602984"/>
+                  <a:ext cx="1010813" cy="619595"/>
+                </a:xfrm>
+                <a:prstGeom prst="rect">
+                  <a:avLst/>
+                </a:prstGeom>
+                <a:blipFill>
+                  <a:blip r:embed="rId6"/>
+                  <a:stretch>
+                    <a:fillRect/>
+                  </a:stretch>
+                </a:blipFill>
+              </p:spPr>
+              <p:txBody>
+                <a:bodyPr/>
+                <a:lstStyle/>
+                <a:p>
+                  <a:r>
+                    <a:rPr lang="en-US">
+                      <a:noFill/>
+                    </a:rPr>
+                    <a:t> </a:t>
+                  </a:r>
+                </a:p>
+              </p:txBody>
+            </p:sp>
+          </mc:Fallback>
+        </mc:AlternateContent>
+      </p:grpSp>
+      <p:cxnSp>
+        <p:nvCxnSpPr>
+          <p:cNvPr id="105" name="Straight Arrow Connector 104">
+            <a:extLst>
+              <a:ext uri="{FF2B5EF4-FFF2-40B4-BE49-F238E27FC236}">
+                <a16:creationId xmlns:a16="http://schemas.microsoft.com/office/drawing/2014/main" id="{AE790977-6B31-3F6F-5CDF-6B985102DB44}"/>
+              </a:ext>
+            </a:extLst>
+          </p:cNvPr>
+          <p:cNvCxnSpPr>
+            <a:cxnSpLocks/>
+            <a:stCxn id="48" idx="2"/>
+            <a:endCxn id="83" idx="0"/>
+          </p:cNvCxnSpPr>
+          <p:nvPr/>
+        </p:nvCxnSpPr>
+        <p:spPr>
+          <a:xfrm flipH="1">
+            <a:off x="1832993" y="1123702"/>
+            <a:ext cx="2964193" cy="797235"/>
+          </a:xfrm>
+          <a:prstGeom prst="straightConnector1">
+            <a:avLst/>
+          </a:prstGeom>
+          <a:ln w="57150">
+            <a:solidFill>
+              <a:srgbClr val="FF0000"/>
+            </a:solidFill>
+            <a:tailEnd type="triangle"/>
+          </a:ln>
+        </p:spPr>
+        <p:style>
+          <a:lnRef idx="1">
+            <a:schemeClr val="accent1"/>
+          </a:lnRef>
+          <a:fillRef idx="0">
+            <a:schemeClr val="accent1"/>
+          </a:fillRef>
+          <a:effectRef idx="0">
+            <a:schemeClr val="accent1"/>
+          </a:effectRef>
+          <a:fontRef idx="minor">
+            <a:schemeClr val="tx1"/>
+          </a:fontRef>
+        </p:style>
+      </p:cxnSp>
+      <p:sp>
+        <p:nvSpPr>
+          <p:cNvPr id="107" name="Rectangle 106">
+            <a:extLst>
+              <a:ext uri="{FF2B5EF4-FFF2-40B4-BE49-F238E27FC236}">
+                <a16:creationId xmlns:a16="http://schemas.microsoft.com/office/drawing/2014/main" id="{1B7A5B00-6594-FEB1-4759-8933FDF8EF84}"/>
+              </a:ext>
+            </a:extLst>
+          </p:cNvPr>
+          <p:cNvSpPr/>
+          <p:nvPr/>
+        </p:nvSpPr>
+        <p:spPr>
+          <a:xfrm>
+            <a:off x="3582115" y="1262990"/>
+            <a:ext cx="407255" cy="584775"/>
+          </a:xfrm>
+          <a:prstGeom prst="rect">
+            <a:avLst/>
+          </a:prstGeom>
+          <a:noFill/>
+        </p:spPr>
+        <p:txBody>
+          <a:bodyPr wrap="square" lIns="91440" tIns="45720" rIns="91440" bIns="45720">
+            <a:spAutoFit/>
+            <a:scene3d>
+              <a:camera prst="orthographicFront"/>
+              <a:lightRig rig="soft" dir="t">
+                <a:rot lat="0" lon="0" rev="15600000"/>
+              </a:lightRig>
+            </a:scene3d>
+            <a:sp3d extrusionH="57150" prstMaterial="softEdge">
+              <a:bevelT w="25400" h="38100"/>
+            </a:sp3d>
+          </a:bodyPr>
+          <a:lstStyle/>
+          <a:p>
+            <a:pPr algn="ctr"/>
+            <a:r>
+              <a:rPr lang="en-US" sz="3200" b="1" dirty="0">
+                <a:ln/>
+                <a:solidFill>
+                  <a:srgbClr val="FF0000"/>
+                </a:solidFill>
+              </a:rPr>
+              <a:t>A</a:t>
+            </a:r>
+          </a:p>
+        </p:txBody>
+      </p:sp>
+      <p:cxnSp>
+        <p:nvCxnSpPr>
+          <p:cNvPr id="108" name="Straight Arrow Connector 107">
+            <a:extLst>
+              <a:ext uri="{FF2B5EF4-FFF2-40B4-BE49-F238E27FC236}">
+                <a16:creationId xmlns:a16="http://schemas.microsoft.com/office/drawing/2014/main" id="{4F582FF6-3798-E094-41AC-0735E61FC2E6}"/>
+              </a:ext>
+            </a:extLst>
+          </p:cNvPr>
+          <p:cNvCxnSpPr>
+            <a:cxnSpLocks/>
+            <a:stCxn id="48" idx="2"/>
+            <a:endCxn id="73" idx="0"/>
+          </p:cNvCxnSpPr>
+          <p:nvPr/>
+        </p:nvCxnSpPr>
+        <p:spPr>
+          <a:xfrm>
+            <a:off x="4797186" y="1123702"/>
+            <a:ext cx="23923" cy="908400"/>
+          </a:xfrm>
+          <a:prstGeom prst="straightConnector1">
+            <a:avLst/>
+          </a:prstGeom>
+          <a:ln w="57150">
+            <a:solidFill>
+              <a:srgbClr val="FF0000"/>
+            </a:solidFill>
+            <a:tailEnd type="triangle"/>
+          </a:ln>
+        </p:spPr>
+        <p:style>
+          <a:lnRef idx="1">
+            <a:schemeClr val="accent1"/>
+          </a:lnRef>
+          <a:fillRef idx="0">
+            <a:schemeClr val="accent1"/>
+          </a:fillRef>
+          <a:effectRef idx="0">
+            <a:schemeClr val="accent1"/>
+          </a:effectRef>
+          <a:fontRef idx="minor">
+            <a:schemeClr val="tx1"/>
+          </a:fontRef>
+        </p:style>
+      </p:cxnSp>
+      <p:sp>
+        <p:nvSpPr>
+          <p:cNvPr id="111" name="Rectangle 110">
+            <a:extLst>
+              <a:ext uri="{FF2B5EF4-FFF2-40B4-BE49-F238E27FC236}">
+                <a16:creationId xmlns:a16="http://schemas.microsoft.com/office/drawing/2014/main" id="{7C405F2C-F1FE-2789-8F6D-C3C5720F28A2}"/>
+              </a:ext>
+            </a:extLst>
+          </p:cNvPr>
+          <p:cNvSpPr/>
+          <p:nvPr/>
+        </p:nvSpPr>
+        <p:spPr>
+          <a:xfrm>
+            <a:off x="4426334" y="1311977"/>
+            <a:ext cx="407255" cy="584775"/>
+          </a:xfrm>
+          <a:prstGeom prst="rect">
+            <a:avLst/>
+          </a:prstGeom>
+          <a:noFill/>
+        </p:spPr>
+        <p:txBody>
+          <a:bodyPr wrap="square" lIns="91440" tIns="45720" rIns="91440" bIns="45720">
+            <a:spAutoFit/>
+            <a:scene3d>
+              <a:camera prst="orthographicFront"/>
+              <a:lightRig rig="soft" dir="t">
+                <a:rot lat="0" lon="0" rev="15600000"/>
+              </a:lightRig>
+            </a:scene3d>
+            <a:sp3d extrusionH="57150" prstMaterial="softEdge">
+              <a:bevelT w="25400" h="38100"/>
+            </a:sp3d>
+          </a:bodyPr>
+          <a:lstStyle/>
+          <a:p>
+            <a:pPr algn="ctr"/>
+            <a:r>
+              <a:rPr lang="en-US" sz="3200" b="1" dirty="0">
+                <a:ln/>
+                <a:solidFill>
+                  <a:srgbClr val="FF0000"/>
+                </a:solidFill>
+              </a:rPr>
+              <a:t>A</a:t>
+            </a:r>
+          </a:p>
+        </p:txBody>
+      </p:sp>
+      <p:cxnSp>
+        <p:nvCxnSpPr>
+          <p:cNvPr id="112" name="Straight Arrow Connector 111">
+            <a:extLst>
+              <a:ext uri="{FF2B5EF4-FFF2-40B4-BE49-F238E27FC236}">
+                <a16:creationId xmlns:a16="http://schemas.microsoft.com/office/drawing/2014/main" id="{3E97F15C-6E55-32F2-D81E-B983DD1965DE}"/>
+              </a:ext>
+            </a:extLst>
+          </p:cNvPr>
+          <p:cNvCxnSpPr>
+            <a:cxnSpLocks/>
+            <a:endCxn id="94" idx="0"/>
+          </p:cNvCxnSpPr>
+          <p:nvPr/>
+        </p:nvCxnSpPr>
+        <p:spPr>
+          <a:xfrm>
+            <a:off x="4808220" y="1134506"/>
+            <a:ext cx="3169907" cy="835075"/>
+          </a:xfrm>
+          <a:prstGeom prst="straightConnector1">
+            <a:avLst/>
+          </a:prstGeom>
+          <a:ln w="57150">
+            <a:solidFill>
+              <a:srgbClr val="00B0F0"/>
+            </a:solidFill>
+            <a:tailEnd type="triangle"/>
+          </a:ln>
+        </p:spPr>
+        <p:style>
+          <a:lnRef idx="1">
+            <a:schemeClr val="accent1"/>
+          </a:lnRef>
+          <a:fillRef idx="0">
+            <a:schemeClr val="accent1"/>
+          </a:fillRef>
+          <a:effectRef idx="0">
+            <a:schemeClr val="accent1"/>
+          </a:effectRef>
+          <a:fontRef idx="minor">
+            <a:schemeClr val="tx1"/>
+          </a:fontRef>
+        </p:style>
+      </p:cxnSp>
+      <p:sp>
+        <p:nvSpPr>
+          <p:cNvPr id="114" name="Rectangle 113">
+            <a:extLst>
+              <a:ext uri="{FF2B5EF4-FFF2-40B4-BE49-F238E27FC236}">
+                <a16:creationId xmlns:a16="http://schemas.microsoft.com/office/drawing/2014/main" id="{F37EE175-54A7-23A6-ED03-FC012649D37E}"/>
+              </a:ext>
+            </a:extLst>
+          </p:cNvPr>
+          <p:cNvSpPr/>
+          <p:nvPr/>
+        </p:nvSpPr>
+        <p:spPr>
+          <a:xfrm>
+            <a:off x="6524403" y="1134506"/>
+            <a:ext cx="390676" cy="584775"/>
+          </a:xfrm>
+          <a:prstGeom prst="rect">
+            <a:avLst/>
+          </a:prstGeom>
+          <a:noFill/>
+        </p:spPr>
+        <p:txBody>
+          <a:bodyPr wrap="square" lIns="91440" tIns="45720" rIns="91440" bIns="45720">
+            <a:spAutoFit/>
+            <a:scene3d>
+              <a:camera prst="orthographicFront"/>
+              <a:lightRig rig="soft" dir="t">
+                <a:rot lat="0" lon="0" rev="15600000"/>
+              </a:lightRig>
+            </a:scene3d>
+            <a:sp3d extrusionH="57150" prstMaterial="softEdge">
+              <a:bevelT w="25400" h="38100"/>
+            </a:sp3d>
+          </a:bodyPr>
+          <a:lstStyle/>
+          <a:p>
+            <a:pPr algn="ctr"/>
+            <a:r>
+              <a:rPr lang="en-US" sz="3200" b="1" dirty="0">
+                <a:ln/>
+                <a:solidFill>
+                  <a:srgbClr val="00B0F0"/>
+                </a:solidFill>
+              </a:rPr>
+              <a:t>B</a:t>
+            </a:r>
+          </a:p>
+        </p:txBody>
+      </p:sp>
+      <mc:AlternateContent xmlns:mc="http://schemas.openxmlformats.org/markup-compatibility/2006">
+        <mc:Choice xmlns:a14="http://schemas.microsoft.com/office/drawing/2010/main" Requires="a14">
+          <p:sp>
+            <p:nvSpPr>
+              <p:cNvPr id="117" name="Rectangle 116">
+                <a:extLst>
+                  <a:ext uri="{FF2B5EF4-FFF2-40B4-BE49-F238E27FC236}">
+                    <a16:creationId xmlns:a16="http://schemas.microsoft.com/office/drawing/2014/main" id="{7AE0E19C-F241-4569-84C4-FD192DD0FAB9}"/>
+                  </a:ext>
+                </a:extLst>
+              </p:cNvPr>
+              <p:cNvSpPr/>
+              <p:nvPr/>
+            </p:nvSpPr>
+            <p:spPr>
+              <a:xfrm>
+                <a:off x="5888346" y="4191601"/>
+                <a:ext cx="938768" cy="606384"/>
+              </a:xfrm>
+              <a:prstGeom prst="rect">
+                <a:avLst/>
+              </a:prstGeom>
+              <a:noFill/>
+            </p:spPr>
+            <p:txBody>
+              <a:bodyPr wrap="square" lIns="91440" tIns="45720" rIns="91440" bIns="45720">
+                <a:spAutoFit/>
+                <a:scene3d>
+                  <a:camera prst="orthographicFront"/>
+                  <a:lightRig rig="soft" dir="t">
+                    <a:rot lat="0" lon="0" rev="15600000"/>
+                  </a:lightRig>
+                </a:scene3d>
+                <a:sp3d extrusionH="57150" prstMaterial="softEdge">
+                  <a:bevelT w="25400" h="38100"/>
+                </a:sp3d>
+              </a:bodyPr>
+              <a:lstStyle/>
+              <a:p>
+                <a:pPr algn="ctr"/>
+                <a14:m>
+                  <m:oMathPara xmlns:m="http://schemas.openxmlformats.org/officeDocument/2006/math">
+                    <m:oMathParaPr>
+                      <m:jc m:val="centerGroup"/>
+                    </m:oMathParaPr>
+                    <m:oMath xmlns:m="http://schemas.openxmlformats.org/officeDocument/2006/math">
+                      <m:sSub>
+                        <m:sSubPr>
+                          <m:ctrlPr>
+                            <a:rPr lang="en-US" sz="3200" b="1" i="1" dirty="0" smtClean="0">
+                              <a:ln/>
+                              <a:solidFill>
+                                <a:schemeClr val="tx1">
+                                  <a:lumMod val="95000"/>
+                                  <a:lumOff val="5000"/>
+                                </a:schemeClr>
+                              </a:solidFill>
+                              <a:latin typeface="Cambria Math" panose="02040503050406030204" pitchFamily="18" charset="0"/>
+                            </a:rPr>
+                          </m:ctrlPr>
+                        </m:sSubPr>
+                        <m:e>
+                          <m:r>
+                            <a:rPr lang="en-US" sz="3200" b="1" i="1" dirty="0" smtClean="0">
+                              <a:ln/>
+                              <a:solidFill>
+                                <a:schemeClr val="tx1">
+                                  <a:lumMod val="95000"/>
+                                  <a:lumOff val="5000"/>
+                                </a:schemeClr>
+                              </a:solidFill>
+                              <a:latin typeface="Cambria Math" panose="02040503050406030204" pitchFamily="18" charset="0"/>
+                            </a:rPr>
+                            <m:t>𝑷</m:t>
+                          </m:r>
+                        </m:e>
+                        <m:sub>
+                          <m:r>
+                            <a:rPr lang="en-US" sz="3200" b="1" i="1" dirty="0" smtClean="0">
+                              <a:ln/>
+                              <a:solidFill>
+                                <a:schemeClr val="tx1">
+                                  <a:lumMod val="95000"/>
+                                  <a:lumOff val="5000"/>
+                                </a:schemeClr>
+                              </a:solidFill>
+                              <a:latin typeface="Cambria Math" panose="02040503050406030204" pitchFamily="18" charset="0"/>
+                            </a:rPr>
+                            <m:t>𝒃</m:t>
+                          </m:r>
+                          <m:r>
+                            <a:rPr lang="en-US" sz="3200" b="1" i="1" dirty="0" smtClean="0">
+                              <a:ln/>
+                              <a:solidFill>
+                                <a:schemeClr val="tx1">
+                                  <a:lumMod val="95000"/>
+                                  <a:lumOff val="5000"/>
+                                </a:schemeClr>
+                              </a:solidFill>
+                              <a:latin typeface="Cambria Math" panose="02040503050406030204" pitchFamily="18" charset="0"/>
+                              <a:ea typeface="Cambria Math" panose="02040503050406030204" pitchFamily="18" charset="0"/>
+                            </a:rPr>
+                            <m:t>,</m:t>
+                          </m:r>
+                          <m:r>
+                            <a:rPr lang="en-US" sz="3200" b="1" i="1" dirty="0" smtClean="0">
+                              <a:ln/>
+                              <a:solidFill>
+                                <a:schemeClr val="tx1">
+                                  <a:lumMod val="95000"/>
+                                  <a:lumOff val="5000"/>
+                                </a:schemeClr>
+                              </a:solidFill>
+                              <a:latin typeface="Cambria Math" panose="02040503050406030204" pitchFamily="18" charset="0"/>
+                              <a:ea typeface="Cambria Math" panose="02040503050406030204" pitchFamily="18" charset="0"/>
+                            </a:rPr>
+                            <m:t>𝟎</m:t>
+                          </m:r>
+                        </m:sub>
+                      </m:sSub>
+                    </m:oMath>
+                  </m:oMathPara>
+                </a14:m>
+                <a:endParaRPr lang="en-US" sz="4400" b="1" dirty="0">
+                  <a:ln/>
+                  <a:solidFill>
+                    <a:srgbClr val="00B050"/>
+                  </a:solidFill>
+                </a:endParaRPr>
+              </a:p>
+            </p:txBody>
+          </p:sp>
+        </mc:Choice>
+        <mc:Fallback>
+          <p:sp>
+            <p:nvSpPr>
+              <p:cNvPr id="117" name="Rectangle 116">
+                <a:extLst>
+                  <a:ext uri="{FF2B5EF4-FFF2-40B4-BE49-F238E27FC236}">
+                    <a16:creationId xmlns:a16="http://schemas.microsoft.com/office/drawing/2014/main" id="{7AE0E19C-F241-4569-84C4-FD192DD0FAB9}"/>
+                  </a:ext>
+                </a:extLst>
+              </p:cNvPr>
+              <p:cNvSpPr>
+                <a:spLocks noRot="1" noChangeAspect="1" noMove="1" noResize="1" noEditPoints="1" noAdjustHandles="1" noChangeArrowheads="1" noChangeShapeType="1" noTextEdit="1"/>
+              </p:cNvSpPr>
+              <p:nvPr/>
+            </p:nvSpPr>
+            <p:spPr>
+              <a:xfrm>
+                <a:off x="5888346" y="4191601"/>
+                <a:ext cx="938768" cy="606384"/>
+              </a:xfrm>
+              <a:prstGeom prst="rect">
+                <a:avLst/>
+              </a:prstGeom>
+              <a:blipFill>
+                <a:blip r:embed="rId7"/>
+                <a:stretch>
+                  <a:fillRect/>
+                </a:stretch>
+              </a:blipFill>
+            </p:spPr>
+            <p:txBody>
+              <a:bodyPr/>
+              <a:lstStyle/>
+              <a:p>
+                <a:r>
+                  <a:rPr lang="en-US">
+                    <a:noFill/>
+                  </a:rPr>
+                  <a:t> </a:t>
+                </a:r>
+              </a:p>
+            </p:txBody>
+          </p:sp>
+        </mc:Fallback>
+      </mc:AlternateContent>
+      <p:cxnSp>
+        <p:nvCxnSpPr>
+          <p:cNvPr id="121" name="Straight Arrow Connector 120">
+            <a:extLst>
+              <a:ext uri="{FF2B5EF4-FFF2-40B4-BE49-F238E27FC236}">
+                <a16:creationId xmlns:a16="http://schemas.microsoft.com/office/drawing/2014/main" id="{54883A1A-5B4A-2B71-77E9-376B7579B18D}"/>
+              </a:ext>
+            </a:extLst>
+          </p:cNvPr>
+          <p:cNvCxnSpPr>
+            <a:cxnSpLocks/>
+            <a:stCxn id="4" idx="2"/>
+          </p:cNvCxnSpPr>
+          <p:nvPr/>
+        </p:nvCxnSpPr>
+        <p:spPr>
+          <a:xfrm>
+            <a:off x="3276534" y="4211731"/>
+            <a:ext cx="3106739" cy="1057884"/>
+          </a:xfrm>
+          <a:prstGeom prst="straightConnector1">
+            <a:avLst/>
+          </a:prstGeom>
+          <a:ln w="57150">
+            <a:solidFill>
+              <a:srgbClr val="7030A0"/>
+            </a:solidFill>
+            <a:tailEnd type="triangle"/>
+          </a:ln>
+        </p:spPr>
+        <p:style>
+          <a:lnRef idx="1">
+            <a:schemeClr val="accent1"/>
+          </a:lnRef>
+          <a:fillRef idx="0">
+            <a:schemeClr val="accent1"/>
+          </a:fillRef>
+          <a:effectRef idx="0">
+            <a:schemeClr val="accent1"/>
+          </a:effectRef>
+          <a:fontRef idx="minor">
+            <a:schemeClr val="tx1"/>
+          </a:fontRef>
+        </p:style>
+      </p:cxnSp>
+      <p:cxnSp>
+        <p:nvCxnSpPr>
+          <p:cNvPr id="124" name="Straight Arrow Connector 123">
+            <a:extLst>
+              <a:ext uri="{FF2B5EF4-FFF2-40B4-BE49-F238E27FC236}">
+                <a16:creationId xmlns:a16="http://schemas.microsoft.com/office/drawing/2014/main" id="{D59457F9-C9F0-6BA9-8AEF-3DB935FC99E6}"/>
+              </a:ext>
+            </a:extLst>
+          </p:cNvPr>
+          <p:cNvCxnSpPr>
+            <a:cxnSpLocks/>
+          </p:cNvCxnSpPr>
+          <p:nvPr/>
+        </p:nvCxnSpPr>
+        <p:spPr>
+          <a:xfrm flipH="1">
+            <a:off x="6347500" y="4211731"/>
+            <a:ext cx="1630626" cy="1057884"/>
+          </a:xfrm>
+          <a:prstGeom prst="straightConnector1">
+            <a:avLst/>
+          </a:prstGeom>
+          <a:ln w="57150">
+            <a:solidFill>
+              <a:srgbClr val="7030A0"/>
+            </a:solidFill>
+            <a:tailEnd type="triangle"/>
+          </a:ln>
+        </p:spPr>
+        <p:style>
+          <a:lnRef idx="1">
+            <a:schemeClr val="accent1"/>
+          </a:lnRef>
+          <a:fillRef idx="0">
+            <a:schemeClr val="accent1"/>
+          </a:fillRef>
+          <a:effectRef idx="0">
+            <a:schemeClr val="accent1"/>
+          </a:effectRef>
+          <a:fontRef idx="minor">
+            <a:schemeClr val="tx1"/>
+          </a:fontRef>
+        </p:style>
+      </p:cxnSp>
+      <mc:AlternateContent xmlns:mc="http://schemas.openxmlformats.org/markup-compatibility/2006">
+        <mc:Choice xmlns:a14="http://schemas.microsoft.com/office/drawing/2010/main" Requires="a14">
+          <p:sp>
+            <p:nvSpPr>
+              <p:cNvPr id="126" name="Rectangle 125">
+                <a:extLst>
+                  <a:ext uri="{FF2B5EF4-FFF2-40B4-BE49-F238E27FC236}">
+                    <a16:creationId xmlns:a16="http://schemas.microsoft.com/office/drawing/2014/main" id="{1081BDB4-03AA-7980-FBC2-663BF1CFB367}"/>
+                  </a:ext>
+                </a:extLst>
+              </p:cNvPr>
+              <p:cNvSpPr/>
+              <p:nvPr/>
+            </p:nvSpPr>
+            <p:spPr>
+              <a:xfrm>
+                <a:off x="7743008" y="4238903"/>
+                <a:ext cx="938768" cy="606384"/>
+              </a:xfrm>
+              <a:prstGeom prst="rect">
+                <a:avLst/>
+              </a:prstGeom>
+              <a:noFill/>
+            </p:spPr>
+            <p:txBody>
+              <a:bodyPr wrap="square" lIns="91440" tIns="45720" rIns="91440" bIns="45720">
+                <a:spAutoFit/>
+                <a:scene3d>
+                  <a:camera prst="orthographicFront"/>
+                  <a:lightRig rig="soft" dir="t">
+                    <a:rot lat="0" lon="0" rev="15600000"/>
+                  </a:lightRig>
+                </a:scene3d>
+                <a:sp3d extrusionH="57150" prstMaterial="softEdge">
+                  <a:bevelT w="25400" h="38100"/>
+                </a:sp3d>
+              </a:bodyPr>
+              <a:lstStyle/>
+              <a:p>
+                <a:pPr algn="ctr"/>
+                <a14:m>
+                  <m:oMathPara xmlns:m="http://schemas.openxmlformats.org/officeDocument/2006/math">
+                    <m:oMathParaPr>
+                      <m:jc m:val="centerGroup"/>
+                    </m:oMathParaPr>
+                    <m:oMath xmlns:m="http://schemas.openxmlformats.org/officeDocument/2006/math">
+                      <m:sSub>
+                        <m:sSubPr>
+                          <m:ctrlPr>
+                            <a:rPr lang="en-US" sz="3200" b="1" i="1" dirty="0" smtClean="0">
+                              <a:ln/>
+                              <a:solidFill>
+                                <a:srgbClr val="7030A0"/>
+                              </a:solidFill>
+                              <a:latin typeface="Cambria Math" panose="02040503050406030204" pitchFamily="18" charset="0"/>
+                            </a:rPr>
+                          </m:ctrlPr>
+                        </m:sSubPr>
+                        <m:e>
+                          <m:r>
+                            <a:rPr lang="en-US" sz="3200" b="1" i="1" dirty="0" smtClean="0">
+                              <a:ln/>
+                              <a:solidFill>
+                                <a:srgbClr val="7030A0"/>
+                              </a:solidFill>
+                              <a:latin typeface="Cambria Math" panose="02040503050406030204" pitchFamily="18" charset="0"/>
+                            </a:rPr>
+                            <m:t>𝑷</m:t>
+                          </m:r>
+                        </m:e>
+                        <m:sub>
+                          <m:r>
+                            <a:rPr lang="en-US" sz="3200" b="1" i="1" dirty="0" smtClean="0">
+                              <a:ln/>
+                              <a:solidFill>
+                                <a:srgbClr val="7030A0"/>
+                              </a:solidFill>
+                              <a:latin typeface="Cambria Math" panose="02040503050406030204" pitchFamily="18" charset="0"/>
+                            </a:rPr>
+                            <m:t>𝒃</m:t>
+                          </m:r>
+                          <m:r>
+                            <a:rPr lang="en-US" sz="3200" b="1" i="1" dirty="0" smtClean="0">
+                              <a:ln/>
+                              <a:solidFill>
+                                <a:srgbClr val="7030A0"/>
+                              </a:solidFill>
+                              <a:latin typeface="Cambria Math" panose="02040503050406030204" pitchFamily="18" charset="0"/>
+                              <a:ea typeface="Cambria Math" panose="02040503050406030204" pitchFamily="18" charset="0"/>
+                            </a:rPr>
+                            <m:t>,</m:t>
+                          </m:r>
+                          <m:r>
+                            <a:rPr lang="en-US" sz="3200" b="1" i="1" dirty="0" smtClean="0">
+                              <a:ln/>
+                              <a:solidFill>
+                                <a:srgbClr val="7030A0"/>
+                              </a:solidFill>
+                              <a:latin typeface="Cambria Math" panose="02040503050406030204" pitchFamily="18" charset="0"/>
+                              <a:ea typeface="Cambria Math" panose="02040503050406030204" pitchFamily="18" charset="0"/>
+                            </a:rPr>
+                            <m:t>𝟏</m:t>
+                          </m:r>
+                        </m:sub>
+                      </m:sSub>
+                    </m:oMath>
+                  </m:oMathPara>
+                </a14:m>
+                <a:endParaRPr lang="en-US" sz="4400" b="1" dirty="0">
+                  <a:ln/>
+                  <a:solidFill>
+                    <a:srgbClr val="00B050"/>
+                  </a:solidFill>
+                </a:endParaRPr>
+              </a:p>
+            </p:txBody>
+          </p:sp>
+        </mc:Choice>
+        <mc:Fallback>
+          <p:sp>
+            <p:nvSpPr>
+              <p:cNvPr id="126" name="Rectangle 125">
+                <a:extLst>
+                  <a:ext uri="{FF2B5EF4-FFF2-40B4-BE49-F238E27FC236}">
+                    <a16:creationId xmlns:a16="http://schemas.microsoft.com/office/drawing/2014/main" id="{1081BDB4-03AA-7980-FBC2-663BF1CFB367}"/>
+                  </a:ext>
+                </a:extLst>
+              </p:cNvPr>
+              <p:cNvSpPr>
+                <a:spLocks noRot="1" noChangeAspect="1" noMove="1" noResize="1" noEditPoints="1" noAdjustHandles="1" noChangeArrowheads="1" noChangeShapeType="1" noTextEdit="1"/>
+              </p:cNvSpPr>
+              <p:nvPr/>
+            </p:nvSpPr>
+            <p:spPr>
+              <a:xfrm>
+                <a:off x="7743008" y="4238903"/>
+                <a:ext cx="938768" cy="606384"/>
+              </a:xfrm>
+              <a:prstGeom prst="rect">
+                <a:avLst/>
+              </a:prstGeom>
+              <a:blipFill>
+                <a:blip r:embed="rId8"/>
+                <a:stretch>
+                  <a:fillRect/>
+                </a:stretch>
+              </a:blipFill>
+            </p:spPr>
+            <p:txBody>
+              <a:bodyPr/>
+              <a:lstStyle/>
+              <a:p>
+                <a:r>
+                  <a:rPr lang="en-US">
+                    <a:noFill/>
+                  </a:rPr>
+                  <a:t> </a:t>
+                </a:r>
+              </a:p>
+            </p:txBody>
+          </p:sp>
+        </mc:Fallback>
+      </mc:AlternateContent>
+      <mc:AlternateContent xmlns:mc="http://schemas.openxmlformats.org/markup-compatibility/2006">
+        <mc:Choice xmlns:a14="http://schemas.microsoft.com/office/drawing/2010/main" Requires="a14">
+          <p:sp>
+            <p:nvSpPr>
+              <p:cNvPr id="127" name="Rectangle 126">
+                <a:extLst>
+                  <a:ext uri="{FF2B5EF4-FFF2-40B4-BE49-F238E27FC236}">
+                    <a16:creationId xmlns:a16="http://schemas.microsoft.com/office/drawing/2014/main" id="{E4B428B6-7B0D-F461-7FCB-42B14C32D64E}"/>
+                  </a:ext>
+                </a:extLst>
+              </p:cNvPr>
+              <p:cNvSpPr/>
+              <p:nvPr/>
+            </p:nvSpPr>
+            <p:spPr>
+              <a:xfrm>
+                <a:off x="2874916" y="4088844"/>
+                <a:ext cx="943289" cy="606384"/>
+              </a:xfrm>
+              <a:prstGeom prst="rect">
+                <a:avLst/>
+              </a:prstGeom>
+              <a:noFill/>
+            </p:spPr>
+            <p:txBody>
+              <a:bodyPr wrap="square" lIns="91440" tIns="45720" rIns="91440" bIns="45720">
+                <a:spAutoFit/>
+                <a:scene3d>
+                  <a:camera prst="orthographicFront"/>
+                  <a:lightRig rig="soft" dir="t">
+                    <a:rot lat="0" lon="0" rev="15600000"/>
+                  </a:lightRig>
+                </a:scene3d>
+                <a:sp3d extrusionH="57150" prstMaterial="softEdge">
+                  <a:bevelT w="25400" h="38100"/>
+                </a:sp3d>
+              </a:bodyPr>
+              <a:lstStyle/>
+              <a:p>
+                <a:pPr algn="ctr"/>
+                <a14:m>
+                  <m:oMathPara xmlns:m="http://schemas.openxmlformats.org/officeDocument/2006/math">
+                    <m:oMathParaPr>
+                      <m:jc m:val="centerGroup"/>
+                    </m:oMathParaPr>
+                    <m:oMath xmlns:m="http://schemas.openxmlformats.org/officeDocument/2006/math">
+                      <m:sSub>
+                        <m:sSubPr>
+                          <m:ctrlPr>
+                            <a:rPr lang="en-US" sz="3200" b="1" i="1" dirty="0" smtClean="0">
+                              <a:ln/>
+                              <a:solidFill>
+                                <a:srgbClr val="7030A0"/>
+                              </a:solidFill>
+                              <a:latin typeface="Cambria Math" panose="02040503050406030204" pitchFamily="18" charset="0"/>
+                            </a:rPr>
+                          </m:ctrlPr>
+                        </m:sSubPr>
+                        <m:e>
+                          <m:r>
+                            <a:rPr lang="en-US" sz="3200" b="1" i="1" dirty="0" smtClean="0">
+                              <a:ln/>
+                              <a:solidFill>
+                                <a:srgbClr val="7030A0"/>
+                              </a:solidFill>
+                              <a:latin typeface="Cambria Math" panose="02040503050406030204" pitchFamily="18" charset="0"/>
+                            </a:rPr>
+                            <m:t>𝑷</m:t>
+                          </m:r>
+                        </m:e>
+                        <m:sub>
+                          <m:r>
+                            <a:rPr lang="en-US" sz="3200" b="1" i="1" dirty="0" smtClean="0">
+                              <a:ln/>
+                              <a:solidFill>
+                                <a:srgbClr val="7030A0"/>
+                              </a:solidFill>
+                              <a:latin typeface="Cambria Math" panose="02040503050406030204" pitchFamily="18" charset="0"/>
+                            </a:rPr>
+                            <m:t>𝒂</m:t>
+                          </m:r>
+                          <m:r>
+                            <a:rPr lang="en-US" sz="3200" b="1" i="1" dirty="0" smtClean="0">
+                              <a:ln/>
+                              <a:solidFill>
+                                <a:srgbClr val="7030A0"/>
+                              </a:solidFill>
+                              <a:latin typeface="Cambria Math" panose="02040503050406030204" pitchFamily="18" charset="0"/>
+                              <a:ea typeface="Cambria Math" panose="02040503050406030204" pitchFamily="18" charset="0"/>
+                            </a:rPr>
+                            <m:t>,</m:t>
+                          </m:r>
+                          <m:r>
+                            <a:rPr lang="en-US" sz="3200" b="1" i="1" dirty="0" smtClean="0">
+                              <a:ln/>
+                              <a:solidFill>
+                                <a:srgbClr val="7030A0"/>
+                              </a:solidFill>
+                              <a:latin typeface="Cambria Math" panose="02040503050406030204" pitchFamily="18" charset="0"/>
+                              <a:ea typeface="Cambria Math" panose="02040503050406030204" pitchFamily="18" charset="0"/>
+                            </a:rPr>
+                            <m:t>𝟏</m:t>
+                          </m:r>
+                        </m:sub>
+                      </m:sSub>
+                    </m:oMath>
+                  </m:oMathPara>
+                </a14:m>
+                <a:endParaRPr lang="en-US" sz="4400" b="1" dirty="0">
+                  <a:ln/>
+                  <a:solidFill>
+                    <a:srgbClr val="00B050"/>
+                  </a:solidFill>
+                </a:endParaRPr>
+              </a:p>
+            </p:txBody>
+          </p:sp>
+        </mc:Choice>
+        <mc:Fallback>
+          <p:sp>
+            <p:nvSpPr>
+              <p:cNvPr id="127" name="Rectangle 126">
+                <a:extLst>
+                  <a:ext uri="{FF2B5EF4-FFF2-40B4-BE49-F238E27FC236}">
+                    <a16:creationId xmlns:a16="http://schemas.microsoft.com/office/drawing/2014/main" id="{E4B428B6-7B0D-F461-7FCB-42B14C32D64E}"/>
+                  </a:ext>
+                </a:extLst>
+              </p:cNvPr>
+              <p:cNvSpPr>
+                <a:spLocks noRot="1" noChangeAspect="1" noMove="1" noResize="1" noEditPoints="1" noAdjustHandles="1" noChangeArrowheads="1" noChangeShapeType="1" noTextEdit="1"/>
+              </p:cNvSpPr>
+              <p:nvPr/>
+            </p:nvSpPr>
+            <p:spPr>
+              <a:xfrm>
+                <a:off x="2874916" y="4088844"/>
+                <a:ext cx="943289" cy="606384"/>
+              </a:xfrm>
+              <a:prstGeom prst="rect">
+                <a:avLst/>
+              </a:prstGeom>
+              <a:blipFill>
+                <a:blip r:embed="rId9"/>
+                <a:stretch>
+                  <a:fillRect/>
+                </a:stretch>
+              </a:blipFill>
+            </p:spPr>
+            <p:txBody>
+              <a:bodyPr/>
+              <a:lstStyle/>
+              <a:p>
+                <a:r>
+                  <a:rPr lang="en-US">
+                    <a:noFill/>
+                  </a:rPr>
+                  <a:t> </a:t>
+                </a:r>
+              </a:p>
+            </p:txBody>
+          </p:sp>
+        </mc:Fallback>
+      </mc:AlternateContent>
+      <p:cxnSp>
+        <p:nvCxnSpPr>
+          <p:cNvPr id="128" name="Straight Arrow Connector 127">
+            <a:extLst>
+              <a:ext uri="{FF2B5EF4-FFF2-40B4-BE49-F238E27FC236}">
+                <a16:creationId xmlns:a16="http://schemas.microsoft.com/office/drawing/2014/main" id="{AB1D91F0-8C92-12C8-5021-BD6D5C957C2C}"/>
+              </a:ext>
+            </a:extLst>
+          </p:cNvPr>
+          <p:cNvCxnSpPr>
+            <a:cxnSpLocks/>
+          </p:cNvCxnSpPr>
+          <p:nvPr/>
+        </p:nvCxnSpPr>
+        <p:spPr>
+          <a:xfrm>
+            <a:off x="3545203" y="5165530"/>
+            <a:ext cx="1194746" cy="533715"/>
+          </a:xfrm>
+          <a:prstGeom prst="straightConnector1">
+            <a:avLst/>
+          </a:prstGeom>
+          <a:ln w="57150">
+            <a:solidFill>
+              <a:srgbClr val="002060"/>
+            </a:solidFill>
+            <a:tailEnd type="triangle"/>
+          </a:ln>
+        </p:spPr>
+        <p:style>
+          <a:lnRef idx="1">
+            <a:schemeClr val="accent1"/>
+          </a:lnRef>
+          <a:fillRef idx="0">
+            <a:schemeClr val="accent1"/>
+          </a:fillRef>
+          <a:effectRef idx="0">
+            <a:schemeClr val="accent1"/>
+          </a:effectRef>
+          <a:fontRef idx="minor">
+            <a:schemeClr val="tx1"/>
+          </a:fontRef>
+        </p:style>
+      </p:cxnSp>
+      <p:cxnSp>
+        <p:nvCxnSpPr>
+          <p:cNvPr id="132" name="Straight Arrow Connector 131">
+            <a:extLst>
+              <a:ext uri="{FF2B5EF4-FFF2-40B4-BE49-F238E27FC236}">
+                <a16:creationId xmlns:a16="http://schemas.microsoft.com/office/drawing/2014/main" id="{ED3D7524-F91B-24FB-3292-3C0A01650B65}"/>
+              </a:ext>
+            </a:extLst>
+          </p:cNvPr>
+          <p:cNvCxnSpPr>
+            <a:cxnSpLocks/>
+            <a:endCxn id="63" idx="3"/>
+          </p:cNvCxnSpPr>
+          <p:nvPr/>
+        </p:nvCxnSpPr>
+        <p:spPr>
+          <a:xfrm flipH="1">
+            <a:off x="4881723" y="5296787"/>
+            <a:ext cx="1446472" cy="321863"/>
+          </a:xfrm>
+          <a:prstGeom prst="straightConnector1">
+            <a:avLst/>
+          </a:prstGeom>
+          <a:ln w="57150">
+            <a:solidFill>
+              <a:srgbClr val="7030A0"/>
+            </a:solidFill>
+            <a:tailEnd type="triangle"/>
+          </a:ln>
+        </p:spPr>
+        <p:style>
+          <a:lnRef idx="1">
+            <a:schemeClr val="accent1"/>
+          </a:lnRef>
+          <a:fillRef idx="0">
+            <a:schemeClr val="accent1"/>
+          </a:fillRef>
+          <a:effectRef idx="0">
+            <a:schemeClr val="accent1"/>
+          </a:effectRef>
+          <a:fontRef idx="minor">
+            <a:schemeClr val="tx1"/>
+          </a:fontRef>
+        </p:style>
+      </p:cxnSp>
+      <p:sp>
+        <p:nvSpPr>
+          <p:cNvPr id="142" name="Arrow: Down 141">
+            <a:extLst>
+              <a:ext uri="{FF2B5EF4-FFF2-40B4-BE49-F238E27FC236}">
+                <a16:creationId xmlns:a16="http://schemas.microsoft.com/office/drawing/2014/main" id="{37CD4A60-DD8A-1155-2EBC-8A96A1BC0B41}"/>
+              </a:ext>
+            </a:extLst>
+          </p:cNvPr>
+          <p:cNvSpPr/>
+          <p:nvPr/>
+        </p:nvSpPr>
+        <p:spPr>
+          <a:xfrm>
+            <a:off x="4736894" y="5645822"/>
+            <a:ext cx="186017" cy="671187"/>
+          </a:xfrm>
+          <a:prstGeom prst="downArrow">
+            <a:avLst/>
+          </a:prstGeom>
+          <a:solidFill>
+            <a:srgbClr val="00B050"/>
+          </a:solidFill>
+        </p:spPr>
+        <p:style>
+          <a:lnRef idx="2">
+            <a:schemeClr val="accent1">
+              <a:shade val="50000"/>
+            </a:schemeClr>
+          </a:lnRef>
+          <a:fillRef idx="1">
+            <a:schemeClr val="accent1"/>
+          </a:fillRef>
+          <a:effectRef idx="0">
+            <a:schemeClr val="accent1"/>
+          </a:effectRef>
+          <a:fontRef idx="minor">
+            <a:schemeClr val="lt1"/>
+          </a:fontRef>
+        </p:style>
+        <p:txBody>
+          <a:bodyPr rtlCol="0" anchor="ctr"/>
+          <a:lstStyle/>
+          <a:p>
+            <a:pPr algn="ctr"/>
+            <a:endParaRPr lang="en-US" dirty="0"/>
+          </a:p>
+        </p:txBody>
+      </p:sp>
+      <mc:AlternateContent xmlns:mc="http://schemas.openxmlformats.org/markup-compatibility/2006">
+        <mc:Choice xmlns:a14="http://schemas.microsoft.com/office/drawing/2010/main" Requires="a14">
+          <p:sp>
+            <p:nvSpPr>
+              <p:cNvPr id="143" name="Rectangle 142">
+                <a:extLst>
+                  <a:ext uri="{FF2B5EF4-FFF2-40B4-BE49-F238E27FC236}">
+                    <a16:creationId xmlns:a16="http://schemas.microsoft.com/office/drawing/2014/main" id="{4AD73AC5-06CD-7D18-36C7-C3400D0E1D96}"/>
+                  </a:ext>
+                </a:extLst>
+              </p:cNvPr>
+              <p:cNvSpPr/>
+              <p:nvPr/>
+            </p:nvSpPr>
+            <p:spPr>
+              <a:xfrm>
+                <a:off x="3349764" y="5220770"/>
+                <a:ext cx="943289" cy="606384"/>
+              </a:xfrm>
+              <a:prstGeom prst="rect">
+                <a:avLst/>
+              </a:prstGeom>
+              <a:noFill/>
+            </p:spPr>
+            <p:txBody>
+              <a:bodyPr wrap="square" lIns="91440" tIns="45720" rIns="91440" bIns="45720">
+                <a:spAutoFit/>
+                <a:scene3d>
+                  <a:camera prst="orthographicFront"/>
+                  <a:lightRig rig="soft" dir="t">
+                    <a:rot lat="0" lon="0" rev="15600000"/>
+                  </a:lightRig>
+                </a:scene3d>
+                <a:sp3d extrusionH="57150" prstMaterial="softEdge">
+                  <a:bevelT w="25400" h="38100"/>
+                </a:sp3d>
+              </a:bodyPr>
+              <a:lstStyle/>
+              <a:p>
+                <a:pPr algn="ctr"/>
+                <a14:m>
+                  <m:oMathPara xmlns:m="http://schemas.openxmlformats.org/officeDocument/2006/math">
+                    <m:oMathParaPr>
+                      <m:jc m:val="centerGroup"/>
+                    </m:oMathParaPr>
+                    <m:oMath xmlns:m="http://schemas.openxmlformats.org/officeDocument/2006/math">
+                      <m:sSub>
+                        <m:sSubPr>
+                          <m:ctrlPr>
+                            <a:rPr lang="en-US" sz="3200" i="1" dirty="0" smtClean="0">
+                              <a:ln w="0"/>
+                              <a:effectLst>
+                                <a:outerShdw blurRad="38100" dist="19050" dir="2700000" algn="tl" rotWithShape="0">
+                                  <a:schemeClr val="dk1">
+                                    <a:alpha val="40000"/>
+                                  </a:schemeClr>
+                                </a:outerShdw>
+                              </a:effectLst>
+                              <a:latin typeface="Cambria Math" panose="02040503050406030204" pitchFamily="18" charset="0"/>
+                            </a:rPr>
+                          </m:ctrlPr>
+                        </m:sSubPr>
+                        <m:e>
+                          <m:r>
+                            <a:rPr lang="en-US" sz="3200" i="1" dirty="0" smtClean="0">
+                              <a:ln w="0"/>
+                              <a:effectLst>
+                                <a:outerShdw blurRad="38100" dist="19050" dir="2700000" algn="tl" rotWithShape="0">
+                                  <a:schemeClr val="dk1">
+                                    <a:alpha val="40000"/>
+                                  </a:schemeClr>
+                                </a:outerShdw>
+                              </a:effectLst>
+                              <a:latin typeface="Cambria Math" panose="02040503050406030204" pitchFamily="18" charset="0"/>
+                            </a:rPr>
+                            <m:t>𝑷</m:t>
+                          </m:r>
+                        </m:e>
+                        <m:sub>
+                          <m:r>
+                            <a:rPr lang="en-US" sz="3200" i="1" dirty="0" smtClean="0">
+                              <a:ln w="0"/>
+                              <a:effectLst>
+                                <a:outerShdw blurRad="38100" dist="19050" dir="2700000" algn="tl" rotWithShape="0">
+                                  <a:schemeClr val="dk1">
+                                    <a:alpha val="40000"/>
+                                  </a:schemeClr>
+                                </a:outerShdw>
+                              </a:effectLst>
+                              <a:latin typeface="Cambria Math" panose="02040503050406030204" pitchFamily="18" charset="0"/>
+                              <a:ea typeface="Cambria Math" panose="02040503050406030204" pitchFamily="18" charset="0"/>
+                            </a:rPr>
+                            <m:t>𝟎</m:t>
+                          </m:r>
+                        </m:sub>
+                      </m:sSub>
+                    </m:oMath>
+                  </m:oMathPara>
+                </a14:m>
+                <a:endParaRPr lang="en-US" sz="4400" b="1" dirty="0">
+                  <a:ln/>
+                  <a:solidFill>
+                    <a:srgbClr val="00B050"/>
+                  </a:solidFill>
+                </a:endParaRPr>
+              </a:p>
+            </p:txBody>
+          </p:sp>
+        </mc:Choice>
+        <mc:Fallback>
+          <p:sp>
+            <p:nvSpPr>
+              <p:cNvPr id="143" name="Rectangle 142">
+                <a:extLst>
+                  <a:ext uri="{FF2B5EF4-FFF2-40B4-BE49-F238E27FC236}">
+                    <a16:creationId xmlns:a16="http://schemas.microsoft.com/office/drawing/2014/main" id="{4AD73AC5-06CD-7D18-36C7-C3400D0E1D96}"/>
+                  </a:ext>
+                </a:extLst>
+              </p:cNvPr>
+              <p:cNvSpPr>
+                <a:spLocks noRot="1" noChangeAspect="1" noMove="1" noResize="1" noEditPoints="1" noAdjustHandles="1" noChangeArrowheads="1" noChangeShapeType="1" noTextEdit="1"/>
+              </p:cNvSpPr>
+              <p:nvPr/>
+            </p:nvSpPr>
+            <p:spPr>
+              <a:xfrm>
+                <a:off x="3349764" y="5220770"/>
+                <a:ext cx="943289" cy="606384"/>
+              </a:xfrm>
+              <a:prstGeom prst="rect">
+                <a:avLst/>
+              </a:prstGeom>
+              <a:blipFill>
+                <a:blip r:embed="rId10"/>
+                <a:stretch>
+                  <a:fillRect/>
+                </a:stretch>
+              </a:blipFill>
+            </p:spPr>
+            <p:txBody>
+              <a:bodyPr/>
+              <a:lstStyle/>
+              <a:p>
+                <a:r>
+                  <a:rPr lang="en-US">
+                    <a:noFill/>
+                  </a:rPr>
+                  <a:t> </a:t>
+                </a:r>
+              </a:p>
+            </p:txBody>
+          </p:sp>
+        </mc:Fallback>
+      </mc:AlternateContent>
+      <mc:AlternateContent xmlns:mc="http://schemas.openxmlformats.org/markup-compatibility/2006">
+        <mc:Choice xmlns:a14="http://schemas.microsoft.com/office/drawing/2010/main" Requires="a14">
+          <p:sp>
+            <p:nvSpPr>
+              <p:cNvPr id="144" name="Rectangle 143">
+                <a:extLst>
+                  <a:ext uri="{FF2B5EF4-FFF2-40B4-BE49-F238E27FC236}">
+                    <a16:creationId xmlns:a16="http://schemas.microsoft.com/office/drawing/2014/main" id="{C0CB9B83-D6F3-CE09-34C3-1140B54283DC}"/>
+                  </a:ext>
+                </a:extLst>
+              </p:cNvPr>
+              <p:cNvSpPr/>
+              <p:nvPr/>
+            </p:nvSpPr>
+            <p:spPr>
+              <a:xfrm>
+                <a:off x="5604959" y="5315805"/>
+                <a:ext cx="938768" cy="606384"/>
+              </a:xfrm>
+              <a:prstGeom prst="rect">
+                <a:avLst/>
+              </a:prstGeom>
+              <a:noFill/>
+            </p:spPr>
+            <p:txBody>
+              <a:bodyPr wrap="square" lIns="91440" tIns="45720" rIns="91440" bIns="45720">
+                <a:spAutoFit/>
+                <a:scene3d>
+                  <a:camera prst="orthographicFront"/>
+                  <a:lightRig rig="soft" dir="t">
+                    <a:rot lat="0" lon="0" rev="15600000"/>
+                  </a:lightRig>
+                </a:scene3d>
+                <a:sp3d extrusionH="57150" prstMaterial="softEdge">
+                  <a:bevelT w="25400" h="38100"/>
+                </a:sp3d>
+              </a:bodyPr>
+              <a:lstStyle/>
+              <a:p>
+                <a:pPr algn="ctr"/>
+                <a14:m>
+                  <m:oMathPara xmlns:m="http://schemas.openxmlformats.org/officeDocument/2006/math">
+                    <m:oMathParaPr>
+                      <m:jc m:val="centerGroup"/>
+                    </m:oMathParaPr>
+                    <m:oMath xmlns:m="http://schemas.openxmlformats.org/officeDocument/2006/math">
+                      <m:sSub>
+                        <m:sSubPr>
+                          <m:ctrlPr>
+                            <a:rPr lang="en-US" sz="3200" b="1" i="1" dirty="0" smtClean="0">
+                              <a:ln/>
+                              <a:solidFill>
+                                <a:srgbClr val="7030A0"/>
+                              </a:solidFill>
+                              <a:latin typeface="Cambria Math" panose="02040503050406030204" pitchFamily="18" charset="0"/>
+                            </a:rPr>
+                          </m:ctrlPr>
+                        </m:sSubPr>
+                        <m:e>
+                          <m:r>
+                            <a:rPr lang="en-US" sz="3200" b="1" i="1" dirty="0" smtClean="0">
+                              <a:ln/>
+                              <a:solidFill>
+                                <a:srgbClr val="7030A0"/>
+                              </a:solidFill>
+                              <a:latin typeface="Cambria Math" panose="02040503050406030204" pitchFamily="18" charset="0"/>
+                            </a:rPr>
+                            <m:t>𝑷</m:t>
+                          </m:r>
+                        </m:e>
+                        <m:sub>
+                          <m:r>
+                            <a:rPr lang="en-US" sz="3200" b="1" i="1" dirty="0" smtClean="0">
+                              <a:ln/>
+                              <a:solidFill>
+                                <a:srgbClr val="7030A0"/>
+                              </a:solidFill>
+                              <a:latin typeface="Cambria Math" panose="02040503050406030204" pitchFamily="18" charset="0"/>
+                            </a:rPr>
+                            <m:t>𝟏</m:t>
+                          </m:r>
+                        </m:sub>
+                      </m:sSub>
+                    </m:oMath>
+                  </m:oMathPara>
+                </a14:m>
+                <a:endParaRPr lang="en-US" sz="4400" b="1" dirty="0">
+                  <a:ln/>
+                  <a:solidFill>
+                    <a:srgbClr val="00B050"/>
+                  </a:solidFill>
+                </a:endParaRPr>
+              </a:p>
+            </p:txBody>
+          </p:sp>
+        </mc:Choice>
+        <mc:Fallback>
+          <p:sp>
+            <p:nvSpPr>
+              <p:cNvPr id="144" name="Rectangle 143">
+                <a:extLst>
+                  <a:ext uri="{FF2B5EF4-FFF2-40B4-BE49-F238E27FC236}">
+                    <a16:creationId xmlns:a16="http://schemas.microsoft.com/office/drawing/2014/main" id="{C0CB9B83-D6F3-CE09-34C3-1140B54283DC}"/>
+                  </a:ext>
+                </a:extLst>
+              </p:cNvPr>
+              <p:cNvSpPr>
+                <a:spLocks noRot="1" noChangeAspect="1" noMove="1" noResize="1" noEditPoints="1" noAdjustHandles="1" noChangeArrowheads="1" noChangeShapeType="1" noTextEdit="1"/>
+              </p:cNvSpPr>
+              <p:nvPr/>
+            </p:nvSpPr>
+            <p:spPr>
+              <a:xfrm>
+                <a:off x="5604959" y="5315805"/>
+                <a:ext cx="938768" cy="606384"/>
+              </a:xfrm>
+              <a:prstGeom prst="rect">
+                <a:avLst/>
+              </a:prstGeom>
+              <a:blipFill>
+                <a:blip r:embed="rId11"/>
+                <a:stretch>
+                  <a:fillRect/>
+                </a:stretch>
+              </a:blipFill>
+            </p:spPr>
+            <p:txBody>
+              <a:bodyPr/>
+              <a:lstStyle/>
+              <a:p>
+                <a:r>
+                  <a:rPr lang="en-US">
+                    <a:noFill/>
+                  </a:rPr>
+                  <a:t> </a:t>
+                </a:r>
+              </a:p>
+            </p:txBody>
+          </p:sp>
+        </mc:Fallback>
+      </mc:AlternateContent>
+      <mc:AlternateContent xmlns:mc="http://schemas.openxmlformats.org/markup-compatibility/2006">
+        <mc:Choice xmlns:a14="http://schemas.microsoft.com/office/drawing/2010/main" Requires="a14">
+          <p:sp>
+            <p:nvSpPr>
+              <p:cNvPr id="145" name="Rectangle 144">
+                <a:extLst>
+                  <a:ext uri="{FF2B5EF4-FFF2-40B4-BE49-F238E27FC236}">
+                    <a16:creationId xmlns:a16="http://schemas.microsoft.com/office/drawing/2014/main" id="{624C685A-4E48-0735-F475-0D81A70AE5F3}"/>
+                  </a:ext>
+                </a:extLst>
+              </p:cNvPr>
+              <p:cNvSpPr/>
+              <p:nvPr/>
+            </p:nvSpPr>
+            <p:spPr>
+              <a:xfrm>
+                <a:off x="4554360" y="4878765"/>
+                <a:ext cx="938768" cy="606384"/>
+              </a:xfrm>
+              <a:prstGeom prst="rect">
+                <a:avLst/>
+              </a:prstGeom>
+              <a:noFill/>
+            </p:spPr>
+            <p:txBody>
+              <a:bodyPr wrap="square" lIns="91440" tIns="45720" rIns="91440" bIns="45720">
+                <a:spAutoFit/>
+                <a:scene3d>
+                  <a:camera prst="orthographicFront"/>
+                  <a:lightRig rig="soft" dir="t">
+                    <a:rot lat="0" lon="0" rev="15600000"/>
+                  </a:lightRig>
+                </a:scene3d>
+                <a:sp3d extrusionH="57150" prstMaterial="softEdge">
+                  <a:bevelT w="25400" h="38100"/>
+                </a:sp3d>
+              </a:bodyPr>
+              <a:lstStyle/>
+              <a:p>
+                <a:pPr algn="ctr"/>
+                <a14:m>
+                  <m:oMathPara xmlns:m="http://schemas.openxmlformats.org/officeDocument/2006/math">
+                    <m:oMathParaPr>
+                      <m:jc m:val="centerGroup"/>
+                    </m:oMathParaPr>
+                    <m:oMath xmlns:m="http://schemas.openxmlformats.org/officeDocument/2006/math">
+                      <m:r>
+                        <a:rPr lang="en-US" sz="3200" b="1" i="1" dirty="0" smtClean="0">
+                          <a:ln/>
+                          <a:solidFill>
+                            <a:srgbClr val="FF0000"/>
+                          </a:solidFill>
+                          <a:latin typeface="Cambria Math" panose="02040503050406030204" pitchFamily="18" charset="0"/>
+                        </a:rPr>
+                        <m:t>𝒄</m:t>
+                      </m:r>
+                    </m:oMath>
+                  </m:oMathPara>
+                </a14:m>
+                <a:endParaRPr lang="en-US" sz="4400" b="1" dirty="0">
+                  <a:ln/>
+                  <a:solidFill>
+                    <a:srgbClr val="FF0000"/>
+                  </a:solidFill>
+                </a:endParaRPr>
+              </a:p>
+            </p:txBody>
+          </p:sp>
+        </mc:Choice>
+        <mc:Fallback>
+          <p:sp>
+            <p:nvSpPr>
+              <p:cNvPr id="145" name="Rectangle 144">
+                <a:extLst>
+                  <a:ext uri="{FF2B5EF4-FFF2-40B4-BE49-F238E27FC236}">
+                    <a16:creationId xmlns:a16="http://schemas.microsoft.com/office/drawing/2014/main" id="{624C685A-4E48-0735-F475-0D81A70AE5F3}"/>
+                  </a:ext>
+                </a:extLst>
+              </p:cNvPr>
+              <p:cNvSpPr>
+                <a:spLocks noRot="1" noChangeAspect="1" noMove="1" noResize="1" noEditPoints="1" noAdjustHandles="1" noChangeArrowheads="1" noChangeShapeType="1" noTextEdit="1"/>
+              </p:cNvSpPr>
+              <p:nvPr/>
+            </p:nvSpPr>
+            <p:spPr>
+              <a:xfrm>
+                <a:off x="4554360" y="4878765"/>
+                <a:ext cx="938768" cy="606384"/>
+              </a:xfrm>
+              <a:prstGeom prst="rect">
+                <a:avLst/>
+              </a:prstGeom>
+              <a:blipFill>
+                <a:blip r:embed="rId12"/>
+                <a:stretch>
+                  <a:fillRect/>
+                </a:stretch>
+              </a:blipFill>
+            </p:spPr>
+            <p:txBody>
+              <a:bodyPr/>
+              <a:lstStyle/>
+              <a:p>
+                <a:r>
+                  <a:rPr lang="en-US">
+                    <a:noFill/>
+                  </a:rPr>
+                  <a:t> </a:t>
+                </a:r>
+              </a:p>
+            </p:txBody>
+          </p:sp>
+        </mc:Fallback>
+      </mc:AlternateContent>
+    </p:spTree>
+    <p:extLst>
+      <p:ext uri="{BB962C8B-B14F-4D97-AF65-F5344CB8AC3E}">
+        <p14:creationId xmlns:p14="http://schemas.microsoft.com/office/powerpoint/2010/main" val="1500862072"/>
+      </p:ext>
+    </p:extLst>
+  </p:cSld>
+  <p:clrMapOvr>
+    <a:masterClrMapping/>
+  </p:clrMapOvr>
+</p:sld>
+</file>
+
+<file path=ppt/slides/slide4.xml><?xml version="1.0" encoding="utf-8"?>
+<p:sld xmlns:a="http://schemas.openxmlformats.org/drawingml/2006/main" xmlns:r="http://schemas.openxmlformats.org/officeDocument/2006/relationships" xmlns:p="http://schemas.openxmlformats.org/presentationml/2006/main">
+  <p:cSld>
+    <p:spTree>
+      <p:nvGrpSpPr>
+        <p:cNvPr id="1" name=""/>
+        <p:cNvGrpSpPr/>
+        <p:nvPr/>
+      </p:nvGrpSpPr>
+      <p:grpSpPr>
+        <a:xfrm>
+          <a:off x="0" y="0"/>
+          <a:ext cx="0" cy="0"/>
+          <a:chOff x="0" y="0"/>
+          <a:chExt cx="0" cy="0"/>
+        </a:xfrm>
+      </p:grpSpPr>
       <p:grpSp>
         <p:nvGrpSpPr>
           <p:cNvPr id="8" name="Group 7">
@@ -6941,8 +11892,8 @@
             </a:p>
           </p:txBody>
         </p:sp>
-        <mc:AlternateContent xmlns:mc="http://schemas.openxmlformats.org/markup-compatibility/2006">
-          <mc:Choice xmlns:a14="http://schemas.microsoft.com/office/drawing/2010/main" Requires="a14">
+        <mc:AlternateContent xmlns:mc="http://schemas.openxmlformats.org/markup-compatibility/2006" xmlns:a14="http://schemas.microsoft.com/office/drawing/2010/main">
+          <mc:Choice Requires="a14">
             <p:sp>
               <p:nvSpPr>
                 <p:cNvPr id="5" name="Rectangle 4">
@@ -7041,7 +11992,7 @@
               </p:txBody>
             </p:sp>
           </mc:Choice>
-          <mc:Fallback>
+          <mc:Fallback xmlns="">
             <p:sp>
               <p:nvSpPr>
                 <p:cNvPr id="5" name="Rectangle 4">
@@ -7153,8 +12104,8 @@
             </a:p>
           </p:txBody>
         </p:sp>
-        <mc:AlternateContent xmlns:mc="http://schemas.openxmlformats.org/markup-compatibility/2006">
-          <mc:Choice xmlns:a14="http://schemas.microsoft.com/office/drawing/2010/main" Requires="a14">
+        <mc:AlternateContent xmlns:mc="http://schemas.openxmlformats.org/markup-compatibility/2006" xmlns:a14="http://schemas.microsoft.com/office/drawing/2010/main">
+          <mc:Choice Requires="a14">
             <p:sp>
               <p:nvSpPr>
                 <p:cNvPr id="11" name="Rectangle 10">
@@ -7253,7 +12204,7 @@
               </p:txBody>
             </p:sp>
           </mc:Choice>
-          <mc:Fallback>
+          <mc:Fallback xmlns="">
             <p:sp>
               <p:nvSpPr>
                 <p:cNvPr id="11" name="Rectangle 10">
@@ -7365,8 +12316,8 @@
             </a:p>
           </p:txBody>
         </p:sp>
-        <mc:AlternateContent xmlns:mc="http://schemas.openxmlformats.org/markup-compatibility/2006">
-          <mc:Choice xmlns:a14="http://schemas.microsoft.com/office/drawing/2010/main" Requires="a14">
+        <mc:AlternateContent xmlns:mc="http://schemas.openxmlformats.org/markup-compatibility/2006" xmlns:a14="http://schemas.microsoft.com/office/drawing/2010/main">
+          <mc:Choice Requires="a14">
             <p:sp>
               <p:nvSpPr>
                 <p:cNvPr id="14" name="Rectangle 13">
@@ -7465,7 +12416,7 @@
               </p:txBody>
             </p:sp>
           </mc:Choice>
-          <mc:Fallback>
+          <mc:Fallback xmlns="">
             <p:sp>
               <p:nvSpPr>
                 <p:cNvPr id="14" name="Rectangle 13">
@@ -7577,8 +12528,8 @@
             </a:p>
           </p:txBody>
         </p:sp>
-        <mc:AlternateContent xmlns:mc="http://schemas.openxmlformats.org/markup-compatibility/2006">
-          <mc:Choice xmlns:a14="http://schemas.microsoft.com/office/drawing/2010/main" Requires="a14">
+        <mc:AlternateContent xmlns:mc="http://schemas.openxmlformats.org/markup-compatibility/2006" xmlns:a14="http://schemas.microsoft.com/office/drawing/2010/main">
+          <mc:Choice Requires="a14">
             <p:sp>
               <p:nvSpPr>
                 <p:cNvPr id="17" name="Rectangle 16">
@@ -7677,7 +12628,7 @@
               </p:txBody>
             </p:sp>
           </mc:Choice>
-          <mc:Fallback>
+          <mc:Fallback xmlns="">
             <p:sp>
               <p:nvSpPr>
                 <p:cNvPr id="17" name="Rectangle 16">
@@ -7887,8 +12838,8 @@
           </a:fontRef>
         </p:style>
       </p:cxnSp>
-      <mc:AlternateContent xmlns:mc="http://schemas.openxmlformats.org/markup-compatibility/2006">
-        <mc:Choice xmlns:a14="http://schemas.microsoft.com/office/drawing/2010/main" Requires="a14">
+      <mc:AlternateContent xmlns:mc="http://schemas.openxmlformats.org/markup-compatibility/2006" xmlns:a14="http://schemas.microsoft.com/office/drawing/2010/main">
+        <mc:Choice Requires="a14">
           <p:sp>
             <p:nvSpPr>
               <p:cNvPr id="22" name="Rectangle 21">
@@ -7984,7 +12935,7 @@
             </p:txBody>
           </p:sp>
         </mc:Choice>
-        <mc:Fallback>
+        <mc:Fallback xmlns="">
           <p:sp>
             <p:nvSpPr>
               <p:cNvPr id="22" name="Rectangle 21">
@@ -8075,8 +13026,8 @@
           </a:fontRef>
         </p:style>
       </p:cxnSp>
-      <mc:AlternateContent xmlns:mc="http://schemas.openxmlformats.org/markup-compatibility/2006">
-        <mc:Choice xmlns:a14="http://schemas.microsoft.com/office/drawing/2010/main" Requires="a14">
+      <mc:AlternateContent xmlns:mc="http://schemas.openxmlformats.org/markup-compatibility/2006" xmlns:a14="http://schemas.microsoft.com/office/drawing/2010/main">
+        <mc:Choice Requires="a14">
           <p:sp>
             <p:nvSpPr>
               <p:cNvPr id="24" name="Rectangle 23">
@@ -8172,7 +13123,7 @@
             </p:txBody>
           </p:sp>
         </mc:Choice>
-        <mc:Fallback>
+        <mc:Fallback xmlns="">
           <p:sp>
             <p:nvSpPr>
               <p:cNvPr id="24" name="Rectangle 23">
@@ -8309,8 +13260,8 @@
           </a:fontRef>
         </p:style>
       </p:cxnSp>
-      <mc:AlternateContent xmlns:mc="http://schemas.openxmlformats.org/markup-compatibility/2006">
-        <mc:Choice xmlns:a14="http://schemas.microsoft.com/office/drawing/2010/main" Requires="a14">
+      <mc:AlternateContent xmlns:mc="http://schemas.openxmlformats.org/markup-compatibility/2006" xmlns:a14="http://schemas.microsoft.com/office/drawing/2010/main">
+        <mc:Choice Requires="a14">
           <p:sp>
             <p:nvSpPr>
               <p:cNvPr id="36" name="Rectangle 35">
@@ -8513,7 +13464,7 @@
             </p:txBody>
           </p:sp>
         </mc:Choice>
-        <mc:Fallback>
+        <mc:Fallback xmlns="">
           <p:sp>
             <p:nvSpPr>
               <p:cNvPr id="36" name="Rectangle 35">
@@ -8886,8 +13837,8 @@
           </a:fontRef>
         </p:style>
       </p:cxnSp>
-      <mc:AlternateContent xmlns:mc="http://schemas.openxmlformats.org/markup-compatibility/2006">
-        <mc:Choice xmlns:a14="http://schemas.microsoft.com/office/drawing/2010/main" Requires="a14">
+      <mc:AlternateContent xmlns:mc="http://schemas.openxmlformats.org/markup-compatibility/2006" xmlns:a14="http://schemas.microsoft.com/office/drawing/2010/main">
+        <mc:Choice Requires="a14">
           <p:sp>
             <p:nvSpPr>
               <p:cNvPr id="62" name="Rectangle 61">
@@ -9054,7 +14005,7 @@
             </p:txBody>
           </p:sp>
         </mc:Choice>
-        <mc:Fallback>
+        <mc:Fallback xmlns="">
           <p:sp>
             <p:nvSpPr>
               <p:cNvPr id="62" name="Rectangle 61">
@@ -9143,8 +14094,8 @@
           </a:fontRef>
         </p:style>
       </p:cxnSp>
-      <mc:AlternateContent xmlns:mc="http://schemas.openxmlformats.org/markup-compatibility/2006">
-        <mc:Choice xmlns:a14="http://schemas.microsoft.com/office/drawing/2010/main" Requires="a14">
+      <mc:AlternateContent xmlns:mc="http://schemas.openxmlformats.org/markup-compatibility/2006" xmlns:a14="http://schemas.microsoft.com/office/drawing/2010/main">
+        <mc:Choice Requires="a14">
           <p:sp>
             <p:nvSpPr>
               <p:cNvPr id="64" name="Rectangle 63">
@@ -9311,7 +14262,7 @@
             </p:txBody>
           </p:sp>
         </mc:Choice>
-        <mc:Fallback>
+        <mc:Fallback xmlns="">
           <p:sp>
             <p:nvSpPr>
               <p:cNvPr id="64" name="Rectangle 63">
@@ -9400,8 +14351,8 @@
           </a:fontRef>
         </p:style>
       </p:cxnSp>
-      <mc:AlternateContent xmlns:mc="http://schemas.openxmlformats.org/markup-compatibility/2006">
-        <mc:Choice xmlns:a14="http://schemas.microsoft.com/office/drawing/2010/main" Requires="a14">
+      <mc:AlternateContent xmlns:mc="http://schemas.openxmlformats.org/markup-compatibility/2006" xmlns:a14="http://schemas.microsoft.com/office/drawing/2010/main">
+        <mc:Choice Requires="a14">
           <p:sp>
             <p:nvSpPr>
               <p:cNvPr id="66" name="Rectangle 65">
@@ -9487,7 +14438,7 @@
             </p:txBody>
           </p:sp>
         </mc:Choice>
-        <mc:Fallback>
+        <mc:Fallback xmlns="">
           <p:sp>
             <p:nvSpPr>
               <p:cNvPr id="66" name="Rectangle 65">
@@ -9576,8 +14527,8 @@
           </a:fontRef>
         </p:style>
       </p:cxnSp>
-      <mc:AlternateContent xmlns:mc="http://schemas.openxmlformats.org/markup-compatibility/2006">
-        <mc:Choice xmlns:a14="http://schemas.microsoft.com/office/drawing/2010/main" Requires="a14">
+      <mc:AlternateContent xmlns:mc="http://schemas.openxmlformats.org/markup-compatibility/2006" xmlns:a14="http://schemas.microsoft.com/office/drawing/2010/main">
+        <mc:Choice Requires="a14">
           <p:sp>
             <p:nvSpPr>
               <p:cNvPr id="68" name="Rectangle 67">
@@ -9744,7 +14695,7 @@
             </p:txBody>
           </p:sp>
         </mc:Choice>
-        <mc:Fallback>
+        <mc:Fallback xmlns="">
           <p:sp>
             <p:nvSpPr>
               <p:cNvPr id="68" name="Rectangle 67">
@@ -9833,8 +14784,8 @@
           </a:fontRef>
         </p:style>
       </p:cxnSp>
-      <mc:AlternateContent xmlns:mc="http://schemas.openxmlformats.org/markup-compatibility/2006">
-        <mc:Choice xmlns:a14="http://schemas.microsoft.com/office/drawing/2010/main" Requires="a14">
+      <mc:AlternateContent xmlns:mc="http://schemas.openxmlformats.org/markup-compatibility/2006" xmlns:a14="http://schemas.microsoft.com/office/drawing/2010/main">
+        <mc:Choice Requires="a14">
           <p:sp>
             <p:nvSpPr>
               <p:cNvPr id="72" name="Rectangle 71">
@@ -10001,7 +14952,7 @@
             </p:txBody>
           </p:sp>
         </mc:Choice>
-        <mc:Fallback>
+        <mc:Fallback xmlns="">
           <p:sp>
             <p:nvSpPr>
               <p:cNvPr id="72" name="Rectangle 71">
@@ -10059,7 +15010,7 @@
 </p:sld>
 </file>
 
-<file path=ppt/slides/slide4.xml><?xml version="1.0" encoding="utf-8"?>
+<file path=ppt/slides/slide5.xml><?xml version="1.0" encoding="utf-8"?>
 <p:sld xmlns:a="http://schemas.openxmlformats.org/drawingml/2006/main" xmlns:r="http://schemas.openxmlformats.org/officeDocument/2006/relationships" xmlns:p="http://schemas.openxmlformats.org/presentationml/2006/main">
   <p:cSld>
     <p:spTree>
@@ -10249,8 +15200,8 @@
           </a:fontRef>
         </p:style>
       </p:cxnSp>
-      <mc:AlternateContent xmlns:mc="http://schemas.openxmlformats.org/markup-compatibility/2006">
-        <mc:Choice xmlns:a14="http://schemas.microsoft.com/office/drawing/2010/main" Requires="a14">
+      <mc:AlternateContent xmlns:mc="http://schemas.openxmlformats.org/markup-compatibility/2006" xmlns:a14="http://schemas.microsoft.com/office/drawing/2010/main">
+        <mc:Choice Requires="a14">
           <p:sp>
             <p:nvSpPr>
               <p:cNvPr id="13" name="Rectangle 12">
@@ -10323,7 +15274,7 @@
             </p:txBody>
           </p:sp>
         </mc:Choice>
-        <mc:Fallback>
+        <mc:Fallback xmlns="">
           <p:sp>
             <p:nvSpPr>
               <p:cNvPr id="13" name="Rectangle 12">
@@ -10410,8 +15361,8 @@
           </a:fontRef>
         </p:style>
       </p:cxnSp>
-      <mc:AlternateContent xmlns:mc="http://schemas.openxmlformats.org/markup-compatibility/2006">
-        <mc:Choice xmlns:a14="http://schemas.microsoft.com/office/drawing/2010/main" Requires="a14">
+      <mc:AlternateContent xmlns:mc="http://schemas.openxmlformats.org/markup-compatibility/2006" xmlns:a14="http://schemas.microsoft.com/office/drawing/2010/main">
+        <mc:Choice Requires="a14">
           <p:sp>
             <p:nvSpPr>
               <p:cNvPr id="15" name="Rectangle 14">
@@ -10484,7 +15435,7 @@
             </p:txBody>
           </p:sp>
         </mc:Choice>
-        <mc:Fallback>
+        <mc:Fallback xmlns="">
           <p:sp>
             <p:nvSpPr>
               <p:cNvPr id="15" name="Rectangle 14">
@@ -10571,8 +15522,8 @@
           </a:fontRef>
         </p:style>
       </p:cxnSp>
-      <mc:AlternateContent xmlns:mc="http://schemas.openxmlformats.org/markup-compatibility/2006">
-        <mc:Choice xmlns:a14="http://schemas.microsoft.com/office/drawing/2010/main" Requires="a14">
+      <mc:AlternateContent xmlns:mc="http://schemas.openxmlformats.org/markup-compatibility/2006" xmlns:a14="http://schemas.microsoft.com/office/drawing/2010/main">
+        <mc:Choice Requires="a14">
           <p:sp>
             <p:nvSpPr>
               <p:cNvPr id="17" name="Rectangle 16">
@@ -10645,7 +15596,7 @@
             </p:txBody>
           </p:sp>
         </mc:Choice>
-        <mc:Fallback>
+        <mc:Fallback xmlns="">
           <p:sp>
             <p:nvSpPr>
               <p:cNvPr id="17" name="Rectangle 16">
@@ -10690,8 +15641,8 @@
           </p:sp>
         </mc:Fallback>
       </mc:AlternateContent>
-      <mc:AlternateContent xmlns:mc="http://schemas.openxmlformats.org/markup-compatibility/2006">
-        <mc:Choice xmlns:a14="http://schemas.microsoft.com/office/drawing/2010/main" Requires="a14">
+      <mc:AlternateContent xmlns:mc="http://schemas.openxmlformats.org/markup-compatibility/2006" xmlns:a14="http://schemas.microsoft.com/office/drawing/2010/main">
+        <mc:Choice Requires="a14">
           <p:sp>
             <p:nvSpPr>
               <p:cNvPr id="18" name="Rectangle 17">
@@ -10764,7 +15715,7 @@
             </p:txBody>
           </p:sp>
         </mc:Choice>
-        <mc:Fallback>
+        <mc:Fallback xmlns="">
           <p:sp>
             <p:nvSpPr>
               <p:cNvPr id="18" name="Rectangle 17">
@@ -11048,7 +15999,7 @@
 </p:sld>
 </file>
 
-<file path=ppt/slides/slide5.xml><?xml version="1.0" encoding="utf-8"?>
+<file path=ppt/slides/slide6.xml><?xml version="1.0" encoding="utf-8"?>
 <p:sld xmlns:a="http://schemas.openxmlformats.org/drawingml/2006/main" xmlns:r="http://schemas.openxmlformats.org/officeDocument/2006/relationships" xmlns:p="http://schemas.openxmlformats.org/presentationml/2006/main">
   <p:cSld>
     <p:spTree>
@@ -11231,8 +16182,8 @@
           </a:fontRef>
         </p:style>
       </p:cxnSp>
-      <mc:AlternateContent xmlns:mc="http://schemas.openxmlformats.org/markup-compatibility/2006">
-        <mc:Choice xmlns:a14="http://schemas.microsoft.com/office/drawing/2010/main" Requires="a14">
+      <mc:AlternateContent xmlns:mc="http://schemas.openxmlformats.org/markup-compatibility/2006" xmlns:a14="http://schemas.microsoft.com/office/drawing/2010/main">
+        <mc:Choice Requires="a14">
           <p:sp>
             <p:nvSpPr>
               <p:cNvPr id="16" name="TextBox 15">
@@ -11315,7 +16266,7 @@
             </p:txBody>
           </p:sp>
         </mc:Choice>
-        <mc:Fallback>
+        <mc:Fallback xmlns="">
           <p:sp>
             <p:nvSpPr>
               <p:cNvPr id="16" name="TextBox 15">
@@ -11360,8 +16311,8 @@
           </p:sp>
         </mc:Fallback>
       </mc:AlternateContent>
-      <mc:AlternateContent xmlns:mc="http://schemas.openxmlformats.org/markup-compatibility/2006">
-        <mc:Choice xmlns:a14="http://schemas.microsoft.com/office/drawing/2010/main" Requires="a14">
+      <mc:AlternateContent xmlns:mc="http://schemas.openxmlformats.org/markup-compatibility/2006" xmlns:a14="http://schemas.microsoft.com/office/drawing/2010/main">
+        <mc:Choice Requires="a14">
           <p:sp>
             <p:nvSpPr>
               <p:cNvPr id="17" name="TextBox 16">
@@ -11444,7 +16395,7 @@
             </p:txBody>
           </p:sp>
         </mc:Choice>
-        <mc:Fallback>
+        <mc:Fallback xmlns="">
           <p:sp>
             <p:nvSpPr>
               <p:cNvPr id="17" name="TextBox 16">
@@ -11502,7 +16453,7 @@
 </p:sld>
 </file>
 
-<file path=ppt/slides/slide6.xml><?xml version="1.0" encoding="utf-8"?>
+<file path=ppt/slides/slide7.xml><?xml version="1.0" encoding="utf-8"?>
 <p:sld xmlns:a="http://schemas.openxmlformats.org/drawingml/2006/main" xmlns:r="http://schemas.openxmlformats.org/officeDocument/2006/relationships" xmlns:p="http://schemas.openxmlformats.org/presentationml/2006/main">
   <p:cSld>
     <p:spTree>
